--- a/Figure_file_1.pptx
+++ b/Figure_file_1.pptx
@@ -5,13 +5,20 @@
     <p:sldMasterId id="2147483648" r:id="rId1"/>
   </p:sldMasterIdLst>
   <p:notesMasterIdLst>
-    <p:notesMasterId r:id="rId6"/>
+    <p:notesMasterId r:id="rId13"/>
   </p:notesMasterIdLst>
   <p:sldIdLst>
     <p:sldId id="256" r:id="rId2"/>
     <p:sldId id="257" r:id="rId3"/>
     <p:sldId id="258" r:id="rId4"/>
     <p:sldId id="259" r:id="rId5"/>
+    <p:sldId id="262" r:id="rId6"/>
+    <p:sldId id="263" r:id="rId7"/>
+    <p:sldId id="266" r:id="rId8"/>
+    <p:sldId id="261" r:id="rId9"/>
+    <p:sldId id="265" r:id="rId10"/>
+    <p:sldId id="264" r:id="rId11"/>
+    <p:sldId id="267" r:id="rId12"/>
   </p:sldIdLst>
   <p:sldSz cx="12192000" cy="6858000"/>
   <p:notesSz cx="6858000" cy="9144000"/>
@@ -200,7 +207,7 @@
           <a:p>
             <a:fld id="{C8F8CC35-090C-5546-A9F8-ED4E08AACA16}" type="datetimeFigureOut">
               <a:rPr kumimoji="1" lang="ko-Kore-KR" altLang="en-US" smtClean="0"/>
-              <a:t>2022. 9. 23.</a:t>
+              <a:t>2022. 9. 26.</a:t>
             </a:fld>
             <a:endParaRPr kumimoji="1" lang="ko-Kore-KR" altLang="en-US"/>
           </a:p>
@@ -869,7 +876,7 @@
           <a:p>
             <a:fld id="{0AE81044-3B06-104F-93DF-D57614370182}" type="datetimeFigureOut">
               <a:rPr kumimoji="1" lang="ko-Kore-KR" altLang="en-US" smtClean="0"/>
-              <a:t>2022. 9. 23.</a:t>
+              <a:t>2022. 9. 26.</a:t>
             </a:fld>
             <a:endParaRPr kumimoji="1" lang="ko-Kore-KR" altLang="en-US"/>
           </a:p>
@@ -1069,7 +1076,7 @@
           <a:p>
             <a:fld id="{0AE81044-3B06-104F-93DF-D57614370182}" type="datetimeFigureOut">
               <a:rPr kumimoji="1" lang="ko-Kore-KR" altLang="en-US" smtClean="0"/>
-              <a:t>2022. 9. 23.</a:t>
+              <a:t>2022. 9. 26.</a:t>
             </a:fld>
             <a:endParaRPr kumimoji="1" lang="ko-Kore-KR" altLang="en-US"/>
           </a:p>
@@ -1279,7 +1286,7 @@
           <a:p>
             <a:fld id="{0AE81044-3B06-104F-93DF-D57614370182}" type="datetimeFigureOut">
               <a:rPr kumimoji="1" lang="ko-Kore-KR" altLang="en-US" smtClean="0"/>
-              <a:t>2022. 9. 23.</a:t>
+              <a:t>2022. 9. 26.</a:t>
             </a:fld>
             <a:endParaRPr kumimoji="1" lang="ko-Kore-KR" altLang="en-US"/>
           </a:p>
@@ -1479,7 +1486,7 @@
           <a:p>
             <a:fld id="{0AE81044-3B06-104F-93DF-D57614370182}" type="datetimeFigureOut">
               <a:rPr kumimoji="1" lang="ko-Kore-KR" altLang="en-US" smtClean="0"/>
-              <a:t>2022. 9. 23.</a:t>
+              <a:t>2022. 9. 26.</a:t>
             </a:fld>
             <a:endParaRPr kumimoji="1" lang="ko-Kore-KR" altLang="en-US"/>
           </a:p>
@@ -1755,7 +1762,7 @@
           <a:p>
             <a:fld id="{0AE81044-3B06-104F-93DF-D57614370182}" type="datetimeFigureOut">
               <a:rPr kumimoji="1" lang="ko-Kore-KR" altLang="en-US" smtClean="0"/>
-              <a:t>2022. 9. 23.</a:t>
+              <a:t>2022. 9. 26.</a:t>
             </a:fld>
             <a:endParaRPr kumimoji="1" lang="ko-Kore-KR" altLang="en-US"/>
           </a:p>
@@ -2023,7 +2030,7 @@
           <a:p>
             <a:fld id="{0AE81044-3B06-104F-93DF-D57614370182}" type="datetimeFigureOut">
               <a:rPr kumimoji="1" lang="ko-Kore-KR" altLang="en-US" smtClean="0"/>
-              <a:t>2022. 9. 23.</a:t>
+              <a:t>2022. 9. 26.</a:t>
             </a:fld>
             <a:endParaRPr kumimoji="1" lang="ko-Kore-KR" altLang="en-US"/>
           </a:p>
@@ -2438,7 +2445,7 @@
           <a:p>
             <a:fld id="{0AE81044-3B06-104F-93DF-D57614370182}" type="datetimeFigureOut">
               <a:rPr kumimoji="1" lang="ko-Kore-KR" altLang="en-US" smtClean="0"/>
-              <a:t>2022. 9. 23.</a:t>
+              <a:t>2022. 9. 26.</a:t>
             </a:fld>
             <a:endParaRPr kumimoji="1" lang="ko-Kore-KR" altLang="en-US"/>
           </a:p>
@@ -2580,7 +2587,7 @@
           <a:p>
             <a:fld id="{0AE81044-3B06-104F-93DF-D57614370182}" type="datetimeFigureOut">
               <a:rPr kumimoji="1" lang="ko-Kore-KR" altLang="en-US" smtClean="0"/>
-              <a:t>2022. 9. 23.</a:t>
+              <a:t>2022. 9. 26.</a:t>
             </a:fld>
             <a:endParaRPr kumimoji="1" lang="ko-Kore-KR" altLang="en-US"/>
           </a:p>
@@ -2693,7 +2700,7 @@
           <a:p>
             <a:fld id="{0AE81044-3B06-104F-93DF-D57614370182}" type="datetimeFigureOut">
               <a:rPr kumimoji="1" lang="ko-Kore-KR" altLang="en-US" smtClean="0"/>
-              <a:t>2022. 9. 23.</a:t>
+              <a:t>2022. 9. 26.</a:t>
             </a:fld>
             <a:endParaRPr kumimoji="1" lang="ko-Kore-KR" altLang="en-US"/>
           </a:p>
@@ -3006,7 +3013,7 @@
           <a:p>
             <a:fld id="{0AE81044-3B06-104F-93DF-D57614370182}" type="datetimeFigureOut">
               <a:rPr kumimoji="1" lang="ko-Kore-KR" altLang="en-US" smtClean="0"/>
-              <a:t>2022. 9. 23.</a:t>
+              <a:t>2022. 9. 26.</a:t>
             </a:fld>
             <a:endParaRPr kumimoji="1" lang="ko-Kore-KR" altLang="en-US"/>
           </a:p>
@@ -3295,7 +3302,7 @@
           <a:p>
             <a:fld id="{0AE81044-3B06-104F-93DF-D57614370182}" type="datetimeFigureOut">
               <a:rPr kumimoji="1" lang="ko-Kore-KR" altLang="en-US" smtClean="0"/>
-              <a:t>2022. 9. 23.</a:t>
+              <a:t>2022. 9. 26.</a:t>
             </a:fld>
             <a:endParaRPr kumimoji="1" lang="ko-Kore-KR" altLang="en-US"/>
           </a:p>
@@ -3538,7 +3545,7 @@
           <a:p>
             <a:fld id="{0AE81044-3B06-104F-93DF-D57614370182}" type="datetimeFigureOut">
               <a:rPr kumimoji="1" lang="ko-Kore-KR" altLang="en-US" smtClean="0"/>
-              <a:t>2022. 9. 23.</a:t>
+              <a:t>2022. 9. 26.</a:t>
             </a:fld>
             <a:endParaRPr kumimoji="1" lang="ko-Kore-KR" altLang="en-US"/>
           </a:p>
@@ -5339,6 +5346,2779 @@
 </p:sld>
 </file>
 
+<file path=ppt/slides/slide10.xml><?xml version="1.0" encoding="utf-8"?>
+<p:sld xmlns:a="http://schemas.openxmlformats.org/drawingml/2006/main" xmlns:r="http://schemas.openxmlformats.org/officeDocument/2006/relationships" xmlns:p="http://schemas.openxmlformats.org/presentationml/2006/main">
+  <p:cSld>
+    <p:spTree>
+      <p:nvGrpSpPr>
+        <p:cNvPr id="1" name=""/>
+        <p:cNvGrpSpPr/>
+        <p:nvPr/>
+      </p:nvGrpSpPr>
+      <p:grpSpPr>
+        <a:xfrm>
+          <a:off x="0" y="0"/>
+          <a:ext cx="0" cy="0"/>
+          <a:chOff x="0" y="0"/>
+          <a:chExt cx="0" cy="0"/>
+        </a:xfrm>
+      </p:grpSpPr>
+      <p:sp>
+        <p:nvSpPr>
+          <p:cNvPr id="2" name="직사각형 1">
+            <a:extLst>
+              <a:ext uri="{FF2B5EF4-FFF2-40B4-BE49-F238E27FC236}">
+                <a16:creationId xmlns:a16="http://schemas.microsoft.com/office/drawing/2014/main" id="{346FF461-6C92-DD19-3D16-5316C09F9B92}"/>
+              </a:ext>
+            </a:extLst>
+          </p:cNvPr>
+          <p:cNvSpPr/>
+          <p:nvPr/>
+        </p:nvSpPr>
+        <p:spPr>
+          <a:xfrm>
+            <a:off x="810467" y="104172"/>
+            <a:ext cx="10210366" cy="6597570"/>
+          </a:xfrm>
+          <a:prstGeom prst="rect">
+            <a:avLst/>
+          </a:prstGeom>
+          <a:solidFill>
+            <a:schemeClr val="accent6">
+              <a:lumMod val="20000"/>
+              <a:lumOff val="80000"/>
+              <a:alpha val="42047"/>
+            </a:schemeClr>
+          </a:solidFill>
+          <a:ln w="38100">
+            <a:solidFill>
+              <a:srgbClr val="000000"/>
+            </a:solidFill>
+          </a:ln>
+        </p:spPr>
+        <p:style>
+          <a:lnRef idx="2">
+            <a:schemeClr val="accent6"/>
+          </a:lnRef>
+          <a:fillRef idx="1">
+            <a:schemeClr val="lt1"/>
+          </a:fillRef>
+          <a:effectRef idx="0">
+            <a:schemeClr val="accent6"/>
+          </a:effectRef>
+          <a:fontRef idx="minor">
+            <a:schemeClr val="dk1"/>
+          </a:fontRef>
+        </p:style>
+        <p:txBody>
+          <a:bodyPr rtlCol="0" anchor="t"/>
+          <a:lstStyle/>
+          <a:p>
+            <a:pPr algn="ctr"/>
+            <a:endParaRPr kumimoji="1" lang="en-US" altLang="ko-KR" sz="3200" b="1" dirty="0">
+              <a:ln w="0"/>
+              <a:solidFill>
+                <a:schemeClr val="tx1"/>
+              </a:solidFill>
+              <a:effectLst>
+                <a:outerShdw blurRad="38100" dist="19050" dir="2700000" algn="tl" rotWithShape="0">
+                  <a:schemeClr val="dk1">
+                    <a:alpha val="40000"/>
+                  </a:schemeClr>
+                </a:outerShdw>
+              </a:effectLst>
+            </a:endParaRPr>
+          </a:p>
+        </p:txBody>
+      </p:sp>
+      <p:sp>
+        <p:nvSpPr>
+          <p:cNvPr id="3" name="직사각형 2">
+            <a:extLst>
+              <a:ext uri="{FF2B5EF4-FFF2-40B4-BE49-F238E27FC236}">
+                <a16:creationId xmlns:a16="http://schemas.microsoft.com/office/drawing/2014/main" id="{51AE12AA-2362-C104-3A60-630890114CCA}"/>
+              </a:ext>
+            </a:extLst>
+          </p:cNvPr>
+          <p:cNvSpPr/>
+          <p:nvPr/>
+        </p:nvSpPr>
+        <p:spPr>
+          <a:xfrm>
+            <a:off x="810467" y="104173"/>
+            <a:ext cx="10210366" cy="457688"/>
+          </a:xfrm>
+          <a:prstGeom prst="rect">
+            <a:avLst/>
+          </a:prstGeom>
+          <a:solidFill>
+            <a:schemeClr val="accent6">
+              <a:lumMod val="60000"/>
+              <a:lumOff val="40000"/>
+            </a:schemeClr>
+          </a:solidFill>
+          <a:ln w="38100">
+            <a:solidFill>
+              <a:schemeClr val="tx1"/>
+            </a:solidFill>
+          </a:ln>
+        </p:spPr>
+        <p:style>
+          <a:lnRef idx="2">
+            <a:schemeClr val="accent1">
+              <a:shade val="50000"/>
+            </a:schemeClr>
+          </a:lnRef>
+          <a:fillRef idx="1">
+            <a:schemeClr val="accent1"/>
+          </a:fillRef>
+          <a:effectRef idx="0">
+            <a:schemeClr val="accent1"/>
+          </a:effectRef>
+          <a:fontRef idx="minor">
+            <a:schemeClr val="lt1"/>
+          </a:fontRef>
+        </p:style>
+        <p:txBody>
+          <a:bodyPr rtlCol="0" anchor="ctr"/>
+          <a:lstStyle/>
+          <a:p>
+            <a:pPr algn="ctr"/>
+            <a:r>
+              <a:rPr kumimoji="1" lang="en-US" altLang="ko-Kore-KR" b="1" dirty="0">
+                <a:solidFill>
+                  <a:schemeClr val="tx1"/>
+                </a:solidFill>
+              </a:rPr>
+              <a:t>Arduino Uno</a:t>
+            </a:r>
+            <a:endParaRPr kumimoji="1" lang="ko-Kore-KR" altLang="en-US" b="1" dirty="0">
+              <a:solidFill>
+                <a:schemeClr val="tx1"/>
+              </a:solidFill>
+            </a:endParaRPr>
+          </a:p>
+        </p:txBody>
+      </p:sp>
+      <p:sp>
+        <p:nvSpPr>
+          <p:cNvPr id="4" name="직사각형 3">
+            <a:extLst>
+              <a:ext uri="{FF2B5EF4-FFF2-40B4-BE49-F238E27FC236}">
+                <a16:creationId xmlns:a16="http://schemas.microsoft.com/office/drawing/2014/main" id="{353CFD3E-E083-1D03-9345-E90C9F359D10}"/>
+              </a:ext>
+            </a:extLst>
+          </p:cNvPr>
+          <p:cNvSpPr/>
+          <p:nvPr/>
+        </p:nvSpPr>
+        <p:spPr>
+          <a:xfrm>
+            <a:off x="5169793" y="1034163"/>
+            <a:ext cx="1491714" cy="571774"/>
+          </a:xfrm>
+          <a:prstGeom prst="rect">
+            <a:avLst/>
+          </a:prstGeom>
+          <a:solidFill>
+            <a:schemeClr val="bg1"/>
+          </a:solidFill>
+          <a:ln w="38100">
+            <a:solidFill>
+              <a:srgbClr val="000000"/>
+            </a:solidFill>
+          </a:ln>
+        </p:spPr>
+        <p:style>
+          <a:lnRef idx="2">
+            <a:schemeClr val="accent1">
+              <a:shade val="50000"/>
+            </a:schemeClr>
+          </a:lnRef>
+          <a:fillRef idx="1">
+            <a:schemeClr val="accent1"/>
+          </a:fillRef>
+          <a:effectRef idx="0">
+            <a:schemeClr val="accent1"/>
+          </a:effectRef>
+          <a:fontRef idx="minor">
+            <a:schemeClr val="lt1"/>
+          </a:fontRef>
+        </p:style>
+        <p:txBody>
+          <a:bodyPr rtlCol="0" anchor="ctr"/>
+          <a:lstStyle/>
+          <a:p>
+            <a:pPr algn="ctr"/>
+            <a:r>
+              <a:rPr kumimoji="1" lang="ko-KR" altLang="en-US" sz="1400" b="1" dirty="0">
+                <a:solidFill>
+                  <a:schemeClr val="tx1"/>
+                </a:solidFill>
+              </a:rPr>
+              <a:t>프로그램 시작</a:t>
+            </a:r>
+            <a:endParaRPr kumimoji="1" lang="ko-Kore-KR" altLang="en-US" sz="1400" b="1" dirty="0">
+              <a:solidFill>
+                <a:schemeClr val="tx1"/>
+              </a:solidFill>
+            </a:endParaRPr>
+          </a:p>
+        </p:txBody>
+      </p:sp>
+      <p:sp>
+        <p:nvSpPr>
+          <p:cNvPr id="5" name="직사각형 4">
+            <a:extLst>
+              <a:ext uri="{FF2B5EF4-FFF2-40B4-BE49-F238E27FC236}">
+                <a16:creationId xmlns:a16="http://schemas.microsoft.com/office/drawing/2014/main" id="{B8567A3C-86A0-F7A0-AF8D-4C241C68AD1F}"/>
+              </a:ext>
+            </a:extLst>
+          </p:cNvPr>
+          <p:cNvSpPr/>
+          <p:nvPr/>
+        </p:nvSpPr>
+        <p:spPr>
+          <a:xfrm>
+            <a:off x="5169793" y="1821169"/>
+            <a:ext cx="1491714" cy="571774"/>
+          </a:xfrm>
+          <a:prstGeom prst="rect">
+            <a:avLst/>
+          </a:prstGeom>
+          <a:solidFill>
+            <a:schemeClr val="bg1"/>
+          </a:solidFill>
+          <a:ln w="38100">
+            <a:solidFill>
+              <a:srgbClr val="000000"/>
+            </a:solidFill>
+          </a:ln>
+        </p:spPr>
+        <p:style>
+          <a:lnRef idx="2">
+            <a:schemeClr val="accent1">
+              <a:shade val="50000"/>
+            </a:schemeClr>
+          </a:lnRef>
+          <a:fillRef idx="1">
+            <a:schemeClr val="accent1"/>
+          </a:fillRef>
+          <a:effectRef idx="0">
+            <a:schemeClr val="accent1"/>
+          </a:effectRef>
+          <a:fontRef idx="minor">
+            <a:schemeClr val="lt1"/>
+          </a:fontRef>
+        </p:style>
+        <p:txBody>
+          <a:bodyPr rtlCol="0" anchor="ctr"/>
+          <a:lstStyle/>
+          <a:p>
+            <a:pPr algn="ctr"/>
+            <a:r>
+              <a:rPr kumimoji="1" lang="ko-KR" altLang="en-US" sz="1400" b="1" dirty="0">
+                <a:solidFill>
+                  <a:schemeClr val="tx1"/>
+                </a:solidFill>
+              </a:rPr>
+              <a:t>수위 센서 작동</a:t>
+            </a:r>
+            <a:endParaRPr kumimoji="1" lang="ko-Kore-KR" altLang="en-US" sz="1400" b="1" dirty="0">
+              <a:solidFill>
+                <a:schemeClr val="tx1"/>
+              </a:solidFill>
+            </a:endParaRPr>
+          </a:p>
+        </p:txBody>
+      </p:sp>
+      <p:cxnSp>
+        <p:nvCxnSpPr>
+          <p:cNvPr id="6" name="직선 화살표 연결선 5">
+            <a:extLst>
+              <a:ext uri="{FF2B5EF4-FFF2-40B4-BE49-F238E27FC236}">
+                <a16:creationId xmlns:a16="http://schemas.microsoft.com/office/drawing/2014/main" id="{D0A46D75-0EBE-BFF0-3C9E-C662941BFA93}"/>
+              </a:ext>
+            </a:extLst>
+          </p:cNvPr>
+          <p:cNvCxnSpPr>
+            <a:cxnSpLocks/>
+            <a:endCxn id="5" idx="3"/>
+          </p:cNvCxnSpPr>
+          <p:nvPr/>
+        </p:nvCxnSpPr>
+        <p:spPr>
+          <a:xfrm flipH="1">
+            <a:off x="6661507" y="2107056"/>
+            <a:ext cx="1213561" cy="0"/>
+          </a:xfrm>
+          <a:prstGeom prst="straightConnector1">
+            <a:avLst/>
+          </a:prstGeom>
+          <a:ln w="38100">
+            <a:tailEnd type="triangle"/>
+          </a:ln>
+        </p:spPr>
+        <p:style>
+          <a:lnRef idx="1">
+            <a:schemeClr val="dk1"/>
+          </a:lnRef>
+          <a:fillRef idx="0">
+            <a:schemeClr val="dk1"/>
+          </a:fillRef>
+          <a:effectRef idx="0">
+            <a:schemeClr val="dk1"/>
+          </a:effectRef>
+          <a:fontRef idx="minor">
+            <a:schemeClr val="tx1"/>
+          </a:fontRef>
+        </p:style>
+      </p:cxnSp>
+      <p:cxnSp>
+        <p:nvCxnSpPr>
+          <p:cNvPr id="7" name="직선 화살표 연결선 6">
+            <a:extLst>
+              <a:ext uri="{FF2B5EF4-FFF2-40B4-BE49-F238E27FC236}">
+                <a16:creationId xmlns:a16="http://schemas.microsoft.com/office/drawing/2014/main" id="{A92F78D4-04B5-FFF3-2333-080ADA3B5A69}"/>
+              </a:ext>
+            </a:extLst>
+          </p:cNvPr>
+          <p:cNvCxnSpPr>
+            <a:cxnSpLocks/>
+          </p:cNvCxnSpPr>
+          <p:nvPr/>
+        </p:nvCxnSpPr>
+        <p:spPr>
+          <a:xfrm>
+            <a:off x="6728671" y="2987615"/>
+            <a:ext cx="1144989" cy="0"/>
+          </a:xfrm>
+          <a:prstGeom prst="straightConnector1">
+            <a:avLst/>
+          </a:prstGeom>
+          <a:ln w="38100">
+            <a:tailEnd type="none"/>
+          </a:ln>
+        </p:spPr>
+        <p:style>
+          <a:lnRef idx="1">
+            <a:schemeClr val="dk1"/>
+          </a:lnRef>
+          <a:fillRef idx="0">
+            <a:schemeClr val="dk1"/>
+          </a:fillRef>
+          <a:effectRef idx="0">
+            <a:schemeClr val="dk1"/>
+          </a:effectRef>
+          <a:fontRef idx="minor">
+            <a:schemeClr val="tx1"/>
+          </a:fontRef>
+        </p:style>
+      </p:cxnSp>
+      <p:cxnSp>
+        <p:nvCxnSpPr>
+          <p:cNvPr id="8" name="직선 화살표 연결선 7">
+            <a:extLst>
+              <a:ext uri="{FF2B5EF4-FFF2-40B4-BE49-F238E27FC236}">
+                <a16:creationId xmlns:a16="http://schemas.microsoft.com/office/drawing/2014/main" id="{FBDFE817-7258-52ED-ACC2-39F19C37C0AE}"/>
+              </a:ext>
+            </a:extLst>
+          </p:cNvPr>
+          <p:cNvCxnSpPr>
+            <a:cxnSpLocks/>
+          </p:cNvCxnSpPr>
+          <p:nvPr/>
+        </p:nvCxnSpPr>
+        <p:spPr>
+          <a:xfrm flipV="1">
+            <a:off x="7873660" y="2107056"/>
+            <a:ext cx="1408" cy="880559"/>
+          </a:xfrm>
+          <a:prstGeom prst="straightConnector1">
+            <a:avLst/>
+          </a:prstGeom>
+          <a:ln w="38100">
+            <a:tailEnd type="none"/>
+          </a:ln>
+        </p:spPr>
+        <p:style>
+          <a:lnRef idx="1">
+            <a:schemeClr val="dk1"/>
+          </a:lnRef>
+          <a:fillRef idx="0">
+            <a:schemeClr val="dk1"/>
+          </a:fillRef>
+          <a:effectRef idx="0">
+            <a:schemeClr val="dk1"/>
+          </a:effectRef>
+          <a:fontRef idx="minor">
+            <a:schemeClr val="tx1"/>
+          </a:fontRef>
+        </p:style>
+      </p:cxnSp>
+      <p:cxnSp>
+        <p:nvCxnSpPr>
+          <p:cNvPr id="9" name="직선 화살표 연결선 8">
+            <a:extLst>
+              <a:ext uri="{FF2B5EF4-FFF2-40B4-BE49-F238E27FC236}">
+                <a16:creationId xmlns:a16="http://schemas.microsoft.com/office/drawing/2014/main" id="{92C7686F-5A33-97A8-C066-28A38706AEBA}"/>
+              </a:ext>
+            </a:extLst>
+          </p:cNvPr>
+          <p:cNvCxnSpPr>
+            <a:cxnSpLocks/>
+            <a:stCxn id="4" idx="2"/>
+            <a:endCxn id="5" idx="0"/>
+          </p:cNvCxnSpPr>
+          <p:nvPr/>
+        </p:nvCxnSpPr>
+        <p:spPr>
+          <a:xfrm>
+            <a:off x="5915650" y="1605937"/>
+            <a:ext cx="0" cy="215232"/>
+          </a:xfrm>
+          <a:prstGeom prst="straightConnector1">
+            <a:avLst/>
+          </a:prstGeom>
+          <a:ln w="38100">
+            <a:tailEnd type="triangle"/>
+          </a:ln>
+        </p:spPr>
+        <p:style>
+          <a:lnRef idx="1">
+            <a:schemeClr val="dk1"/>
+          </a:lnRef>
+          <a:fillRef idx="0">
+            <a:schemeClr val="dk1"/>
+          </a:fillRef>
+          <a:effectRef idx="0">
+            <a:schemeClr val="dk1"/>
+          </a:effectRef>
+          <a:fontRef idx="minor">
+            <a:schemeClr val="tx1"/>
+          </a:fontRef>
+        </p:style>
+      </p:cxnSp>
+      <p:cxnSp>
+        <p:nvCxnSpPr>
+          <p:cNvPr id="10" name="직선 화살표 연결선 9">
+            <a:extLst>
+              <a:ext uri="{FF2B5EF4-FFF2-40B4-BE49-F238E27FC236}">
+                <a16:creationId xmlns:a16="http://schemas.microsoft.com/office/drawing/2014/main" id="{88E6B387-54CE-0127-7F57-8FCA14B579DC}"/>
+              </a:ext>
+            </a:extLst>
+          </p:cNvPr>
+          <p:cNvCxnSpPr>
+            <a:cxnSpLocks/>
+            <a:stCxn id="5" idx="2"/>
+          </p:cNvCxnSpPr>
+          <p:nvPr/>
+        </p:nvCxnSpPr>
+        <p:spPr>
+          <a:xfrm>
+            <a:off x="5915650" y="2392943"/>
+            <a:ext cx="0" cy="215232"/>
+          </a:xfrm>
+          <a:prstGeom prst="straightConnector1">
+            <a:avLst/>
+          </a:prstGeom>
+          <a:ln w="38100">
+            <a:tailEnd type="triangle"/>
+          </a:ln>
+        </p:spPr>
+        <p:style>
+          <a:lnRef idx="1">
+            <a:schemeClr val="dk1"/>
+          </a:lnRef>
+          <a:fillRef idx="0">
+            <a:schemeClr val="dk1"/>
+          </a:fillRef>
+          <a:effectRef idx="0">
+            <a:schemeClr val="dk1"/>
+          </a:effectRef>
+          <a:fontRef idx="minor">
+            <a:schemeClr val="tx1"/>
+          </a:fontRef>
+        </p:style>
+      </p:cxnSp>
+      <p:sp>
+        <p:nvSpPr>
+          <p:cNvPr id="11" name="직사각형 10">
+            <a:extLst>
+              <a:ext uri="{FF2B5EF4-FFF2-40B4-BE49-F238E27FC236}">
+                <a16:creationId xmlns:a16="http://schemas.microsoft.com/office/drawing/2014/main" id="{5F37F8D8-B6CD-9DAB-2F05-5E42F0211F90}"/>
+              </a:ext>
+            </a:extLst>
+          </p:cNvPr>
+          <p:cNvSpPr/>
+          <p:nvPr/>
+        </p:nvSpPr>
+        <p:spPr>
+          <a:xfrm>
+            <a:off x="5173552" y="3579290"/>
+            <a:ext cx="1491714" cy="571774"/>
+          </a:xfrm>
+          <a:prstGeom prst="rect">
+            <a:avLst/>
+          </a:prstGeom>
+          <a:solidFill>
+            <a:schemeClr val="bg1"/>
+          </a:solidFill>
+          <a:ln w="38100">
+            <a:solidFill>
+              <a:srgbClr val="000000"/>
+            </a:solidFill>
+          </a:ln>
+        </p:spPr>
+        <p:style>
+          <a:lnRef idx="2">
+            <a:schemeClr val="accent1">
+              <a:shade val="50000"/>
+            </a:schemeClr>
+          </a:lnRef>
+          <a:fillRef idx="1">
+            <a:schemeClr val="accent1"/>
+          </a:fillRef>
+          <a:effectRef idx="0">
+            <a:schemeClr val="accent1"/>
+          </a:effectRef>
+          <a:fontRef idx="minor">
+            <a:schemeClr val="lt1"/>
+          </a:fontRef>
+        </p:style>
+        <p:txBody>
+          <a:bodyPr rtlCol="0" anchor="ctr"/>
+          <a:lstStyle/>
+          <a:p>
+            <a:pPr algn="ctr"/>
+            <a:r>
+              <a:rPr kumimoji="1" lang="en-US" altLang="ko-Kore-KR" sz="1400" b="1" dirty="0">
+                <a:solidFill>
+                  <a:schemeClr val="tx1"/>
+                </a:solidFill>
+              </a:rPr>
+              <a:t>String</a:t>
+            </a:r>
+            <a:r>
+              <a:rPr kumimoji="1" lang="ko-KR" altLang="en-US" sz="1400" b="1" dirty="0" err="1">
+                <a:solidFill>
+                  <a:schemeClr val="tx1"/>
+                </a:solidFill>
+              </a:rPr>
+              <a:t>으로</a:t>
+            </a:r>
+            <a:r>
+              <a:rPr kumimoji="1" lang="ko-KR" altLang="en-US" sz="1400" b="1" dirty="0">
+                <a:solidFill>
+                  <a:schemeClr val="tx1"/>
+                </a:solidFill>
+              </a:rPr>
+              <a:t> 변환</a:t>
+            </a:r>
+            <a:endParaRPr kumimoji="1" lang="ko-Kore-KR" altLang="en-US" sz="1400" b="1" dirty="0">
+              <a:solidFill>
+                <a:schemeClr val="tx1"/>
+              </a:solidFill>
+            </a:endParaRPr>
+          </a:p>
+        </p:txBody>
+      </p:sp>
+      <p:cxnSp>
+        <p:nvCxnSpPr>
+          <p:cNvPr id="12" name="직선 화살표 연결선 11">
+            <a:extLst>
+              <a:ext uri="{FF2B5EF4-FFF2-40B4-BE49-F238E27FC236}">
+                <a16:creationId xmlns:a16="http://schemas.microsoft.com/office/drawing/2014/main" id="{BAFFF08A-3311-3DC3-186C-F782636C48D9}"/>
+              </a:ext>
+            </a:extLst>
+          </p:cNvPr>
+          <p:cNvCxnSpPr>
+            <a:cxnSpLocks/>
+            <a:stCxn id="11" idx="0"/>
+            <a:endCxn id="13" idx="2"/>
+          </p:cNvCxnSpPr>
+          <p:nvPr/>
+        </p:nvCxnSpPr>
+        <p:spPr>
+          <a:xfrm flipV="1">
+            <a:off x="5919409" y="3361772"/>
+            <a:ext cx="0" cy="217518"/>
+          </a:xfrm>
+          <a:prstGeom prst="straightConnector1">
+            <a:avLst/>
+          </a:prstGeom>
+          <a:ln w="38100">
+            <a:headEnd type="triangle"/>
+            <a:tailEnd type="none"/>
+          </a:ln>
+        </p:spPr>
+        <p:style>
+          <a:lnRef idx="1">
+            <a:schemeClr val="dk1"/>
+          </a:lnRef>
+          <a:fillRef idx="0">
+            <a:schemeClr val="dk1"/>
+          </a:fillRef>
+          <a:effectRef idx="0">
+            <a:schemeClr val="dk1"/>
+          </a:effectRef>
+          <a:fontRef idx="minor">
+            <a:schemeClr val="tx1"/>
+          </a:fontRef>
+        </p:style>
+      </p:cxnSp>
+      <p:sp>
+        <p:nvSpPr>
+          <p:cNvPr id="13" name="다이아몬드 12">
+            <a:extLst>
+              <a:ext uri="{FF2B5EF4-FFF2-40B4-BE49-F238E27FC236}">
+                <a16:creationId xmlns:a16="http://schemas.microsoft.com/office/drawing/2014/main" id="{09DD9F13-B1E2-CCC1-D687-5129712C52F2}"/>
+              </a:ext>
+            </a:extLst>
+          </p:cNvPr>
+          <p:cNvSpPr/>
+          <p:nvPr/>
+        </p:nvSpPr>
+        <p:spPr>
+          <a:xfrm>
+            <a:off x="5110147" y="2605868"/>
+            <a:ext cx="1618524" cy="755904"/>
+          </a:xfrm>
+          <a:prstGeom prst="diamond">
+            <a:avLst/>
+          </a:prstGeom>
+          <a:solidFill>
+            <a:schemeClr val="bg1"/>
+          </a:solidFill>
+          <a:ln w="38100">
+            <a:solidFill>
+              <a:schemeClr val="tx1"/>
+            </a:solidFill>
+          </a:ln>
+        </p:spPr>
+        <p:style>
+          <a:lnRef idx="2">
+            <a:schemeClr val="accent6"/>
+          </a:lnRef>
+          <a:fillRef idx="1">
+            <a:schemeClr val="lt1"/>
+          </a:fillRef>
+          <a:effectRef idx="0">
+            <a:schemeClr val="accent6"/>
+          </a:effectRef>
+          <a:fontRef idx="minor">
+            <a:schemeClr val="dk1"/>
+          </a:fontRef>
+        </p:style>
+        <p:txBody>
+          <a:bodyPr rtlCol="0" anchor="ctr"/>
+          <a:lstStyle/>
+          <a:p>
+            <a:pPr algn="ctr"/>
+            <a:r>
+              <a:rPr kumimoji="1" lang="ko-Kore-KR" altLang="en-US" sz="1400" b="1" dirty="0"/>
+              <a:t>기준치</a:t>
+            </a:r>
+            <a:r>
+              <a:rPr kumimoji="1" lang="ko-KR" altLang="en-US" sz="1400" b="1" dirty="0"/>
+              <a:t> 도달</a:t>
+            </a:r>
+            <a:r>
+              <a:rPr kumimoji="1" lang="en-US" altLang="ko-KR" sz="1400" b="1" dirty="0"/>
+              <a:t>?</a:t>
+            </a:r>
+            <a:endParaRPr kumimoji="1" lang="ko-Kore-KR" altLang="en-US" sz="1400" b="1" dirty="0"/>
+          </a:p>
+        </p:txBody>
+      </p:sp>
+      <p:sp>
+        <p:nvSpPr>
+          <p:cNvPr id="14" name="직사각형 13">
+            <a:extLst>
+              <a:ext uri="{FF2B5EF4-FFF2-40B4-BE49-F238E27FC236}">
+                <a16:creationId xmlns:a16="http://schemas.microsoft.com/office/drawing/2014/main" id="{E7DFE6C0-56CD-1DC3-2E2F-0B43E644AD0E}"/>
+              </a:ext>
+            </a:extLst>
+          </p:cNvPr>
+          <p:cNvSpPr/>
+          <p:nvPr/>
+        </p:nvSpPr>
+        <p:spPr>
+          <a:xfrm>
+            <a:off x="5173552" y="4361703"/>
+            <a:ext cx="1491714" cy="571774"/>
+          </a:xfrm>
+          <a:prstGeom prst="rect">
+            <a:avLst/>
+          </a:prstGeom>
+          <a:solidFill>
+            <a:schemeClr val="bg1"/>
+          </a:solidFill>
+          <a:ln w="38100">
+            <a:solidFill>
+              <a:srgbClr val="000000"/>
+            </a:solidFill>
+          </a:ln>
+        </p:spPr>
+        <p:style>
+          <a:lnRef idx="2">
+            <a:schemeClr val="accent1">
+              <a:shade val="50000"/>
+            </a:schemeClr>
+          </a:lnRef>
+          <a:fillRef idx="1">
+            <a:schemeClr val="accent1"/>
+          </a:fillRef>
+          <a:effectRef idx="0">
+            <a:schemeClr val="accent1"/>
+          </a:effectRef>
+          <a:fontRef idx="minor">
+            <a:schemeClr val="lt1"/>
+          </a:fontRef>
+        </p:style>
+        <p:txBody>
+          <a:bodyPr rtlCol="0" anchor="ctr"/>
+          <a:lstStyle/>
+          <a:p>
+            <a:pPr algn="ctr"/>
+            <a:r>
+              <a:rPr kumimoji="1" lang="en-US" altLang="ko-Kore-KR" sz="1400" b="1" dirty="0">
+                <a:solidFill>
+                  <a:schemeClr val="tx1"/>
+                </a:solidFill>
+              </a:rPr>
+              <a:t>RF </a:t>
+            </a:r>
+            <a:r>
+              <a:rPr kumimoji="1" lang="ko-KR" altLang="en-US" sz="1400" b="1" dirty="0">
+                <a:solidFill>
+                  <a:schemeClr val="tx1"/>
+                </a:solidFill>
+              </a:rPr>
+              <a:t>모듈로</a:t>
+            </a:r>
+            <a:endParaRPr kumimoji="1" lang="en-US" altLang="ko-KR" sz="1400" b="1" dirty="0">
+              <a:solidFill>
+                <a:schemeClr val="tx1"/>
+              </a:solidFill>
+            </a:endParaRPr>
+          </a:p>
+          <a:p>
+            <a:pPr algn="ctr"/>
+            <a:r>
+              <a:rPr kumimoji="1" lang="ko-KR" altLang="en-US" sz="1400" b="1" dirty="0">
+                <a:solidFill>
+                  <a:schemeClr val="tx1"/>
+                </a:solidFill>
+              </a:rPr>
+              <a:t>데이터 전송</a:t>
+            </a:r>
+            <a:endParaRPr kumimoji="1" lang="ko-Kore-KR" altLang="en-US" sz="1400" b="1" dirty="0">
+              <a:solidFill>
+                <a:schemeClr val="tx1"/>
+              </a:solidFill>
+            </a:endParaRPr>
+          </a:p>
+        </p:txBody>
+      </p:sp>
+      <p:cxnSp>
+        <p:nvCxnSpPr>
+          <p:cNvPr id="15" name="직선 화살표 연결선 14">
+            <a:extLst>
+              <a:ext uri="{FF2B5EF4-FFF2-40B4-BE49-F238E27FC236}">
+                <a16:creationId xmlns:a16="http://schemas.microsoft.com/office/drawing/2014/main" id="{C8802BEA-8373-7A97-1060-6F669BCD3B8F}"/>
+              </a:ext>
+            </a:extLst>
+          </p:cNvPr>
+          <p:cNvCxnSpPr>
+            <a:cxnSpLocks/>
+            <a:stCxn id="14" idx="0"/>
+            <a:endCxn id="11" idx="2"/>
+          </p:cNvCxnSpPr>
+          <p:nvPr/>
+        </p:nvCxnSpPr>
+        <p:spPr>
+          <a:xfrm flipV="1">
+            <a:off x="5919409" y="4151064"/>
+            <a:ext cx="0" cy="210639"/>
+          </a:xfrm>
+          <a:prstGeom prst="straightConnector1">
+            <a:avLst/>
+          </a:prstGeom>
+          <a:ln w="38100">
+            <a:headEnd type="triangle"/>
+            <a:tailEnd type="none"/>
+          </a:ln>
+        </p:spPr>
+        <p:style>
+          <a:lnRef idx="1">
+            <a:schemeClr val="dk1"/>
+          </a:lnRef>
+          <a:fillRef idx="0">
+            <a:schemeClr val="dk1"/>
+          </a:fillRef>
+          <a:effectRef idx="0">
+            <a:schemeClr val="dk1"/>
+          </a:effectRef>
+          <a:fontRef idx="minor">
+            <a:schemeClr val="tx1"/>
+          </a:fontRef>
+        </p:style>
+      </p:cxnSp>
+      <p:sp>
+        <p:nvSpPr>
+          <p:cNvPr id="16" name="직사각형 15">
+            <a:extLst>
+              <a:ext uri="{FF2B5EF4-FFF2-40B4-BE49-F238E27FC236}">
+                <a16:creationId xmlns:a16="http://schemas.microsoft.com/office/drawing/2014/main" id="{BEBD45DA-85E3-5E98-B196-5856F4999DBD}"/>
+              </a:ext>
+            </a:extLst>
+          </p:cNvPr>
+          <p:cNvSpPr/>
+          <p:nvPr/>
+        </p:nvSpPr>
+        <p:spPr>
+          <a:xfrm>
+            <a:off x="5169793" y="5144116"/>
+            <a:ext cx="1491714" cy="571774"/>
+          </a:xfrm>
+          <a:prstGeom prst="rect">
+            <a:avLst/>
+          </a:prstGeom>
+          <a:solidFill>
+            <a:schemeClr val="bg1"/>
+          </a:solidFill>
+          <a:ln w="38100">
+            <a:solidFill>
+              <a:srgbClr val="000000"/>
+            </a:solidFill>
+          </a:ln>
+        </p:spPr>
+        <p:style>
+          <a:lnRef idx="2">
+            <a:schemeClr val="accent1">
+              <a:shade val="50000"/>
+            </a:schemeClr>
+          </a:lnRef>
+          <a:fillRef idx="1">
+            <a:schemeClr val="accent1"/>
+          </a:fillRef>
+          <a:effectRef idx="0">
+            <a:schemeClr val="accent1"/>
+          </a:effectRef>
+          <a:fontRef idx="minor">
+            <a:schemeClr val="lt1"/>
+          </a:fontRef>
+        </p:style>
+        <p:txBody>
+          <a:bodyPr rtlCol="0" anchor="ctr"/>
+          <a:lstStyle/>
+          <a:p>
+            <a:pPr algn="ctr"/>
+            <a:r>
+              <a:rPr kumimoji="1" lang="ko-KR" altLang="en-US" sz="1400" b="1" dirty="0">
+                <a:solidFill>
+                  <a:schemeClr val="tx1"/>
+                </a:solidFill>
+              </a:rPr>
+              <a:t>작동 중지</a:t>
+            </a:r>
+            <a:endParaRPr kumimoji="1" lang="ko-Kore-KR" altLang="en-US" sz="1400" b="1" dirty="0">
+              <a:solidFill>
+                <a:schemeClr val="tx1"/>
+              </a:solidFill>
+            </a:endParaRPr>
+          </a:p>
+        </p:txBody>
+      </p:sp>
+      <p:cxnSp>
+        <p:nvCxnSpPr>
+          <p:cNvPr id="17" name="직선 화살표 연결선 16">
+            <a:extLst>
+              <a:ext uri="{FF2B5EF4-FFF2-40B4-BE49-F238E27FC236}">
+                <a16:creationId xmlns:a16="http://schemas.microsoft.com/office/drawing/2014/main" id="{8A4CDA76-BD47-B98A-2F03-5F778A9E00D8}"/>
+              </a:ext>
+            </a:extLst>
+          </p:cNvPr>
+          <p:cNvCxnSpPr>
+            <a:cxnSpLocks/>
+          </p:cNvCxnSpPr>
+          <p:nvPr/>
+        </p:nvCxnSpPr>
+        <p:spPr>
+          <a:xfrm flipV="1">
+            <a:off x="5916597" y="4933477"/>
+            <a:ext cx="0" cy="210639"/>
+          </a:xfrm>
+          <a:prstGeom prst="straightConnector1">
+            <a:avLst/>
+          </a:prstGeom>
+          <a:ln w="38100">
+            <a:headEnd type="triangle"/>
+            <a:tailEnd type="none"/>
+          </a:ln>
+        </p:spPr>
+        <p:style>
+          <a:lnRef idx="1">
+            <a:schemeClr val="dk1"/>
+          </a:lnRef>
+          <a:fillRef idx="0">
+            <a:schemeClr val="dk1"/>
+          </a:fillRef>
+          <a:effectRef idx="0">
+            <a:schemeClr val="dk1"/>
+          </a:effectRef>
+          <a:fontRef idx="minor">
+            <a:schemeClr val="tx1"/>
+          </a:fontRef>
+        </p:style>
+      </p:cxnSp>
+    </p:spTree>
+    <p:extLst>
+      <p:ext uri="{BB962C8B-B14F-4D97-AF65-F5344CB8AC3E}">
+        <p14:creationId xmlns:p14="http://schemas.microsoft.com/office/powerpoint/2010/main" val="625555003"/>
+      </p:ext>
+    </p:extLst>
+  </p:cSld>
+  <p:clrMapOvr>
+    <a:masterClrMapping/>
+  </p:clrMapOvr>
+</p:sld>
+</file>
+
+<file path=ppt/slides/slide11.xml><?xml version="1.0" encoding="utf-8"?>
+<p:sld xmlns:a="http://schemas.openxmlformats.org/drawingml/2006/main" xmlns:r="http://schemas.openxmlformats.org/officeDocument/2006/relationships" xmlns:p="http://schemas.openxmlformats.org/presentationml/2006/main">
+  <p:cSld>
+    <p:spTree>
+      <p:nvGrpSpPr>
+        <p:cNvPr id="1" name=""/>
+        <p:cNvGrpSpPr/>
+        <p:nvPr/>
+      </p:nvGrpSpPr>
+      <p:grpSpPr>
+        <a:xfrm>
+          <a:off x="0" y="0"/>
+          <a:ext cx="0" cy="0"/>
+          <a:chOff x="0" y="0"/>
+          <a:chExt cx="0" cy="0"/>
+        </a:xfrm>
+      </p:grpSpPr>
+      <p:sp>
+        <p:nvSpPr>
+          <p:cNvPr id="2" name="직사각형 1">
+            <a:extLst>
+              <a:ext uri="{FF2B5EF4-FFF2-40B4-BE49-F238E27FC236}">
+                <a16:creationId xmlns:a16="http://schemas.microsoft.com/office/drawing/2014/main" id="{346FF461-6C92-DD19-3D16-5316C09F9B92}"/>
+              </a:ext>
+            </a:extLst>
+          </p:cNvPr>
+          <p:cNvSpPr/>
+          <p:nvPr/>
+        </p:nvSpPr>
+        <p:spPr>
+          <a:xfrm>
+            <a:off x="1075939" y="7062297"/>
+            <a:ext cx="10210366" cy="6597570"/>
+          </a:xfrm>
+          <a:prstGeom prst="rect">
+            <a:avLst/>
+          </a:prstGeom>
+          <a:solidFill>
+            <a:schemeClr val="accent6">
+              <a:lumMod val="20000"/>
+              <a:lumOff val="80000"/>
+              <a:alpha val="42047"/>
+            </a:schemeClr>
+          </a:solidFill>
+          <a:ln w="38100">
+            <a:solidFill>
+              <a:srgbClr val="000000"/>
+            </a:solidFill>
+          </a:ln>
+        </p:spPr>
+        <p:style>
+          <a:lnRef idx="2">
+            <a:schemeClr val="accent6"/>
+          </a:lnRef>
+          <a:fillRef idx="1">
+            <a:schemeClr val="lt1"/>
+          </a:fillRef>
+          <a:effectRef idx="0">
+            <a:schemeClr val="accent6"/>
+          </a:effectRef>
+          <a:fontRef idx="minor">
+            <a:schemeClr val="dk1"/>
+          </a:fontRef>
+        </p:style>
+        <p:txBody>
+          <a:bodyPr rtlCol="0" anchor="t"/>
+          <a:lstStyle/>
+          <a:p>
+            <a:pPr algn="ctr"/>
+            <a:endParaRPr kumimoji="1" lang="en-US" altLang="ko-KR" sz="3200" b="1" dirty="0">
+              <a:ln w="0"/>
+              <a:solidFill>
+                <a:schemeClr val="tx1"/>
+              </a:solidFill>
+              <a:effectLst>
+                <a:outerShdw blurRad="38100" dist="19050" dir="2700000" algn="tl" rotWithShape="0">
+                  <a:schemeClr val="dk1">
+                    <a:alpha val="40000"/>
+                  </a:schemeClr>
+                </a:outerShdw>
+              </a:effectLst>
+            </a:endParaRPr>
+          </a:p>
+        </p:txBody>
+      </p:sp>
+      <p:sp>
+        <p:nvSpPr>
+          <p:cNvPr id="3" name="직사각형 2">
+            <a:extLst>
+              <a:ext uri="{FF2B5EF4-FFF2-40B4-BE49-F238E27FC236}">
+                <a16:creationId xmlns:a16="http://schemas.microsoft.com/office/drawing/2014/main" id="{51AE12AA-2362-C104-3A60-630890114CCA}"/>
+              </a:ext>
+            </a:extLst>
+          </p:cNvPr>
+          <p:cNvSpPr/>
+          <p:nvPr/>
+        </p:nvSpPr>
+        <p:spPr>
+          <a:xfrm>
+            <a:off x="810467" y="104173"/>
+            <a:ext cx="10210366" cy="457688"/>
+          </a:xfrm>
+          <a:prstGeom prst="rect">
+            <a:avLst/>
+          </a:prstGeom>
+          <a:solidFill>
+            <a:schemeClr val="accent6">
+              <a:lumMod val="60000"/>
+              <a:lumOff val="40000"/>
+            </a:schemeClr>
+          </a:solidFill>
+          <a:ln w="38100">
+            <a:solidFill>
+              <a:schemeClr val="tx1"/>
+            </a:solidFill>
+          </a:ln>
+        </p:spPr>
+        <p:style>
+          <a:lnRef idx="2">
+            <a:schemeClr val="accent1">
+              <a:shade val="50000"/>
+            </a:schemeClr>
+          </a:lnRef>
+          <a:fillRef idx="1">
+            <a:schemeClr val="accent1"/>
+          </a:fillRef>
+          <a:effectRef idx="0">
+            <a:schemeClr val="accent1"/>
+          </a:effectRef>
+          <a:fontRef idx="minor">
+            <a:schemeClr val="lt1"/>
+          </a:fontRef>
+        </p:style>
+        <p:txBody>
+          <a:bodyPr rtlCol="0" anchor="ctr"/>
+          <a:lstStyle/>
+          <a:p>
+            <a:pPr algn="ctr"/>
+            <a:r>
+              <a:rPr kumimoji="1" lang="en-US" altLang="ko-Kore-KR" b="1" dirty="0">
+                <a:solidFill>
+                  <a:schemeClr val="tx1"/>
+                </a:solidFill>
+              </a:rPr>
+              <a:t>Raspberry pi 4(</a:t>
+            </a:r>
+            <a:r>
+              <a:rPr kumimoji="1" lang="ko-KR" altLang="en-US" b="1" dirty="0">
+                <a:solidFill>
+                  <a:schemeClr val="tx1"/>
+                </a:solidFill>
+              </a:rPr>
+              <a:t>서버</a:t>
+            </a:r>
+            <a:r>
+              <a:rPr kumimoji="1" lang="en-US" altLang="ko-KR" b="1" dirty="0">
+                <a:solidFill>
+                  <a:schemeClr val="tx1"/>
+                </a:solidFill>
+              </a:rPr>
+              <a:t>)</a:t>
+            </a:r>
+            <a:endParaRPr kumimoji="1" lang="ko-Kore-KR" altLang="en-US" b="1" dirty="0">
+              <a:solidFill>
+                <a:schemeClr val="tx1"/>
+              </a:solidFill>
+            </a:endParaRPr>
+          </a:p>
+        </p:txBody>
+      </p:sp>
+      <p:sp>
+        <p:nvSpPr>
+          <p:cNvPr id="4" name="직사각형 3">
+            <a:extLst>
+              <a:ext uri="{FF2B5EF4-FFF2-40B4-BE49-F238E27FC236}">
+                <a16:creationId xmlns:a16="http://schemas.microsoft.com/office/drawing/2014/main" id="{F6478F72-E576-5ACB-24A3-122F03491BD2}"/>
+              </a:ext>
+            </a:extLst>
+          </p:cNvPr>
+          <p:cNvSpPr/>
+          <p:nvPr/>
+        </p:nvSpPr>
+        <p:spPr>
+          <a:xfrm>
+            <a:off x="5169793" y="713652"/>
+            <a:ext cx="1491714" cy="571774"/>
+          </a:xfrm>
+          <a:prstGeom prst="rect">
+            <a:avLst/>
+          </a:prstGeom>
+          <a:solidFill>
+            <a:schemeClr val="bg1"/>
+          </a:solidFill>
+          <a:ln w="38100">
+            <a:solidFill>
+              <a:srgbClr val="000000"/>
+            </a:solidFill>
+          </a:ln>
+        </p:spPr>
+        <p:style>
+          <a:lnRef idx="2">
+            <a:schemeClr val="accent1">
+              <a:shade val="50000"/>
+            </a:schemeClr>
+          </a:lnRef>
+          <a:fillRef idx="1">
+            <a:schemeClr val="accent1"/>
+          </a:fillRef>
+          <a:effectRef idx="0">
+            <a:schemeClr val="accent1"/>
+          </a:effectRef>
+          <a:fontRef idx="minor">
+            <a:schemeClr val="lt1"/>
+          </a:fontRef>
+        </p:style>
+        <p:txBody>
+          <a:bodyPr rtlCol="0" anchor="ctr"/>
+          <a:lstStyle/>
+          <a:p>
+            <a:pPr algn="ctr"/>
+            <a:r>
+              <a:rPr kumimoji="1" lang="ko-KR" altLang="en-US" sz="1400" b="1" dirty="0">
+                <a:solidFill>
+                  <a:schemeClr val="tx1"/>
+                </a:solidFill>
+              </a:rPr>
+              <a:t>프로그램 시작</a:t>
+            </a:r>
+            <a:endParaRPr kumimoji="1" lang="ko-Kore-KR" altLang="en-US" sz="1400" b="1" dirty="0">
+              <a:solidFill>
+                <a:schemeClr val="tx1"/>
+              </a:solidFill>
+            </a:endParaRPr>
+          </a:p>
+        </p:txBody>
+      </p:sp>
+      <p:sp>
+        <p:nvSpPr>
+          <p:cNvPr id="5" name="직사각형 4">
+            <a:extLst>
+              <a:ext uri="{FF2B5EF4-FFF2-40B4-BE49-F238E27FC236}">
+                <a16:creationId xmlns:a16="http://schemas.microsoft.com/office/drawing/2014/main" id="{0D793563-8A03-0278-64FA-099E70FEB13A}"/>
+              </a:ext>
+            </a:extLst>
+          </p:cNvPr>
+          <p:cNvSpPr/>
+          <p:nvPr/>
+        </p:nvSpPr>
+        <p:spPr>
+          <a:xfrm>
+            <a:off x="5169793" y="1500658"/>
+            <a:ext cx="1491714" cy="571774"/>
+          </a:xfrm>
+          <a:prstGeom prst="rect">
+            <a:avLst/>
+          </a:prstGeom>
+          <a:solidFill>
+            <a:schemeClr val="bg1"/>
+          </a:solidFill>
+          <a:ln w="38100">
+            <a:solidFill>
+              <a:srgbClr val="000000"/>
+            </a:solidFill>
+          </a:ln>
+        </p:spPr>
+        <p:style>
+          <a:lnRef idx="2">
+            <a:schemeClr val="accent1">
+              <a:shade val="50000"/>
+            </a:schemeClr>
+          </a:lnRef>
+          <a:fillRef idx="1">
+            <a:schemeClr val="accent1"/>
+          </a:fillRef>
+          <a:effectRef idx="0">
+            <a:schemeClr val="accent1"/>
+          </a:effectRef>
+          <a:fontRef idx="minor">
+            <a:schemeClr val="lt1"/>
+          </a:fontRef>
+        </p:style>
+        <p:txBody>
+          <a:bodyPr rtlCol="0" anchor="ctr"/>
+          <a:lstStyle/>
+          <a:p>
+            <a:pPr algn="ctr"/>
+            <a:r>
+              <a:rPr kumimoji="1" lang="ko-KR" altLang="en-US" sz="1400" b="1" dirty="0">
+                <a:solidFill>
+                  <a:schemeClr val="tx1"/>
+                </a:solidFill>
+              </a:rPr>
+              <a:t>요청 대기</a:t>
+            </a:r>
+            <a:endParaRPr kumimoji="1" lang="ko-Kore-KR" altLang="en-US" sz="1400" b="1" dirty="0">
+              <a:solidFill>
+                <a:schemeClr val="tx1"/>
+              </a:solidFill>
+            </a:endParaRPr>
+          </a:p>
+        </p:txBody>
+      </p:sp>
+      <p:sp>
+        <p:nvSpPr>
+          <p:cNvPr id="6" name="직사각형 5">
+            <a:extLst>
+              <a:ext uri="{FF2B5EF4-FFF2-40B4-BE49-F238E27FC236}">
+                <a16:creationId xmlns:a16="http://schemas.microsoft.com/office/drawing/2014/main" id="{0EEA26F6-6545-1D13-8A85-2FCAC85E36D2}"/>
+              </a:ext>
+            </a:extLst>
+          </p:cNvPr>
+          <p:cNvSpPr/>
+          <p:nvPr/>
+        </p:nvSpPr>
+        <p:spPr>
+          <a:xfrm>
+            <a:off x="5169793" y="2287664"/>
+            <a:ext cx="1491714" cy="571774"/>
+          </a:xfrm>
+          <a:prstGeom prst="rect">
+            <a:avLst/>
+          </a:prstGeom>
+          <a:solidFill>
+            <a:schemeClr val="bg1"/>
+          </a:solidFill>
+          <a:ln w="38100">
+            <a:solidFill>
+              <a:srgbClr val="000000"/>
+            </a:solidFill>
+          </a:ln>
+        </p:spPr>
+        <p:style>
+          <a:lnRef idx="2">
+            <a:schemeClr val="accent1">
+              <a:shade val="50000"/>
+            </a:schemeClr>
+          </a:lnRef>
+          <a:fillRef idx="1">
+            <a:schemeClr val="accent1"/>
+          </a:fillRef>
+          <a:effectRef idx="0">
+            <a:schemeClr val="accent1"/>
+          </a:effectRef>
+          <a:fontRef idx="minor">
+            <a:schemeClr val="lt1"/>
+          </a:fontRef>
+        </p:style>
+        <p:txBody>
+          <a:bodyPr rtlCol="0" anchor="ctr"/>
+          <a:lstStyle/>
+          <a:p>
+            <a:pPr algn="ctr"/>
+            <a:r>
+              <a:rPr kumimoji="1" lang="ko-KR" altLang="en-US" sz="1400" b="1" dirty="0">
+                <a:solidFill>
+                  <a:schemeClr val="tx1"/>
+                </a:solidFill>
+              </a:rPr>
+              <a:t>요청수신</a:t>
+            </a:r>
+            <a:endParaRPr kumimoji="1" lang="ko-Kore-KR" altLang="en-US" sz="1400" b="1" dirty="0">
+              <a:solidFill>
+                <a:schemeClr val="tx1"/>
+              </a:solidFill>
+            </a:endParaRPr>
+          </a:p>
+        </p:txBody>
+      </p:sp>
+      <p:sp>
+        <p:nvSpPr>
+          <p:cNvPr id="7" name="직사각형 6">
+            <a:extLst>
+              <a:ext uri="{FF2B5EF4-FFF2-40B4-BE49-F238E27FC236}">
+                <a16:creationId xmlns:a16="http://schemas.microsoft.com/office/drawing/2014/main" id="{11D59B5D-0B85-59BA-9581-0D9EB2971D37}"/>
+              </a:ext>
+            </a:extLst>
+          </p:cNvPr>
+          <p:cNvSpPr/>
+          <p:nvPr/>
+        </p:nvSpPr>
+        <p:spPr>
+          <a:xfrm>
+            <a:off x="6724912" y="4166524"/>
+            <a:ext cx="1491714" cy="571774"/>
+          </a:xfrm>
+          <a:prstGeom prst="rect">
+            <a:avLst/>
+          </a:prstGeom>
+          <a:solidFill>
+            <a:schemeClr val="bg1"/>
+          </a:solidFill>
+          <a:ln w="38100">
+            <a:solidFill>
+              <a:srgbClr val="000000"/>
+            </a:solidFill>
+          </a:ln>
+        </p:spPr>
+        <p:style>
+          <a:lnRef idx="2">
+            <a:schemeClr val="accent1">
+              <a:shade val="50000"/>
+            </a:schemeClr>
+          </a:lnRef>
+          <a:fillRef idx="1">
+            <a:schemeClr val="accent1"/>
+          </a:fillRef>
+          <a:effectRef idx="0">
+            <a:schemeClr val="accent1"/>
+          </a:effectRef>
+          <a:fontRef idx="minor">
+            <a:schemeClr val="lt1"/>
+          </a:fontRef>
+        </p:style>
+        <p:txBody>
+          <a:bodyPr rtlCol="0" anchor="ctr"/>
+          <a:lstStyle/>
+          <a:p>
+            <a:pPr algn="ctr"/>
+            <a:r>
+              <a:rPr kumimoji="1" lang="en-US" altLang="ko-KR" sz="1400" b="1" dirty="0">
+                <a:solidFill>
+                  <a:schemeClr val="tx1"/>
+                </a:solidFill>
+              </a:rPr>
+              <a:t>Mongo DB </a:t>
+            </a:r>
+            <a:r>
+              <a:rPr kumimoji="1" lang="ko-KR" altLang="en-US" sz="1400" b="1" dirty="0">
+                <a:solidFill>
+                  <a:schemeClr val="tx1"/>
+                </a:solidFill>
+              </a:rPr>
+              <a:t>접근</a:t>
+            </a:r>
+            <a:endParaRPr kumimoji="1" lang="en-US" altLang="ko-KR" sz="1400" b="1" dirty="0">
+              <a:solidFill>
+                <a:schemeClr val="tx1"/>
+              </a:solidFill>
+            </a:endParaRPr>
+          </a:p>
+        </p:txBody>
+      </p:sp>
+      <p:sp>
+        <p:nvSpPr>
+          <p:cNvPr id="8" name="직사각형 7">
+            <a:extLst>
+              <a:ext uri="{FF2B5EF4-FFF2-40B4-BE49-F238E27FC236}">
+                <a16:creationId xmlns:a16="http://schemas.microsoft.com/office/drawing/2014/main" id="{1D086516-4C82-8CD5-EDCE-C5591758D1AF}"/>
+              </a:ext>
+            </a:extLst>
+          </p:cNvPr>
+          <p:cNvSpPr/>
+          <p:nvPr/>
+        </p:nvSpPr>
+        <p:spPr>
+          <a:xfrm>
+            <a:off x="3614674" y="4171535"/>
+            <a:ext cx="1491714" cy="571774"/>
+          </a:xfrm>
+          <a:prstGeom prst="rect">
+            <a:avLst/>
+          </a:prstGeom>
+          <a:solidFill>
+            <a:schemeClr val="bg1"/>
+          </a:solidFill>
+          <a:ln w="38100">
+            <a:solidFill>
+              <a:srgbClr val="000000"/>
+            </a:solidFill>
+          </a:ln>
+        </p:spPr>
+        <p:style>
+          <a:lnRef idx="2">
+            <a:schemeClr val="accent1">
+              <a:shade val="50000"/>
+            </a:schemeClr>
+          </a:lnRef>
+          <a:fillRef idx="1">
+            <a:schemeClr val="accent1"/>
+          </a:fillRef>
+          <a:effectRef idx="0">
+            <a:schemeClr val="accent1"/>
+          </a:effectRef>
+          <a:fontRef idx="minor">
+            <a:schemeClr val="lt1"/>
+          </a:fontRef>
+        </p:style>
+        <p:txBody>
+          <a:bodyPr rtlCol="0" anchor="ctr"/>
+          <a:lstStyle/>
+          <a:p>
+            <a:pPr algn="ctr"/>
+            <a:r>
+              <a:rPr kumimoji="1" lang="en-US" altLang="ko-KR" sz="1400" b="1" dirty="0">
+                <a:solidFill>
+                  <a:schemeClr val="tx1"/>
+                </a:solidFill>
+              </a:rPr>
+              <a:t>Mongo DB </a:t>
+            </a:r>
+            <a:r>
+              <a:rPr kumimoji="1" lang="ko-KR" altLang="en-US" sz="1400" b="1" dirty="0">
+                <a:solidFill>
+                  <a:schemeClr val="tx1"/>
+                </a:solidFill>
+              </a:rPr>
+              <a:t>접근</a:t>
+            </a:r>
+            <a:endParaRPr kumimoji="1" lang="en-US" altLang="ko-KR" sz="1400" b="1" dirty="0">
+              <a:solidFill>
+                <a:schemeClr val="tx1"/>
+              </a:solidFill>
+            </a:endParaRPr>
+          </a:p>
+        </p:txBody>
+      </p:sp>
+      <p:sp>
+        <p:nvSpPr>
+          <p:cNvPr id="9" name="다이아몬드 8">
+            <a:extLst>
+              <a:ext uri="{FF2B5EF4-FFF2-40B4-BE49-F238E27FC236}">
+                <a16:creationId xmlns:a16="http://schemas.microsoft.com/office/drawing/2014/main" id="{8BFF7D06-9CF6-3C8E-888D-10731EB9AB4C}"/>
+              </a:ext>
+            </a:extLst>
+          </p:cNvPr>
+          <p:cNvSpPr/>
+          <p:nvPr/>
+        </p:nvSpPr>
+        <p:spPr>
+          <a:xfrm>
+            <a:off x="5106388" y="3074670"/>
+            <a:ext cx="1618524" cy="755904"/>
+          </a:xfrm>
+          <a:prstGeom prst="diamond">
+            <a:avLst/>
+          </a:prstGeom>
+          <a:solidFill>
+            <a:schemeClr val="bg1"/>
+          </a:solidFill>
+          <a:ln w="38100">
+            <a:solidFill>
+              <a:schemeClr val="tx1"/>
+            </a:solidFill>
+          </a:ln>
+        </p:spPr>
+        <p:style>
+          <a:lnRef idx="2">
+            <a:schemeClr val="accent6"/>
+          </a:lnRef>
+          <a:fillRef idx="1">
+            <a:schemeClr val="lt1"/>
+          </a:fillRef>
+          <a:effectRef idx="0">
+            <a:schemeClr val="accent6"/>
+          </a:effectRef>
+          <a:fontRef idx="minor">
+            <a:schemeClr val="dk1"/>
+          </a:fontRef>
+        </p:style>
+        <p:txBody>
+          <a:bodyPr rtlCol="0" anchor="ctr"/>
+          <a:lstStyle/>
+          <a:p>
+            <a:pPr algn="ctr"/>
+            <a:r>
+              <a:rPr kumimoji="1" lang="ko-KR" altLang="en-US" sz="1400" b="1" dirty="0" err="1"/>
+              <a:t>메세지</a:t>
+            </a:r>
+            <a:endParaRPr kumimoji="1" lang="en-US" altLang="ko-KR" sz="1400" b="1" dirty="0"/>
+          </a:p>
+          <a:p>
+            <a:pPr algn="ctr"/>
+            <a:r>
+              <a:rPr kumimoji="1" lang="ko-KR" altLang="en-US" sz="1400" b="1" dirty="0"/>
+              <a:t>타입</a:t>
+            </a:r>
+            <a:r>
+              <a:rPr kumimoji="1" lang="en-US" altLang="ko-KR" sz="1400" b="1" dirty="0"/>
+              <a:t>?</a:t>
+            </a:r>
+            <a:endParaRPr kumimoji="1" lang="ko-Kore-KR" altLang="en-US" sz="1400" b="1" dirty="0"/>
+          </a:p>
+        </p:txBody>
+      </p:sp>
+      <p:cxnSp>
+        <p:nvCxnSpPr>
+          <p:cNvPr id="10" name="직선 화살표 연결선 9">
+            <a:extLst>
+              <a:ext uri="{FF2B5EF4-FFF2-40B4-BE49-F238E27FC236}">
+                <a16:creationId xmlns:a16="http://schemas.microsoft.com/office/drawing/2014/main" id="{926DA171-3197-C2CA-F26D-D2632977DD98}"/>
+              </a:ext>
+            </a:extLst>
+          </p:cNvPr>
+          <p:cNvCxnSpPr>
+            <a:cxnSpLocks/>
+            <a:endCxn id="5" idx="3"/>
+          </p:cNvCxnSpPr>
+          <p:nvPr/>
+        </p:nvCxnSpPr>
+        <p:spPr>
+          <a:xfrm flipH="1">
+            <a:off x="6661507" y="1786545"/>
+            <a:ext cx="1213561" cy="0"/>
+          </a:xfrm>
+          <a:prstGeom prst="straightConnector1">
+            <a:avLst/>
+          </a:prstGeom>
+          <a:ln w="38100">
+            <a:tailEnd type="triangle"/>
+          </a:ln>
+        </p:spPr>
+        <p:style>
+          <a:lnRef idx="1">
+            <a:schemeClr val="dk1"/>
+          </a:lnRef>
+          <a:fillRef idx="0">
+            <a:schemeClr val="dk1"/>
+          </a:fillRef>
+          <a:effectRef idx="0">
+            <a:schemeClr val="dk1"/>
+          </a:effectRef>
+          <a:fontRef idx="minor">
+            <a:schemeClr val="tx1"/>
+          </a:fontRef>
+        </p:style>
+      </p:cxnSp>
+      <p:cxnSp>
+        <p:nvCxnSpPr>
+          <p:cNvPr id="11" name="직선 화살표 연결선 10">
+            <a:extLst>
+              <a:ext uri="{FF2B5EF4-FFF2-40B4-BE49-F238E27FC236}">
+                <a16:creationId xmlns:a16="http://schemas.microsoft.com/office/drawing/2014/main" id="{BA95F803-6F36-FD1C-74EF-D923546D7080}"/>
+              </a:ext>
+            </a:extLst>
+          </p:cNvPr>
+          <p:cNvCxnSpPr>
+            <a:cxnSpLocks/>
+          </p:cNvCxnSpPr>
+          <p:nvPr/>
+        </p:nvCxnSpPr>
+        <p:spPr>
+          <a:xfrm flipH="1">
+            <a:off x="4341430" y="3943349"/>
+            <a:ext cx="3146400" cy="0"/>
+          </a:xfrm>
+          <a:prstGeom prst="straightConnector1">
+            <a:avLst/>
+          </a:prstGeom>
+          <a:ln w="38100">
+            <a:tailEnd type="none"/>
+          </a:ln>
+        </p:spPr>
+        <p:style>
+          <a:lnRef idx="1">
+            <a:schemeClr val="dk1"/>
+          </a:lnRef>
+          <a:fillRef idx="0">
+            <a:schemeClr val="dk1"/>
+          </a:fillRef>
+          <a:effectRef idx="0">
+            <a:schemeClr val="dk1"/>
+          </a:effectRef>
+          <a:fontRef idx="minor">
+            <a:schemeClr val="tx1"/>
+          </a:fontRef>
+        </p:style>
+      </p:cxnSp>
+      <p:cxnSp>
+        <p:nvCxnSpPr>
+          <p:cNvPr id="12" name="직선 화살표 연결선 11">
+            <a:extLst>
+              <a:ext uri="{FF2B5EF4-FFF2-40B4-BE49-F238E27FC236}">
+                <a16:creationId xmlns:a16="http://schemas.microsoft.com/office/drawing/2014/main" id="{C22E9E66-E506-7723-82BA-98B0604E54A0}"/>
+              </a:ext>
+            </a:extLst>
+          </p:cNvPr>
+          <p:cNvCxnSpPr>
+            <a:cxnSpLocks/>
+            <a:stCxn id="9" idx="3"/>
+          </p:cNvCxnSpPr>
+          <p:nvPr/>
+        </p:nvCxnSpPr>
+        <p:spPr>
+          <a:xfrm>
+            <a:off x="6724912" y="3452622"/>
+            <a:ext cx="1150156" cy="0"/>
+          </a:xfrm>
+          <a:prstGeom prst="straightConnector1">
+            <a:avLst/>
+          </a:prstGeom>
+          <a:ln w="38100">
+            <a:tailEnd type="none"/>
+          </a:ln>
+        </p:spPr>
+        <p:style>
+          <a:lnRef idx="1">
+            <a:schemeClr val="dk1"/>
+          </a:lnRef>
+          <a:fillRef idx="0">
+            <a:schemeClr val="dk1"/>
+          </a:fillRef>
+          <a:effectRef idx="0">
+            <a:schemeClr val="dk1"/>
+          </a:effectRef>
+          <a:fontRef idx="minor">
+            <a:schemeClr val="tx1"/>
+          </a:fontRef>
+        </p:style>
+      </p:cxnSp>
+      <p:cxnSp>
+        <p:nvCxnSpPr>
+          <p:cNvPr id="13" name="직선 화살표 연결선 12">
+            <a:extLst>
+              <a:ext uri="{FF2B5EF4-FFF2-40B4-BE49-F238E27FC236}">
+                <a16:creationId xmlns:a16="http://schemas.microsoft.com/office/drawing/2014/main" id="{BD070A08-1EE2-57D6-5327-17E88004F459}"/>
+              </a:ext>
+            </a:extLst>
+          </p:cNvPr>
+          <p:cNvCxnSpPr>
+            <a:cxnSpLocks/>
+          </p:cNvCxnSpPr>
+          <p:nvPr/>
+        </p:nvCxnSpPr>
+        <p:spPr>
+          <a:xfrm flipV="1">
+            <a:off x="7875068" y="1786545"/>
+            <a:ext cx="0" cy="1666077"/>
+          </a:xfrm>
+          <a:prstGeom prst="straightConnector1">
+            <a:avLst/>
+          </a:prstGeom>
+          <a:ln w="38100">
+            <a:tailEnd type="none"/>
+          </a:ln>
+        </p:spPr>
+        <p:style>
+          <a:lnRef idx="1">
+            <a:schemeClr val="dk1"/>
+          </a:lnRef>
+          <a:fillRef idx="0">
+            <a:schemeClr val="dk1"/>
+          </a:fillRef>
+          <a:effectRef idx="0">
+            <a:schemeClr val="dk1"/>
+          </a:effectRef>
+          <a:fontRef idx="minor">
+            <a:schemeClr val="tx1"/>
+          </a:fontRef>
+        </p:style>
+      </p:cxnSp>
+      <p:sp>
+        <p:nvSpPr>
+          <p:cNvPr id="47" name="TextBox 46">
+            <a:extLst>
+              <a:ext uri="{FF2B5EF4-FFF2-40B4-BE49-F238E27FC236}">
+                <a16:creationId xmlns:a16="http://schemas.microsoft.com/office/drawing/2014/main" id="{F79EFEA7-E033-8A37-2694-400CABBA619B}"/>
+              </a:ext>
+            </a:extLst>
+          </p:cNvPr>
+          <p:cNvSpPr txBox="1"/>
+          <p:nvPr/>
+        </p:nvSpPr>
+        <p:spPr>
+          <a:xfrm>
+            <a:off x="6815438" y="3156935"/>
+            <a:ext cx="905697" cy="307777"/>
+          </a:xfrm>
+          <a:prstGeom prst="rect">
+            <a:avLst/>
+          </a:prstGeom>
+          <a:noFill/>
+        </p:spPr>
+        <p:txBody>
+          <a:bodyPr wrap="none" rtlCol="0">
+            <a:spAutoFit/>
+          </a:bodyPr>
+          <a:lstStyle/>
+          <a:p>
+            <a:r>
+              <a:rPr kumimoji="1" lang="en-US" altLang="ko-Kore-KR" sz="1400" b="1" dirty="0"/>
+              <a:t>Unknown</a:t>
+            </a:r>
+            <a:endParaRPr kumimoji="1" lang="ko-Kore-KR" altLang="en-US" sz="1400" b="1" dirty="0"/>
+          </a:p>
+        </p:txBody>
+      </p:sp>
+      <p:cxnSp>
+        <p:nvCxnSpPr>
+          <p:cNvPr id="48" name="직선 화살표 연결선 47">
+            <a:extLst>
+              <a:ext uri="{FF2B5EF4-FFF2-40B4-BE49-F238E27FC236}">
+                <a16:creationId xmlns:a16="http://schemas.microsoft.com/office/drawing/2014/main" id="{90C8267B-00FA-6E96-7B76-09E852A1B1D1}"/>
+              </a:ext>
+            </a:extLst>
+          </p:cNvPr>
+          <p:cNvCxnSpPr>
+            <a:cxnSpLocks/>
+            <a:endCxn id="9" idx="2"/>
+          </p:cNvCxnSpPr>
+          <p:nvPr/>
+        </p:nvCxnSpPr>
+        <p:spPr>
+          <a:xfrm flipV="1">
+            <a:off x="5915650" y="3830574"/>
+            <a:ext cx="0" cy="112776"/>
+          </a:xfrm>
+          <a:prstGeom prst="straightConnector1">
+            <a:avLst/>
+          </a:prstGeom>
+          <a:ln w="38100">
+            <a:tailEnd type="none"/>
+          </a:ln>
+        </p:spPr>
+        <p:style>
+          <a:lnRef idx="1">
+            <a:schemeClr val="dk1"/>
+          </a:lnRef>
+          <a:fillRef idx="0">
+            <a:schemeClr val="dk1"/>
+          </a:fillRef>
+          <a:effectRef idx="0">
+            <a:schemeClr val="dk1"/>
+          </a:effectRef>
+          <a:fontRef idx="minor">
+            <a:schemeClr val="tx1"/>
+          </a:fontRef>
+        </p:style>
+      </p:cxnSp>
+      <p:cxnSp>
+        <p:nvCxnSpPr>
+          <p:cNvPr id="58" name="직선 화살표 연결선 57">
+            <a:extLst>
+              <a:ext uri="{FF2B5EF4-FFF2-40B4-BE49-F238E27FC236}">
+                <a16:creationId xmlns:a16="http://schemas.microsoft.com/office/drawing/2014/main" id="{50ABC7DE-DF64-6429-DD28-ABDE70C8F6C9}"/>
+              </a:ext>
+            </a:extLst>
+          </p:cNvPr>
+          <p:cNvCxnSpPr>
+            <a:cxnSpLocks/>
+            <a:stCxn id="7" idx="0"/>
+          </p:cNvCxnSpPr>
+          <p:nvPr/>
+        </p:nvCxnSpPr>
+        <p:spPr>
+          <a:xfrm flipV="1">
+            <a:off x="7470769" y="3938338"/>
+            <a:ext cx="0" cy="228186"/>
+          </a:xfrm>
+          <a:prstGeom prst="straightConnector1">
+            <a:avLst/>
+          </a:prstGeom>
+          <a:ln w="38100">
+            <a:headEnd type="triangle"/>
+            <a:tailEnd type="none"/>
+          </a:ln>
+        </p:spPr>
+        <p:style>
+          <a:lnRef idx="1">
+            <a:schemeClr val="dk1"/>
+          </a:lnRef>
+          <a:fillRef idx="0">
+            <a:schemeClr val="dk1"/>
+          </a:fillRef>
+          <a:effectRef idx="0">
+            <a:schemeClr val="dk1"/>
+          </a:effectRef>
+          <a:fontRef idx="minor">
+            <a:schemeClr val="tx1"/>
+          </a:fontRef>
+        </p:style>
+      </p:cxnSp>
+      <p:cxnSp>
+        <p:nvCxnSpPr>
+          <p:cNvPr id="62" name="직선 화살표 연결선 61">
+            <a:extLst>
+              <a:ext uri="{FF2B5EF4-FFF2-40B4-BE49-F238E27FC236}">
+                <a16:creationId xmlns:a16="http://schemas.microsoft.com/office/drawing/2014/main" id="{E4D16E8B-E216-CFC4-3F3E-745DE156C58A}"/>
+              </a:ext>
+            </a:extLst>
+          </p:cNvPr>
+          <p:cNvCxnSpPr>
+            <a:cxnSpLocks/>
+            <a:stCxn id="8" idx="0"/>
+          </p:cNvCxnSpPr>
+          <p:nvPr/>
+        </p:nvCxnSpPr>
+        <p:spPr>
+          <a:xfrm flipV="1">
+            <a:off x="4360531" y="3943349"/>
+            <a:ext cx="0" cy="228186"/>
+          </a:xfrm>
+          <a:prstGeom prst="straightConnector1">
+            <a:avLst/>
+          </a:prstGeom>
+          <a:ln w="38100">
+            <a:headEnd type="triangle"/>
+            <a:tailEnd type="none"/>
+          </a:ln>
+        </p:spPr>
+        <p:style>
+          <a:lnRef idx="1">
+            <a:schemeClr val="dk1"/>
+          </a:lnRef>
+          <a:fillRef idx="0">
+            <a:schemeClr val="dk1"/>
+          </a:fillRef>
+          <a:effectRef idx="0">
+            <a:schemeClr val="dk1"/>
+          </a:effectRef>
+          <a:fontRef idx="minor">
+            <a:schemeClr val="tx1"/>
+          </a:fontRef>
+        </p:style>
+      </p:cxnSp>
+      <p:sp>
+        <p:nvSpPr>
+          <p:cNvPr id="66" name="TextBox 65">
+            <a:extLst>
+              <a:ext uri="{FF2B5EF4-FFF2-40B4-BE49-F238E27FC236}">
+                <a16:creationId xmlns:a16="http://schemas.microsoft.com/office/drawing/2014/main" id="{9316270B-BB95-0B7E-60BB-99FBB18A0419}"/>
+              </a:ext>
+            </a:extLst>
+          </p:cNvPr>
+          <p:cNvSpPr txBox="1"/>
+          <p:nvPr/>
+        </p:nvSpPr>
+        <p:spPr>
+          <a:xfrm>
+            <a:off x="4278064" y="3649737"/>
+            <a:ext cx="1193991" cy="307777"/>
+          </a:xfrm>
+          <a:prstGeom prst="rect">
+            <a:avLst/>
+          </a:prstGeom>
+          <a:noFill/>
+        </p:spPr>
+        <p:txBody>
+          <a:bodyPr wrap="square" rtlCol="0">
+            <a:spAutoFit/>
+          </a:bodyPr>
+          <a:lstStyle/>
+          <a:p>
+            <a:r>
+              <a:rPr kumimoji="1" lang="en-US" altLang="ko-Kore-KR" sz="1400" b="1" dirty="0"/>
+              <a:t>Raspberry pi</a:t>
+            </a:r>
+            <a:endParaRPr kumimoji="1" lang="ko-Kore-KR" altLang="en-US" sz="1400" b="1" dirty="0"/>
+          </a:p>
+        </p:txBody>
+      </p:sp>
+      <p:sp>
+        <p:nvSpPr>
+          <p:cNvPr id="69" name="TextBox 68">
+            <a:extLst>
+              <a:ext uri="{FF2B5EF4-FFF2-40B4-BE49-F238E27FC236}">
+                <a16:creationId xmlns:a16="http://schemas.microsoft.com/office/drawing/2014/main" id="{EA966805-6A92-36B0-4036-203A6F785340}"/>
+              </a:ext>
+            </a:extLst>
+          </p:cNvPr>
+          <p:cNvSpPr txBox="1"/>
+          <p:nvPr/>
+        </p:nvSpPr>
+        <p:spPr>
+          <a:xfrm>
+            <a:off x="6802840" y="3639114"/>
+            <a:ext cx="785215" cy="307777"/>
+          </a:xfrm>
+          <a:prstGeom prst="rect">
+            <a:avLst/>
+          </a:prstGeom>
+          <a:noFill/>
+        </p:spPr>
+        <p:txBody>
+          <a:bodyPr wrap="none" rtlCol="0">
+            <a:spAutoFit/>
+          </a:bodyPr>
+          <a:lstStyle/>
+          <a:p>
+            <a:r>
+              <a:rPr kumimoji="1" lang="en-US" altLang="ko-Kore-KR" sz="1400" b="1" dirty="0"/>
+              <a:t>Android</a:t>
+            </a:r>
+            <a:endParaRPr kumimoji="1" lang="ko-Kore-KR" altLang="en-US" sz="1400" b="1" dirty="0"/>
+          </a:p>
+        </p:txBody>
+      </p:sp>
+      <p:sp>
+        <p:nvSpPr>
+          <p:cNvPr id="70" name="직사각형 69">
+            <a:extLst>
+              <a:ext uri="{FF2B5EF4-FFF2-40B4-BE49-F238E27FC236}">
+                <a16:creationId xmlns:a16="http://schemas.microsoft.com/office/drawing/2014/main" id="{B503E54B-BA7A-01D4-E6AA-EB85D15BAD30}"/>
+              </a:ext>
+            </a:extLst>
+          </p:cNvPr>
+          <p:cNvSpPr/>
+          <p:nvPr/>
+        </p:nvSpPr>
+        <p:spPr>
+          <a:xfrm>
+            <a:off x="3614674" y="4957330"/>
+            <a:ext cx="1491714" cy="571774"/>
+          </a:xfrm>
+          <a:prstGeom prst="rect">
+            <a:avLst/>
+          </a:prstGeom>
+          <a:solidFill>
+            <a:schemeClr val="bg1"/>
+          </a:solidFill>
+          <a:ln w="38100">
+            <a:solidFill>
+              <a:srgbClr val="000000"/>
+            </a:solidFill>
+          </a:ln>
+        </p:spPr>
+        <p:style>
+          <a:lnRef idx="2">
+            <a:schemeClr val="accent1">
+              <a:shade val="50000"/>
+            </a:schemeClr>
+          </a:lnRef>
+          <a:fillRef idx="1">
+            <a:schemeClr val="accent1"/>
+          </a:fillRef>
+          <a:effectRef idx="0">
+            <a:schemeClr val="accent1"/>
+          </a:effectRef>
+          <a:fontRef idx="minor">
+            <a:schemeClr val="lt1"/>
+          </a:fontRef>
+        </p:style>
+        <p:txBody>
+          <a:bodyPr rtlCol="0" anchor="ctr"/>
+          <a:lstStyle/>
+          <a:p>
+            <a:pPr algn="ctr"/>
+            <a:r>
+              <a:rPr kumimoji="1" lang="en-US" altLang="ko-Kore-KR" sz="1400" b="1" dirty="0">
+                <a:solidFill>
+                  <a:schemeClr val="tx1"/>
+                </a:solidFill>
+              </a:rPr>
+              <a:t>Raspberry pi</a:t>
+            </a:r>
+            <a:endParaRPr kumimoji="1" lang="ko-Kore-KR" altLang="en-US" sz="1400" b="1" dirty="0">
+              <a:solidFill>
+                <a:schemeClr val="tx1"/>
+              </a:solidFill>
+            </a:endParaRPr>
+          </a:p>
+        </p:txBody>
+      </p:sp>
+      <p:cxnSp>
+        <p:nvCxnSpPr>
+          <p:cNvPr id="75" name="직선 화살표 연결선 74">
+            <a:extLst>
+              <a:ext uri="{FF2B5EF4-FFF2-40B4-BE49-F238E27FC236}">
+                <a16:creationId xmlns:a16="http://schemas.microsoft.com/office/drawing/2014/main" id="{6B3174B9-0059-42E0-DB11-871A880F83E5}"/>
+              </a:ext>
+            </a:extLst>
+          </p:cNvPr>
+          <p:cNvCxnSpPr>
+            <a:cxnSpLocks/>
+            <a:stCxn id="4" idx="2"/>
+            <a:endCxn id="5" idx="0"/>
+          </p:cNvCxnSpPr>
+          <p:nvPr/>
+        </p:nvCxnSpPr>
+        <p:spPr>
+          <a:xfrm>
+            <a:off x="5915650" y="1285426"/>
+            <a:ext cx="0" cy="215232"/>
+          </a:xfrm>
+          <a:prstGeom prst="straightConnector1">
+            <a:avLst/>
+          </a:prstGeom>
+          <a:ln w="38100">
+            <a:tailEnd type="triangle"/>
+          </a:ln>
+        </p:spPr>
+        <p:style>
+          <a:lnRef idx="1">
+            <a:schemeClr val="dk1"/>
+          </a:lnRef>
+          <a:fillRef idx="0">
+            <a:schemeClr val="dk1"/>
+          </a:fillRef>
+          <a:effectRef idx="0">
+            <a:schemeClr val="dk1"/>
+          </a:effectRef>
+          <a:fontRef idx="minor">
+            <a:schemeClr val="tx1"/>
+          </a:fontRef>
+        </p:style>
+      </p:cxnSp>
+      <p:cxnSp>
+        <p:nvCxnSpPr>
+          <p:cNvPr id="78" name="직선 화살표 연결선 77">
+            <a:extLst>
+              <a:ext uri="{FF2B5EF4-FFF2-40B4-BE49-F238E27FC236}">
+                <a16:creationId xmlns:a16="http://schemas.microsoft.com/office/drawing/2014/main" id="{C79A09EE-4BB7-8CC2-991E-341306ECFCCC}"/>
+              </a:ext>
+            </a:extLst>
+          </p:cNvPr>
+          <p:cNvCxnSpPr>
+            <a:cxnSpLocks/>
+            <a:stCxn id="5" idx="2"/>
+            <a:endCxn id="6" idx="0"/>
+          </p:cNvCxnSpPr>
+          <p:nvPr/>
+        </p:nvCxnSpPr>
+        <p:spPr>
+          <a:xfrm>
+            <a:off x="5915650" y="2072432"/>
+            <a:ext cx="0" cy="215232"/>
+          </a:xfrm>
+          <a:prstGeom prst="straightConnector1">
+            <a:avLst/>
+          </a:prstGeom>
+          <a:ln w="38100">
+            <a:tailEnd type="triangle"/>
+          </a:ln>
+        </p:spPr>
+        <p:style>
+          <a:lnRef idx="1">
+            <a:schemeClr val="dk1"/>
+          </a:lnRef>
+          <a:fillRef idx="0">
+            <a:schemeClr val="dk1"/>
+          </a:fillRef>
+          <a:effectRef idx="0">
+            <a:schemeClr val="dk1"/>
+          </a:effectRef>
+          <a:fontRef idx="minor">
+            <a:schemeClr val="tx1"/>
+          </a:fontRef>
+        </p:style>
+      </p:cxnSp>
+      <p:cxnSp>
+        <p:nvCxnSpPr>
+          <p:cNvPr id="83" name="직선 화살표 연결선 82">
+            <a:extLst>
+              <a:ext uri="{FF2B5EF4-FFF2-40B4-BE49-F238E27FC236}">
+                <a16:creationId xmlns:a16="http://schemas.microsoft.com/office/drawing/2014/main" id="{35CBE1E6-09C3-ACE2-FEC9-093780700308}"/>
+              </a:ext>
+            </a:extLst>
+          </p:cNvPr>
+          <p:cNvCxnSpPr>
+            <a:cxnSpLocks/>
+            <a:stCxn id="6" idx="2"/>
+            <a:endCxn id="9" idx="0"/>
+          </p:cNvCxnSpPr>
+          <p:nvPr/>
+        </p:nvCxnSpPr>
+        <p:spPr>
+          <a:xfrm>
+            <a:off x="5915650" y="2859438"/>
+            <a:ext cx="0" cy="215232"/>
+          </a:xfrm>
+          <a:prstGeom prst="straightConnector1">
+            <a:avLst/>
+          </a:prstGeom>
+          <a:ln w="38100">
+            <a:tailEnd type="triangle"/>
+          </a:ln>
+        </p:spPr>
+        <p:style>
+          <a:lnRef idx="1">
+            <a:schemeClr val="dk1"/>
+          </a:lnRef>
+          <a:fillRef idx="0">
+            <a:schemeClr val="dk1"/>
+          </a:fillRef>
+          <a:effectRef idx="0">
+            <a:schemeClr val="dk1"/>
+          </a:effectRef>
+          <a:fontRef idx="minor">
+            <a:schemeClr val="tx1"/>
+          </a:fontRef>
+        </p:style>
+      </p:cxnSp>
+      <p:cxnSp>
+        <p:nvCxnSpPr>
+          <p:cNvPr id="86" name="직선 화살표 연결선 85">
+            <a:extLst>
+              <a:ext uri="{FF2B5EF4-FFF2-40B4-BE49-F238E27FC236}">
+                <a16:creationId xmlns:a16="http://schemas.microsoft.com/office/drawing/2014/main" id="{4325A613-B9B3-1DFF-836B-C4C6492A55DE}"/>
+              </a:ext>
+            </a:extLst>
+          </p:cNvPr>
+          <p:cNvCxnSpPr>
+            <a:cxnSpLocks/>
+            <a:stCxn id="70" idx="0"/>
+            <a:endCxn id="8" idx="2"/>
+          </p:cNvCxnSpPr>
+          <p:nvPr/>
+        </p:nvCxnSpPr>
+        <p:spPr>
+          <a:xfrm flipV="1">
+            <a:off x="4360531" y="4743309"/>
+            <a:ext cx="0" cy="214021"/>
+          </a:xfrm>
+          <a:prstGeom prst="straightConnector1">
+            <a:avLst/>
+          </a:prstGeom>
+          <a:ln w="38100">
+            <a:headEnd type="triangle"/>
+            <a:tailEnd type="none"/>
+          </a:ln>
+        </p:spPr>
+        <p:style>
+          <a:lnRef idx="1">
+            <a:schemeClr val="dk1"/>
+          </a:lnRef>
+          <a:fillRef idx="0">
+            <a:schemeClr val="dk1"/>
+          </a:fillRef>
+          <a:effectRef idx="0">
+            <a:schemeClr val="dk1"/>
+          </a:effectRef>
+          <a:fontRef idx="minor">
+            <a:schemeClr val="tx1"/>
+          </a:fontRef>
+        </p:style>
+      </p:cxnSp>
+      <p:cxnSp>
+        <p:nvCxnSpPr>
+          <p:cNvPr id="91" name="직선 화살표 연결선 90">
+            <a:extLst>
+              <a:ext uri="{FF2B5EF4-FFF2-40B4-BE49-F238E27FC236}">
+                <a16:creationId xmlns:a16="http://schemas.microsoft.com/office/drawing/2014/main" id="{E44E8B3D-0CAE-8EF2-39E5-A2D62DDA06EC}"/>
+              </a:ext>
+            </a:extLst>
+          </p:cNvPr>
+          <p:cNvCxnSpPr>
+            <a:cxnSpLocks/>
+            <a:stCxn id="92" idx="0"/>
+            <a:endCxn id="7" idx="2"/>
+          </p:cNvCxnSpPr>
+          <p:nvPr/>
+        </p:nvCxnSpPr>
+        <p:spPr>
+          <a:xfrm flipV="1">
+            <a:off x="7470769" y="4738298"/>
+            <a:ext cx="0" cy="219032"/>
+          </a:xfrm>
+          <a:prstGeom prst="straightConnector1">
+            <a:avLst/>
+          </a:prstGeom>
+          <a:ln w="38100">
+            <a:headEnd type="triangle"/>
+            <a:tailEnd type="none"/>
+          </a:ln>
+        </p:spPr>
+        <p:style>
+          <a:lnRef idx="1">
+            <a:schemeClr val="dk1"/>
+          </a:lnRef>
+          <a:fillRef idx="0">
+            <a:schemeClr val="dk1"/>
+          </a:fillRef>
+          <a:effectRef idx="0">
+            <a:schemeClr val="dk1"/>
+          </a:effectRef>
+          <a:fontRef idx="minor">
+            <a:schemeClr val="tx1"/>
+          </a:fontRef>
+        </p:style>
+      </p:cxnSp>
+      <p:sp>
+        <p:nvSpPr>
+          <p:cNvPr id="92" name="직사각형 91">
+            <a:extLst>
+              <a:ext uri="{FF2B5EF4-FFF2-40B4-BE49-F238E27FC236}">
+                <a16:creationId xmlns:a16="http://schemas.microsoft.com/office/drawing/2014/main" id="{9DB9F5CF-7501-C9F9-39BD-A59B8E7AF325}"/>
+              </a:ext>
+            </a:extLst>
+          </p:cNvPr>
+          <p:cNvSpPr/>
+          <p:nvPr/>
+        </p:nvSpPr>
+        <p:spPr>
+          <a:xfrm>
+            <a:off x="6724912" y="4957330"/>
+            <a:ext cx="1491714" cy="571774"/>
+          </a:xfrm>
+          <a:prstGeom prst="rect">
+            <a:avLst/>
+          </a:prstGeom>
+          <a:solidFill>
+            <a:schemeClr val="bg1"/>
+          </a:solidFill>
+          <a:ln w="38100">
+            <a:solidFill>
+              <a:srgbClr val="000000"/>
+            </a:solidFill>
+          </a:ln>
+        </p:spPr>
+        <p:style>
+          <a:lnRef idx="2">
+            <a:schemeClr val="accent1">
+              <a:shade val="50000"/>
+            </a:schemeClr>
+          </a:lnRef>
+          <a:fillRef idx="1">
+            <a:schemeClr val="accent1"/>
+          </a:fillRef>
+          <a:effectRef idx="0">
+            <a:schemeClr val="accent1"/>
+          </a:effectRef>
+          <a:fontRef idx="minor">
+            <a:schemeClr val="lt1"/>
+          </a:fontRef>
+        </p:style>
+        <p:txBody>
+          <a:bodyPr rtlCol="0" anchor="ctr"/>
+          <a:lstStyle/>
+          <a:p>
+            <a:pPr algn="ctr"/>
+            <a:r>
+              <a:rPr kumimoji="1" lang="en-US" altLang="ko-Kore-KR" sz="1400" b="1" dirty="0">
+                <a:solidFill>
+                  <a:schemeClr val="tx1"/>
+                </a:solidFill>
+              </a:rPr>
+              <a:t>Android</a:t>
+            </a:r>
+            <a:endParaRPr kumimoji="1" lang="ko-Kore-KR" altLang="en-US" sz="1400" b="1" dirty="0">
+              <a:solidFill>
+                <a:schemeClr val="tx1"/>
+              </a:solidFill>
+            </a:endParaRPr>
+          </a:p>
+        </p:txBody>
+      </p:sp>
+      <p:sp>
+        <p:nvSpPr>
+          <p:cNvPr id="99" name="직사각형 98">
+            <a:extLst>
+              <a:ext uri="{FF2B5EF4-FFF2-40B4-BE49-F238E27FC236}">
+                <a16:creationId xmlns:a16="http://schemas.microsoft.com/office/drawing/2014/main" id="{2141978C-099A-1E00-8FC5-41871EC119BC}"/>
+              </a:ext>
+            </a:extLst>
+          </p:cNvPr>
+          <p:cNvSpPr/>
+          <p:nvPr/>
+        </p:nvSpPr>
+        <p:spPr>
+          <a:xfrm>
+            <a:off x="1747003" y="1214771"/>
+            <a:ext cx="1491714" cy="571774"/>
+          </a:xfrm>
+          <a:prstGeom prst="rect">
+            <a:avLst/>
+          </a:prstGeom>
+          <a:solidFill>
+            <a:schemeClr val="bg1"/>
+          </a:solidFill>
+          <a:ln w="38100">
+            <a:solidFill>
+              <a:srgbClr val="000000"/>
+            </a:solidFill>
+          </a:ln>
+        </p:spPr>
+        <p:style>
+          <a:lnRef idx="2">
+            <a:schemeClr val="accent1">
+              <a:shade val="50000"/>
+            </a:schemeClr>
+          </a:lnRef>
+          <a:fillRef idx="1">
+            <a:schemeClr val="accent1"/>
+          </a:fillRef>
+          <a:effectRef idx="0">
+            <a:schemeClr val="accent1"/>
+          </a:effectRef>
+          <a:fontRef idx="minor">
+            <a:schemeClr val="lt1"/>
+          </a:fontRef>
+        </p:style>
+        <p:txBody>
+          <a:bodyPr rtlCol="0" anchor="ctr"/>
+          <a:lstStyle/>
+          <a:p>
+            <a:pPr algn="ctr"/>
+            <a:r>
+              <a:rPr kumimoji="1" lang="ko-KR" altLang="en-US" sz="1400" b="1" dirty="0">
+                <a:solidFill>
+                  <a:schemeClr val="tx1"/>
+                </a:solidFill>
+              </a:rPr>
+              <a:t>수위 정보 수신</a:t>
+            </a:r>
+            <a:endParaRPr kumimoji="1" lang="en-US" altLang="ko-KR" sz="1400" b="1" dirty="0">
+              <a:solidFill>
+                <a:schemeClr val="tx1"/>
+              </a:solidFill>
+            </a:endParaRPr>
+          </a:p>
+        </p:txBody>
+      </p:sp>
+      <p:sp>
+        <p:nvSpPr>
+          <p:cNvPr id="100" name="직사각형 99">
+            <a:extLst>
+              <a:ext uri="{FF2B5EF4-FFF2-40B4-BE49-F238E27FC236}">
+                <a16:creationId xmlns:a16="http://schemas.microsoft.com/office/drawing/2014/main" id="{7E9617C5-63CA-D096-0856-9A6DA60821D2}"/>
+              </a:ext>
+            </a:extLst>
+          </p:cNvPr>
+          <p:cNvSpPr/>
+          <p:nvPr/>
+        </p:nvSpPr>
+        <p:spPr>
+          <a:xfrm>
+            <a:off x="1747003" y="2000566"/>
+            <a:ext cx="1491714" cy="571774"/>
+          </a:xfrm>
+          <a:prstGeom prst="rect">
+            <a:avLst/>
+          </a:prstGeom>
+          <a:solidFill>
+            <a:schemeClr val="bg1"/>
+          </a:solidFill>
+          <a:ln w="38100">
+            <a:solidFill>
+              <a:srgbClr val="000000"/>
+            </a:solidFill>
+          </a:ln>
+        </p:spPr>
+        <p:style>
+          <a:lnRef idx="2">
+            <a:schemeClr val="accent1">
+              <a:shade val="50000"/>
+            </a:schemeClr>
+          </a:lnRef>
+          <a:fillRef idx="1">
+            <a:schemeClr val="accent1"/>
+          </a:fillRef>
+          <a:effectRef idx="0">
+            <a:schemeClr val="accent1"/>
+          </a:effectRef>
+          <a:fontRef idx="minor">
+            <a:schemeClr val="lt1"/>
+          </a:fontRef>
+        </p:style>
+        <p:txBody>
+          <a:bodyPr rtlCol="0" anchor="ctr"/>
+          <a:lstStyle/>
+          <a:p>
+            <a:pPr algn="ctr"/>
+            <a:r>
+              <a:rPr kumimoji="1" lang="en-US" altLang="ko-Kore-KR" sz="1400" b="1" dirty="0">
+                <a:solidFill>
+                  <a:schemeClr val="tx1"/>
+                </a:solidFill>
+              </a:rPr>
+              <a:t>Mongo DB </a:t>
+            </a:r>
+            <a:r>
+              <a:rPr kumimoji="1" lang="ko-KR" altLang="en-US" sz="1400" b="1" dirty="0">
+                <a:solidFill>
+                  <a:schemeClr val="tx1"/>
+                </a:solidFill>
+              </a:rPr>
+              <a:t>갱신</a:t>
+            </a:r>
+            <a:endParaRPr kumimoji="1" lang="ko-Kore-KR" altLang="en-US" sz="1400" b="1" dirty="0">
+              <a:solidFill>
+                <a:schemeClr val="tx1"/>
+              </a:solidFill>
+            </a:endParaRPr>
+          </a:p>
+        </p:txBody>
+      </p:sp>
+      <p:cxnSp>
+        <p:nvCxnSpPr>
+          <p:cNvPr id="101" name="직선 화살표 연결선 100">
+            <a:extLst>
+              <a:ext uri="{FF2B5EF4-FFF2-40B4-BE49-F238E27FC236}">
+                <a16:creationId xmlns:a16="http://schemas.microsoft.com/office/drawing/2014/main" id="{6A655043-1036-C7A5-DEF6-B300694936B3}"/>
+              </a:ext>
+            </a:extLst>
+          </p:cNvPr>
+          <p:cNvCxnSpPr>
+            <a:cxnSpLocks/>
+            <a:stCxn id="100" idx="0"/>
+            <a:endCxn id="99" idx="2"/>
+          </p:cNvCxnSpPr>
+          <p:nvPr/>
+        </p:nvCxnSpPr>
+        <p:spPr>
+          <a:xfrm flipV="1">
+            <a:off x="2492860" y="1786545"/>
+            <a:ext cx="0" cy="214021"/>
+          </a:xfrm>
+          <a:prstGeom prst="straightConnector1">
+            <a:avLst/>
+          </a:prstGeom>
+          <a:ln w="38100">
+            <a:headEnd type="triangle"/>
+            <a:tailEnd type="none"/>
+          </a:ln>
+        </p:spPr>
+        <p:style>
+          <a:lnRef idx="1">
+            <a:schemeClr val="dk1"/>
+          </a:lnRef>
+          <a:fillRef idx="0">
+            <a:schemeClr val="dk1"/>
+          </a:fillRef>
+          <a:effectRef idx="0">
+            <a:schemeClr val="dk1"/>
+          </a:effectRef>
+          <a:fontRef idx="minor">
+            <a:schemeClr val="tx1"/>
+          </a:fontRef>
+        </p:style>
+      </p:cxnSp>
+      <p:sp>
+        <p:nvSpPr>
+          <p:cNvPr id="102" name="직사각형 101">
+            <a:extLst>
+              <a:ext uri="{FF2B5EF4-FFF2-40B4-BE49-F238E27FC236}">
+                <a16:creationId xmlns:a16="http://schemas.microsoft.com/office/drawing/2014/main" id="{721209E4-C430-25DC-8659-1F75BF89F513}"/>
+              </a:ext>
+            </a:extLst>
+          </p:cNvPr>
+          <p:cNvSpPr/>
+          <p:nvPr/>
+        </p:nvSpPr>
+        <p:spPr>
+          <a:xfrm>
+            <a:off x="1743244" y="2782621"/>
+            <a:ext cx="1491714" cy="571774"/>
+          </a:xfrm>
+          <a:prstGeom prst="rect">
+            <a:avLst/>
+          </a:prstGeom>
+          <a:solidFill>
+            <a:schemeClr val="bg1"/>
+          </a:solidFill>
+          <a:ln w="38100">
+            <a:solidFill>
+              <a:srgbClr val="000000"/>
+            </a:solidFill>
+          </a:ln>
+        </p:spPr>
+        <p:style>
+          <a:lnRef idx="2">
+            <a:schemeClr val="accent1">
+              <a:shade val="50000"/>
+            </a:schemeClr>
+          </a:lnRef>
+          <a:fillRef idx="1">
+            <a:schemeClr val="accent1"/>
+          </a:fillRef>
+          <a:effectRef idx="0">
+            <a:schemeClr val="accent1"/>
+          </a:effectRef>
+          <a:fontRef idx="minor">
+            <a:schemeClr val="lt1"/>
+          </a:fontRef>
+        </p:style>
+        <p:txBody>
+          <a:bodyPr rtlCol="0" anchor="ctr"/>
+          <a:lstStyle/>
+          <a:p>
+            <a:pPr algn="ctr"/>
+            <a:r>
+              <a:rPr kumimoji="1" lang="en-US" altLang="ko-KR" sz="1400" b="1" dirty="0">
+                <a:solidFill>
+                  <a:schemeClr val="tx1"/>
+                </a:solidFill>
+              </a:rPr>
+              <a:t>Android </a:t>
+            </a:r>
+            <a:r>
+              <a:rPr kumimoji="1" lang="ko-KR" altLang="en-US" sz="1400" b="1" dirty="0">
+                <a:solidFill>
+                  <a:schemeClr val="tx1"/>
+                </a:solidFill>
+              </a:rPr>
+              <a:t>요청 수신</a:t>
+            </a:r>
+            <a:endParaRPr kumimoji="1" lang="en-US" altLang="ko-KR" sz="1400" b="1" dirty="0">
+              <a:solidFill>
+                <a:schemeClr val="tx1"/>
+              </a:solidFill>
+            </a:endParaRPr>
+          </a:p>
+        </p:txBody>
+      </p:sp>
+      <p:sp>
+        <p:nvSpPr>
+          <p:cNvPr id="103" name="직사각형 102">
+            <a:extLst>
+              <a:ext uri="{FF2B5EF4-FFF2-40B4-BE49-F238E27FC236}">
+                <a16:creationId xmlns:a16="http://schemas.microsoft.com/office/drawing/2014/main" id="{11324B73-3A51-478B-82F0-5AF94DED0EFB}"/>
+              </a:ext>
+            </a:extLst>
+          </p:cNvPr>
+          <p:cNvSpPr/>
+          <p:nvPr/>
+        </p:nvSpPr>
+        <p:spPr>
+          <a:xfrm>
+            <a:off x="1743244" y="3568416"/>
+            <a:ext cx="1491714" cy="571774"/>
+          </a:xfrm>
+          <a:prstGeom prst="rect">
+            <a:avLst/>
+          </a:prstGeom>
+          <a:solidFill>
+            <a:schemeClr val="bg1"/>
+          </a:solidFill>
+          <a:ln w="38100">
+            <a:solidFill>
+              <a:srgbClr val="000000"/>
+            </a:solidFill>
+          </a:ln>
+        </p:spPr>
+        <p:style>
+          <a:lnRef idx="2">
+            <a:schemeClr val="accent1">
+              <a:shade val="50000"/>
+            </a:schemeClr>
+          </a:lnRef>
+          <a:fillRef idx="1">
+            <a:schemeClr val="accent1"/>
+          </a:fillRef>
+          <a:effectRef idx="0">
+            <a:schemeClr val="accent1"/>
+          </a:effectRef>
+          <a:fontRef idx="minor">
+            <a:schemeClr val="lt1"/>
+          </a:fontRef>
+        </p:style>
+        <p:txBody>
+          <a:bodyPr rtlCol="0" anchor="ctr"/>
+          <a:lstStyle/>
+          <a:p>
+            <a:pPr algn="ctr"/>
+            <a:r>
+              <a:rPr kumimoji="1" lang="en-US" altLang="ko-Kore-KR" sz="1400" b="1" dirty="0">
+                <a:solidFill>
+                  <a:schemeClr val="tx1"/>
+                </a:solidFill>
+              </a:rPr>
+              <a:t>Mongo DB </a:t>
+            </a:r>
+            <a:r>
+              <a:rPr kumimoji="1" lang="ko-KR" altLang="en-US" sz="1400" b="1" dirty="0">
+                <a:solidFill>
+                  <a:schemeClr val="tx1"/>
+                </a:solidFill>
+              </a:rPr>
+              <a:t>접근</a:t>
+            </a:r>
+            <a:endParaRPr kumimoji="1" lang="ko-Kore-KR" altLang="en-US" sz="1400" b="1" dirty="0">
+              <a:solidFill>
+                <a:schemeClr val="tx1"/>
+              </a:solidFill>
+            </a:endParaRPr>
+          </a:p>
+        </p:txBody>
+      </p:sp>
+      <p:cxnSp>
+        <p:nvCxnSpPr>
+          <p:cNvPr id="104" name="직선 화살표 연결선 103">
+            <a:extLst>
+              <a:ext uri="{FF2B5EF4-FFF2-40B4-BE49-F238E27FC236}">
+                <a16:creationId xmlns:a16="http://schemas.microsoft.com/office/drawing/2014/main" id="{47DAD68D-45C6-83B7-4A44-F3BA169ED800}"/>
+              </a:ext>
+            </a:extLst>
+          </p:cNvPr>
+          <p:cNvCxnSpPr>
+            <a:cxnSpLocks/>
+            <a:stCxn id="103" idx="0"/>
+            <a:endCxn id="102" idx="2"/>
+          </p:cNvCxnSpPr>
+          <p:nvPr/>
+        </p:nvCxnSpPr>
+        <p:spPr>
+          <a:xfrm flipV="1">
+            <a:off x="2489101" y="3354395"/>
+            <a:ext cx="0" cy="214021"/>
+          </a:xfrm>
+          <a:prstGeom prst="straightConnector1">
+            <a:avLst/>
+          </a:prstGeom>
+          <a:ln w="38100">
+            <a:headEnd type="triangle"/>
+            <a:tailEnd type="none"/>
+          </a:ln>
+        </p:spPr>
+        <p:style>
+          <a:lnRef idx="1">
+            <a:schemeClr val="dk1"/>
+          </a:lnRef>
+          <a:fillRef idx="0">
+            <a:schemeClr val="dk1"/>
+          </a:fillRef>
+          <a:effectRef idx="0">
+            <a:schemeClr val="dk1"/>
+          </a:effectRef>
+          <a:fontRef idx="minor">
+            <a:schemeClr val="tx1"/>
+          </a:fontRef>
+        </p:style>
+      </p:cxnSp>
+      <p:sp>
+        <p:nvSpPr>
+          <p:cNvPr id="105" name="직사각형 104">
+            <a:extLst>
+              <a:ext uri="{FF2B5EF4-FFF2-40B4-BE49-F238E27FC236}">
+                <a16:creationId xmlns:a16="http://schemas.microsoft.com/office/drawing/2014/main" id="{C076C33F-493C-D3E9-6623-C8A6CE953F70}"/>
+              </a:ext>
+            </a:extLst>
+          </p:cNvPr>
+          <p:cNvSpPr/>
+          <p:nvPr/>
+        </p:nvSpPr>
+        <p:spPr>
+          <a:xfrm>
+            <a:off x="1748411" y="4331730"/>
+            <a:ext cx="1491714" cy="571774"/>
+          </a:xfrm>
+          <a:prstGeom prst="rect">
+            <a:avLst/>
+          </a:prstGeom>
+          <a:solidFill>
+            <a:schemeClr val="bg1"/>
+          </a:solidFill>
+          <a:ln w="38100">
+            <a:solidFill>
+              <a:srgbClr val="000000"/>
+            </a:solidFill>
+          </a:ln>
+        </p:spPr>
+        <p:style>
+          <a:lnRef idx="2">
+            <a:schemeClr val="accent1">
+              <a:shade val="50000"/>
+            </a:schemeClr>
+          </a:lnRef>
+          <a:fillRef idx="1">
+            <a:schemeClr val="accent1"/>
+          </a:fillRef>
+          <a:effectRef idx="0">
+            <a:schemeClr val="accent1"/>
+          </a:effectRef>
+          <a:fontRef idx="minor">
+            <a:schemeClr val="lt1"/>
+          </a:fontRef>
+        </p:style>
+        <p:txBody>
+          <a:bodyPr rtlCol="0" anchor="ctr"/>
+          <a:lstStyle/>
+          <a:p>
+            <a:pPr algn="ctr"/>
+            <a:r>
+              <a:rPr kumimoji="1" lang="ko-KR" altLang="en-US" sz="1400" b="1" dirty="0">
+                <a:solidFill>
+                  <a:schemeClr val="tx1"/>
+                </a:solidFill>
+              </a:rPr>
+              <a:t>데이터 전달</a:t>
+            </a:r>
+            <a:endParaRPr kumimoji="1" lang="ko-Kore-KR" altLang="en-US" sz="1400" b="1" dirty="0">
+              <a:solidFill>
+                <a:schemeClr val="tx1"/>
+              </a:solidFill>
+            </a:endParaRPr>
+          </a:p>
+        </p:txBody>
+      </p:sp>
+      <p:cxnSp>
+        <p:nvCxnSpPr>
+          <p:cNvPr id="106" name="직선 화살표 연결선 105">
+            <a:extLst>
+              <a:ext uri="{FF2B5EF4-FFF2-40B4-BE49-F238E27FC236}">
+                <a16:creationId xmlns:a16="http://schemas.microsoft.com/office/drawing/2014/main" id="{D2D120A8-FF1B-8F49-C855-2400808127CA}"/>
+              </a:ext>
+            </a:extLst>
+          </p:cNvPr>
+          <p:cNvCxnSpPr>
+            <a:cxnSpLocks/>
+            <a:stCxn id="105" idx="0"/>
+          </p:cNvCxnSpPr>
+          <p:nvPr/>
+        </p:nvCxnSpPr>
+        <p:spPr>
+          <a:xfrm flipV="1">
+            <a:off x="2494268" y="4117709"/>
+            <a:ext cx="0" cy="214021"/>
+          </a:xfrm>
+          <a:prstGeom prst="straightConnector1">
+            <a:avLst/>
+          </a:prstGeom>
+          <a:ln w="38100">
+            <a:headEnd type="triangle"/>
+            <a:tailEnd type="none"/>
+          </a:ln>
+        </p:spPr>
+        <p:style>
+          <a:lnRef idx="1">
+            <a:schemeClr val="dk1"/>
+          </a:lnRef>
+          <a:fillRef idx="0">
+            <a:schemeClr val="dk1"/>
+          </a:fillRef>
+          <a:effectRef idx="0">
+            <a:schemeClr val="dk1"/>
+          </a:effectRef>
+          <a:fontRef idx="minor">
+            <a:schemeClr val="tx1"/>
+          </a:fontRef>
+        </p:style>
+      </p:cxnSp>
+    </p:spTree>
+    <p:extLst>
+      <p:ext uri="{BB962C8B-B14F-4D97-AF65-F5344CB8AC3E}">
+        <p14:creationId xmlns:p14="http://schemas.microsoft.com/office/powerpoint/2010/main" val="526133171"/>
+      </p:ext>
+    </p:extLst>
+  </p:cSld>
+  <p:clrMapOvr>
+    <a:masterClrMapping/>
+  </p:clrMapOvr>
+</p:sld>
+</file>
+
 <file path=ppt/slides/slide2.xml><?xml version="1.0" encoding="utf-8"?>
 <p:sld xmlns:a="http://schemas.openxmlformats.org/drawingml/2006/main" xmlns:r="http://schemas.openxmlformats.org/officeDocument/2006/relationships" xmlns:p="http://schemas.openxmlformats.org/presentationml/2006/main">
   <p:cSld>
@@ -9913,6 +12693,2470 @@
     <p:extLst>
       <p:ext uri="{BB962C8B-B14F-4D97-AF65-F5344CB8AC3E}">
         <p14:creationId xmlns:p14="http://schemas.microsoft.com/office/powerpoint/2010/main" val="2305595437"/>
+      </p:ext>
+    </p:extLst>
+  </p:cSld>
+  <p:clrMapOvr>
+    <a:masterClrMapping/>
+  </p:clrMapOvr>
+</p:sld>
+</file>
+
+<file path=ppt/slides/slide5.xml><?xml version="1.0" encoding="utf-8"?>
+<p:sld xmlns:a="http://schemas.openxmlformats.org/drawingml/2006/main" xmlns:r="http://schemas.openxmlformats.org/officeDocument/2006/relationships" xmlns:p="http://schemas.openxmlformats.org/presentationml/2006/main">
+  <p:cSld>
+    <p:spTree>
+      <p:nvGrpSpPr>
+        <p:cNvPr id="1" name=""/>
+        <p:cNvGrpSpPr/>
+        <p:nvPr/>
+      </p:nvGrpSpPr>
+      <p:grpSpPr>
+        <a:xfrm>
+          <a:off x="0" y="0"/>
+          <a:ext cx="0" cy="0"/>
+          <a:chOff x="0" y="0"/>
+          <a:chExt cx="0" cy="0"/>
+        </a:xfrm>
+      </p:grpSpPr>
+      <p:sp>
+        <p:nvSpPr>
+          <p:cNvPr id="2" name="직사각형 1">
+            <a:extLst>
+              <a:ext uri="{FF2B5EF4-FFF2-40B4-BE49-F238E27FC236}">
+                <a16:creationId xmlns:a16="http://schemas.microsoft.com/office/drawing/2014/main" id="{346FF461-6C92-DD19-3D16-5316C09F9B92}"/>
+              </a:ext>
+            </a:extLst>
+          </p:cNvPr>
+          <p:cNvSpPr/>
+          <p:nvPr/>
+        </p:nvSpPr>
+        <p:spPr>
+          <a:xfrm>
+            <a:off x="810467" y="104172"/>
+            <a:ext cx="10210366" cy="6597570"/>
+          </a:xfrm>
+          <a:prstGeom prst="rect">
+            <a:avLst/>
+          </a:prstGeom>
+          <a:solidFill>
+            <a:schemeClr val="accent6">
+              <a:lumMod val="20000"/>
+              <a:lumOff val="80000"/>
+              <a:alpha val="42047"/>
+            </a:schemeClr>
+          </a:solidFill>
+          <a:ln w="38100">
+            <a:solidFill>
+              <a:srgbClr val="000000"/>
+            </a:solidFill>
+          </a:ln>
+        </p:spPr>
+        <p:style>
+          <a:lnRef idx="2">
+            <a:schemeClr val="accent6"/>
+          </a:lnRef>
+          <a:fillRef idx="1">
+            <a:schemeClr val="lt1"/>
+          </a:fillRef>
+          <a:effectRef idx="0">
+            <a:schemeClr val="accent6"/>
+          </a:effectRef>
+          <a:fontRef idx="minor">
+            <a:schemeClr val="dk1"/>
+          </a:fontRef>
+        </p:style>
+        <p:txBody>
+          <a:bodyPr rtlCol="0" anchor="t"/>
+          <a:lstStyle/>
+          <a:p>
+            <a:pPr algn="ctr"/>
+            <a:endParaRPr kumimoji="1" lang="en-US" altLang="ko-KR" sz="3200" b="1" dirty="0">
+              <a:ln w="0"/>
+              <a:solidFill>
+                <a:schemeClr val="tx1"/>
+              </a:solidFill>
+              <a:effectLst>
+                <a:outerShdw blurRad="38100" dist="19050" dir="2700000" algn="tl" rotWithShape="0">
+                  <a:schemeClr val="dk1">
+                    <a:alpha val="40000"/>
+                  </a:schemeClr>
+                </a:outerShdw>
+              </a:effectLst>
+            </a:endParaRPr>
+          </a:p>
+        </p:txBody>
+      </p:sp>
+      <p:sp>
+        <p:nvSpPr>
+          <p:cNvPr id="3" name="직사각형 2">
+            <a:extLst>
+              <a:ext uri="{FF2B5EF4-FFF2-40B4-BE49-F238E27FC236}">
+                <a16:creationId xmlns:a16="http://schemas.microsoft.com/office/drawing/2014/main" id="{51AE12AA-2362-C104-3A60-630890114CCA}"/>
+              </a:ext>
+            </a:extLst>
+          </p:cNvPr>
+          <p:cNvSpPr/>
+          <p:nvPr/>
+        </p:nvSpPr>
+        <p:spPr>
+          <a:xfrm>
+            <a:off x="810467" y="104173"/>
+            <a:ext cx="10210366" cy="457688"/>
+          </a:xfrm>
+          <a:prstGeom prst="rect">
+            <a:avLst/>
+          </a:prstGeom>
+          <a:solidFill>
+            <a:schemeClr val="accent6">
+              <a:lumMod val="60000"/>
+              <a:lumOff val="40000"/>
+            </a:schemeClr>
+          </a:solidFill>
+          <a:ln w="38100">
+            <a:solidFill>
+              <a:schemeClr val="tx1"/>
+            </a:solidFill>
+          </a:ln>
+        </p:spPr>
+        <p:style>
+          <a:lnRef idx="2">
+            <a:schemeClr val="accent1">
+              <a:shade val="50000"/>
+            </a:schemeClr>
+          </a:lnRef>
+          <a:fillRef idx="1">
+            <a:schemeClr val="accent1"/>
+          </a:fillRef>
+          <a:effectRef idx="0">
+            <a:schemeClr val="accent1"/>
+          </a:effectRef>
+          <a:fontRef idx="minor">
+            <a:schemeClr val="lt1"/>
+          </a:fontRef>
+        </p:style>
+        <p:txBody>
+          <a:bodyPr rtlCol="0" anchor="ctr"/>
+          <a:lstStyle/>
+          <a:p>
+            <a:pPr algn="ctr"/>
+            <a:r>
+              <a:rPr kumimoji="1" lang="ko-Kore-KR" altLang="en-US" b="1" dirty="0">
+                <a:solidFill>
+                  <a:schemeClr val="tx1"/>
+                </a:solidFill>
+              </a:rPr>
+              <a:t>시스템</a:t>
+            </a:r>
+            <a:r>
+              <a:rPr kumimoji="1" lang="ko-KR" altLang="en-US" b="1" dirty="0">
+                <a:solidFill>
+                  <a:schemeClr val="tx1"/>
+                </a:solidFill>
+              </a:rPr>
+              <a:t> 전체 흐름도</a:t>
+            </a:r>
+            <a:endParaRPr kumimoji="1" lang="ko-Kore-KR" altLang="en-US" b="1" dirty="0">
+              <a:solidFill>
+                <a:schemeClr val="tx1"/>
+              </a:solidFill>
+            </a:endParaRPr>
+          </a:p>
+        </p:txBody>
+      </p:sp>
+      <p:sp>
+        <p:nvSpPr>
+          <p:cNvPr id="4" name="직사각형 3">
+            <a:extLst>
+              <a:ext uri="{FF2B5EF4-FFF2-40B4-BE49-F238E27FC236}">
+                <a16:creationId xmlns:a16="http://schemas.microsoft.com/office/drawing/2014/main" id="{1AA14563-54FA-2670-57E4-EEB5237052C7}"/>
+              </a:ext>
+            </a:extLst>
+          </p:cNvPr>
+          <p:cNvSpPr/>
+          <p:nvPr/>
+        </p:nvSpPr>
+        <p:spPr>
+          <a:xfrm>
+            <a:off x="5350143" y="1323388"/>
+            <a:ext cx="1491714" cy="571774"/>
+          </a:xfrm>
+          <a:prstGeom prst="rect">
+            <a:avLst/>
+          </a:prstGeom>
+          <a:solidFill>
+            <a:schemeClr val="bg1"/>
+          </a:solidFill>
+          <a:ln w="38100">
+            <a:solidFill>
+              <a:srgbClr val="000000"/>
+            </a:solidFill>
+          </a:ln>
+        </p:spPr>
+        <p:style>
+          <a:lnRef idx="2">
+            <a:schemeClr val="accent1">
+              <a:shade val="50000"/>
+            </a:schemeClr>
+          </a:lnRef>
+          <a:fillRef idx="1">
+            <a:schemeClr val="accent1"/>
+          </a:fillRef>
+          <a:effectRef idx="0">
+            <a:schemeClr val="accent1"/>
+          </a:effectRef>
+          <a:fontRef idx="minor">
+            <a:schemeClr val="lt1"/>
+          </a:fontRef>
+        </p:style>
+        <p:txBody>
+          <a:bodyPr rtlCol="0" anchor="ctr"/>
+          <a:lstStyle/>
+          <a:p>
+            <a:pPr algn="ctr"/>
+            <a:r>
+              <a:rPr kumimoji="1" lang="ko-Kore-KR" altLang="en-US" sz="1400" b="1" dirty="0">
+                <a:solidFill>
+                  <a:schemeClr val="tx1"/>
+                </a:solidFill>
+              </a:rPr>
+              <a:t>물</a:t>
+            </a:r>
+            <a:r>
+              <a:rPr kumimoji="1" lang="ko-KR" altLang="en-US" sz="1400" b="1" dirty="0">
+                <a:solidFill>
+                  <a:schemeClr val="tx1"/>
+                </a:solidFill>
+              </a:rPr>
+              <a:t> 감지</a:t>
+            </a:r>
+            <a:endParaRPr kumimoji="1" lang="ko-Kore-KR" altLang="en-US" sz="1400" b="1" dirty="0">
+              <a:solidFill>
+                <a:schemeClr val="tx1"/>
+              </a:solidFill>
+            </a:endParaRPr>
+          </a:p>
+        </p:txBody>
+      </p:sp>
+    </p:spTree>
+    <p:extLst>
+      <p:ext uri="{BB962C8B-B14F-4D97-AF65-F5344CB8AC3E}">
+        <p14:creationId xmlns:p14="http://schemas.microsoft.com/office/powerpoint/2010/main" val="3810011188"/>
+      </p:ext>
+    </p:extLst>
+  </p:cSld>
+  <p:clrMapOvr>
+    <a:masterClrMapping/>
+  </p:clrMapOvr>
+</p:sld>
+</file>
+
+<file path=ppt/slides/slide6.xml><?xml version="1.0" encoding="utf-8"?>
+<p:sld xmlns:a="http://schemas.openxmlformats.org/drawingml/2006/main" xmlns:r="http://schemas.openxmlformats.org/officeDocument/2006/relationships" xmlns:p="http://schemas.openxmlformats.org/presentationml/2006/main">
+  <p:cSld>
+    <p:spTree>
+      <p:nvGrpSpPr>
+        <p:cNvPr id="1" name=""/>
+        <p:cNvGrpSpPr/>
+        <p:nvPr/>
+      </p:nvGrpSpPr>
+      <p:grpSpPr>
+        <a:xfrm>
+          <a:off x="0" y="0"/>
+          <a:ext cx="0" cy="0"/>
+          <a:chOff x="0" y="0"/>
+          <a:chExt cx="0" cy="0"/>
+        </a:xfrm>
+      </p:grpSpPr>
+      <p:sp>
+        <p:nvSpPr>
+          <p:cNvPr id="2" name="직사각형 1">
+            <a:extLst>
+              <a:ext uri="{FF2B5EF4-FFF2-40B4-BE49-F238E27FC236}">
+                <a16:creationId xmlns:a16="http://schemas.microsoft.com/office/drawing/2014/main" id="{346FF461-6C92-DD19-3D16-5316C09F9B92}"/>
+              </a:ext>
+            </a:extLst>
+          </p:cNvPr>
+          <p:cNvSpPr/>
+          <p:nvPr/>
+        </p:nvSpPr>
+        <p:spPr>
+          <a:xfrm>
+            <a:off x="810467" y="104172"/>
+            <a:ext cx="10210366" cy="6597570"/>
+          </a:xfrm>
+          <a:prstGeom prst="rect">
+            <a:avLst/>
+          </a:prstGeom>
+          <a:solidFill>
+            <a:schemeClr val="accent6">
+              <a:lumMod val="20000"/>
+              <a:lumOff val="80000"/>
+              <a:alpha val="42047"/>
+            </a:schemeClr>
+          </a:solidFill>
+          <a:ln w="38100">
+            <a:solidFill>
+              <a:srgbClr val="000000"/>
+            </a:solidFill>
+          </a:ln>
+        </p:spPr>
+        <p:style>
+          <a:lnRef idx="2">
+            <a:schemeClr val="accent6"/>
+          </a:lnRef>
+          <a:fillRef idx="1">
+            <a:schemeClr val="lt1"/>
+          </a:fillRef>
+          <a:effectRef idx="0">
+            <a:schemeClr val="accent6"/>
+          </a:effectRef>
+          <a:fontRef idx="minor">
+            <a:schemeClr val="dk1"/>
+          </a:fontRef>
+        </p:style>
+        <p:txBody>
+          <a:bodyPr rtlCol="0" anchor="t"/>
+          <a:lstStyle/>
+          <a:p>
+            <a:pPr algn="ctr"/>
+            <a:endParaRPr kumimoji="1" lang="en-US" altLang="ko-KR" sz="3200" b="1" dirty="0">
+              <a:ln w="0"/>
+              <a:solidFill>
+                <a:schemeClr val="tx1"/>
+              </a:solidFill>
+              <a:effectLst>
+                <a:outerShdw blurRad="38100" dist="19050" dir="2700000" algn="tl" rotWithShape="0">
+                  <a:schemeClr val="dk1">
+                    <a:alpha val="40000"/>
+                  </a:schemeClr>
+                </a:outerShdw>
+              </a:effectLst>
+            </a:endParaRPr>
+          </a:p>
+        </p:txBody>
+      </p:sp>
+      <p:sp>
+        <p:nvSpPr>
+          <p:cNvPr id="3" name="직사각형 2">
+            <a:extLst>
+              <a:ext uri="{FF2B5EF4-FFF2-40B4-BE49-F238E27FC236}">
+                <a16:creationId xmlns:a16="http://schemas.microsoft.com/office/drawing/2014/main" id="{51AE12AA-2362-C104-3A60-630890114CCA}"/>
+              </a:ext>
+            </a:extLst>
+          </p:cNvPr>
+          <p:cNvSpPr/>
+          <p:nvPr/>
+        </p:nvSpPr>
+        <p:spPr>
+          <a:xfrm>
+            <a:off x="810467" y="104173"/>
+            <a:ext cx="10210366" cy="457688"/>
+          </a:xfrm>
+          <a:prstGeom prst="rect">
+            <a:avLst/>
+          </a:prstGeom>
+          <a:solidFill>
+            <a:schemeClr val="accent6">
+              <a:lumMod val="60000"/>
+              <a:lumOff val="40000"/>
+            </a:schemeClr>
+          </a:solidFill>
+          <a:ln w="38100">
+            <a:solidFill>
+              <a:schemeClr val="tx1"/>
+            </a:solidFill>
+          </a:ln>
+        </p:spPr>
+        <p:style>
+          <a:lnRef idx="2">
+            <a:schemeClr val="accent1">
+              <a:shade val="50000"/>
+            </a:schemeClr>
+          </a:lnRef>
+          <a:fillRef idx="1">
+            <a:schemeClr val="accent1"/>
+          </a:fillRef>
+          <a:effectRef idx="0">
+            <a:schemeClr val="accent1"/>
+          </a:effectRef>
+          <a:fontRef idx="minor">
+            <a:schemeClr val="lt1"/>
+          </a:fontRef>
+        </p:style>
+        <p:txBody>
+          <a:bodyPr rtlCol="0" anchor="ctr"/>
+          <a:lstStyle/>
+          <a:p>
+            <a:pPr algn="ctr"/>
+            <a:r>
+              <a:rPr kumimoji="1" lang="en-US" altLang="ko-Kore-KR" b="1" dirty="0">
+                <a:solidFill>
+                  <a:schemeClr val="tx1"/>
+                </a:solidFill>
+              </a:rPr>
+              <a:t>Raspberry pi 4(</a:t>
+            </a:r>
+            <a:r>
+              <a:rPr kumimoji="1" lang="ko-KR" altLang="en-US" b="1" dirty="0">
+                <a:solidFill>
+                  <a:schemeClr val="tx1"/>
+                </a:solidFill>
+              </a:rPr>
+              <a:t>제어</a:t>
+            </a:r>
+            <a:r>
+              <a:rPr kumimoji="1" lang="en-US" altLang="ko-KR" b="1" dirty="0">
+                <a:solidFill>
+                  <a:schemeClr val="tx1"/>
+                </a:solidFill>
+              </a:rPr>
+              <a:t>)</a:t>
+            </a:r>
+            <a:endParaRPr kumimoji="1" lang="ko-Kore-KR" altLang="en-US" b="1" dirty="0">
+              <a:solidFill>
+                <a:schemeClr val="tx1"/>
+              </a:solidFill>
+            </a:endParaRPr>
+          </a:p>
+        </p:txBody>
+      </p:sp>
+    </p:spTree>
+    <p:extLst>
+      <p:ext uri="{BB962C8B-B14F-4D97-AF65-F5344CB8AC3E}">
+        <p14:creationId xmlns:p14="http://schemas.microsoft.com/office/powerpoint/2010/main" val="3096177617"/>
+      </p:ext>
+    </p:extLst>
+  </p:cSld>
+  <p:clrMapOvr>
+    <a:masterClrMapping/>
+  </p:clrMapOvr>
+</p:sld>
+</file>
+
+<file path=ppt/slides/slide7.xml><?xml version="1.0" encoding="utf-8"?>
+<p:sld xmlns:a="http://schemas.openxmlformats.org/drawingml/2006/main" xmlns:r="http://schemas.openxmlformats.org/officeDocument/2006/relationships" xmlns:p="http://schemas.openxmlformats.org/presentationml/2006/main">
+  <p:cSld>
+    <p:spTree>
+      <p:nvGrpSpPr>
+        <p:cNvPr id="1" name=""/>
+        <p:cNvGrpSpPr/>
+        <p:nvPr/>
+      </p:nvGrpSpPr>
+      <p:grpSpPr>
+        <a:xfrm>
+          <a:off x="0" y="0"/>
+          <a:ext cx="0" cy="0"/>
+          <a:chOff x="0" y="0"/>
+          <a:chExt cx="0" cy="0"/>
+        </a:xfrm>
+      </p:grpSpPr>
+      <p:sp>
+        <p:nvSpPr>
+          <p:cNvPr id="2" name="직사각형 1">
+            <a:extLst>
+              <a:ext uri="{FF2B5EF4-FFF2-40B4-BE49-F238E27FC236}">
+                <a16:creationId xmlns:a16="http://schemas.microsoft.com/office/drawing/2014/main" id="{346FF461-6C92-DD19-3D16-5316C09F9B92}"/>
+              </a:ext>
+            </a:extLst>
+          </p:cNvPr>
+          <p:cNvSpPr/>
+          <p:nvPr/>
+        </p:nvSpPr>
+        <p:spPr>
+          <a:xfrm>
+            <a:off x="805300" y="130215"/>
+            <a:ext cx="10210366" cy="6597570"/>
+          </a:xfrm>
+          <a:prstGeom prst="rect">
+            <a:avLst/>
+          </a:prstGeom>
+          <a:solidFill>
+            <a:schemeClr val="accent6">
+              <a:lumMod val="20000"/>
+              <a:lumOff val="80000"/>
+              <a:alpha val="42047"/>
+            </a:schemeClr>
+          </a:solidFill>
+          <a:ln w="38100">
+            <a:solidFill>
+              <a:srgbClr val="000000"/>
+            </a:solidFill>
+          </a:ln>
+        </p:spPr>
+        <p:style>
+          <a:lnRef idx="2">
+            <a:schemeClr val="accent6"/>
+          </a:lnRef>
+          <a:fillRef idx="1">
+            <a:schemeClr val="lt1"/>
+          </a:fillRef>
+          <a:effectRef idx="0">
+            <a:schemeClr val="accent6"/>
+          </a:effectRef>
+          <a:fontRef idx="minor">
+            <a:schemeClr val="dk1"/>
+          </a:fontRef>
+        </p:style>
+        <p:txBody>
+          <a:bodyPr rtlCol="0" anchor="t"/>
+          <a:lstStyle/>
+          <a:p>
+            <a:pPr algn="ctr"/>
+            <a:endParaRPr kumimoji="1" lang="en-US" altLang="ko-KR" sz="3200" b="1" dirty="0">
+              <a:ln w="0"/>
+              <a:solidFill>
+                <a:schemeClr val="tx1"/>
+              </a:solidFill>
+              <a:effectLst>
+                <a:outerShdw blurRad="38100" dist="19050" dir="2700000" algn="tl" rotWithShape="0">
+                  <a:schemeClr val="dk1">
+                    <a:alpha val="40000"/>
+                  </a:schemeClr>
+                </a:outerShdw>
+              </a:effectLst>
+            </a:endParaRPr>
+          </a:p>
+        </p:txBody>
+      </p:sp>
+      <p:sp>
+        <p:nvSpPr>
+          <p:cNvPr id="3" name="직사각형 2">
+            <a:extLst>
+              <a:ext uri="{FF2B5EF4-FFF2-40B4-BE49-F238E27FC236}">
+                <a16:creationId xmlns:a16="http://schemas.microsoft.com/office/drawing/2014/main" id="{51AE12AA-2362-C104-3A60-630890114CCA}"/>
+              </a:ext>
+            </a:extLst>
+          </p:cNvPr>
+          <p:cNvSpPr/>
+          <p:nvPr/>
+        </p:nvSpPr>
+        <p:spPr>
+          <a:xfrm>
+            <a:off x="810467" y="104173"/>
+            <a:ext cx="10210366" cy="457688"/>
+          </a:xfrm>
+          <a:prstGeom prst="rect">
+            <a:avLst/>
+          </a:prstGeom>
+          <a:solidFill>
+            <a:schemeClr val="accent6">
+              <a:lumMod val="60000"/>
+              <a:lumOff val="40000"/>
+            </a:schemeClr>
+          </a:solidFill>
+          <a:ln w="38100">
+            <a:solidFill>
+              <a:schemeClr val="tx1"/>
+            </a:solidFill>
+          </a:ln>
+        </p:spPr>
+        <p:style>
+          <a:lnRef idx="2">
+            <a:schemeClr val="accent1">
+              <a:shade val="50000"/>
+            </a:schemeClr>
+          </a:lnRef>
+          <a:fillRef idx="1">
+            <a:schemeClr val="accent1"/>
+          </a:fillRef>
+          <a:effectRef idx="0">
+            <a:schemeClr val="accent1"/>
+          </a:effectRef>
+          <a:fontRef idx="minor">
+            <a:schemeClr val="lt1"/>
+          </a:fontRef>
+        </p:style>
+        <p:txBody>
+          <a:bodyPr rtlCol="0" anchor="ctr"/>
+          <a:lstStyle/>
+          <a:p>
+            <a:pPr algn="ctr"/>
+            <a:r>
+              <a:rPr kumimoji="1" lang="en-US" altLang="ko-Kore-KR" b="1" dirty="0">
+                <a:solidFill>
+                  <a:schemeClr val="tx1"/>
+                </a:solidFill>
+              </a:rPr>
+              <a:t>Raspberry pi 4(</a:t>
+            </a:r>
+            <a:r>
+              <a:rPr kumimoji="1" lang="ko-KR" altLang="en-US" b="1" dirty="0">
+                <a:solidFill>
+                  <a:schemeClr val="tx1"/>
+                </a:solidFill>
+              </a:rPr>
+              <a:t>서버</a:t>
+            </a:r>
+            <a:r>
+              <a:rPr kumimoji="1" lang="en-US" altLang="ko-KR" b="1" dirty="0">
+                <a:solidFill>
+                  <a:schemeClr val="tx1"/>
+                </a:solidFill>
+              </a:rPr>
+              <a:t>)</a:t>
+            </a:r>
+            <a:endParaRPr kumimoji="1" lang="ko-Kore-KR" altLang="en-US" b="1" dirty="0">
+              <a:solidFill>
+                <a:schemeClr val="tx1"/>
+              </a:solidFill>
+            </a:endParaRPr>
+          </a:p>
+        </p:txBody>
+      </p:sp>
+      <p:sp>
+        <p:nvSpPr>
+          <p:cNvPr id="4" name="직사각형 3">
+            <a:extLst>
+              <a:ext uri="{FF2B5EF4-FFF2-40B4-BE49-F238E27FC236}">
+                <a16:creationId xmlns:a16="http://schemas.microsoft.com/office/drawing/2014/main" id="{F6478F72-E576-5ACB-24A3-122F03491BD2}"/>
+              </a:ext>
+            </a:extLst>
+          </p:cNvPr>
+          <p:cNvSpPr/>
+          <p:nvPr/>
+        </p:nvSpPr>
+        <p:spPr>
+          <a:xfrm>
+            <a:off x="5169793" y="1034163"/>
+            <a:ext cx="1491714" cy="571774"/>
+          </a:xfrm>
+          <a:prstGeom prst="rect">
+            <a:avLst/>
+          </a:prstGeom>
+          <a:solidFill>
+            <a:schemeClr val="bg1"/>
+          </a:solidFill>
+          <a:ln w="38100">
+            <a:solidFill>
+              <a:srgbClr val="000000"/>
+            </a:solidFill>
+          </a:ln>
+        </p:spPr>
+        <p:style>
+          <a:lnRef idx="2">
+            <a:schemeClr val="accent1">
+              <a:shade val="50000"/>
+            </a:schemeClr>
+          </a:lnRef>
+          <a:fillRef idx="1">
+            <a:schemeClr val="accent1"/>
+          </a:fillRef>
+          <a:effectRef idx="0">
+            <a:schemeClr val="accent1"/>
+          </a:effectRef>
+          <a:fontRef idx="minor">
+            <a:schemeClr val="lt1"/>
+          </a:fontRef>
+        </p:style>
+        <p:txBody>
+          <a:bodyPr rtlCol="0" anchor="ctr"/>
+          <a:lstStyle/>
+          <a:p>
+            <a:pPr algn="ctr"/>
+            <a:r>
+              <a:rPr kumimoji="1" lang="ko-KR" altLang="en-US" sz="1400" b="1" dirty="0">
+                <a:solidFill>
+                  <a:schemeClr val="tx1"/>
+                </a:solidFill>
+              </a:rPr>
+              <a:t>프로그램 시작</a:t>
+            </a:r>
+            <a:endParaRPr kumimoji="1" lang="ko-Kore-KR" altLang="en-US" sz="1400" b="1" dirty="0">
+              <a:solidFill>
+                <a:schemeClr val="tx1"/>
+              </a:solidFill>
+            </a:endParaRPr>
+          </a:p>
+        </p:txBody>
+      </p:sp>
+      <p:sp>
+        <p:nvSpPr>
+          <p:cNvPr id="5" name="직사각형 4">
+            <a:extLst>
+              <a:ext uri="{FF2B5EF4-FFF2-40B4-BE49-F238E27FC236}">
+                <a16:creationId xmlns:a16="http://schemas.microsoft.com/office/drawing/2014/main" id="{0D793563-8A03-0278-64FA-099E70FEB13A}"/>
+              </a:ext>
+            </a:extLst>
+          </p:cNvPr>
+          <p:cNvSpPr/>
+          <p:nvPr/>
+        </p:nvSpPr>
+        <p:spPr>
+          <a:xfrm>
+            <a:off x="5169793" y="1821169"/>
+            <a:ext cx="1491714" cy="571774"/>
+          </a:xfrm>
+          <a:prstGeom prst="rect">
+            <a:avLst/>
+          </a:prstGeom>
+          <a:solidFill>
+            <a:schemeClr val="bg1"/>
+          </a:solidFill>
+          <a:ln w="38100">
+            <a:solidFill>
+              <a:srgbClr val="000000"/>
+            </a:solidFill>
+          </a:ln>
+        </p:spPr>
+        <p:style>
+          <a:lnRef idx="2">
+            <a:schemeClr val="accent1">
+              <a:shade val="50000"/>
+            </a:schemeClr>
+          </a:lnRef>
+          <a:fillRef idx="1">
+            <a:schemeClr val="accent1"/>
+          </a:fillRef>
+          <a:effectRef idx="0">
+            <a:schemeClr val="accent1"/>
+          </a:effectRef>
+          <a:fontRef idx="minor">
+            <a:schemeClr val="lt1"/>
+          </a:fontRef>
+        </p:style>
+        <p:txBody>
+          <a:bodyPr rtlCol="0" anchor="ctr"/>
+          <a:lstStyle/>
+          <a:p>
+            <a:pPr algn="ctr"/>
+            <a:r>
+              <a:rPr kumimoji="1" lang="ko-KR" altLang="en-US" sz="1400" b="1" dirty="0">
+                <a:solidFill>
+                  <a:schemeClr val="tx1"/>
+                </a:solidFill>
+              </a:rPr>
+              <a:t>요청 대기</a:t>
+            </a:r>
+            <a:endParaRPr kumimoji="1" lang="ko-Kore-KR" altLang="en-US" sz="1400" b="1" dirty="0">
+              <a:solidFill>
+                <a:schemeClr val="tx1"/>
+              </a:solidFill>
+            </a:endParaRPr>
+          </a:p>
+        </p:txBody>
+      </p:sp>
+      <p:cxnSp>
+        <p:nvCxnSpPr>
+          <p:cNvPr id="10" name="직선 화살표 연결선 9">
+            <a:extLst>
+              <a:ext uri="{FF2B5EF4-FFF2-40B4-BE49-F238E27FC236}">
+                <a16:creationId xmlns:a16="http://schemas.microsoft.com/office/drawing/2014/main" id="{926DA171-3197-C2CA-F26D-D2632977DD98}"/>
+              </a:ext>
+            </a:extLst>
+          </p:cNvPr>
+          <p:cNvCxnSpPr>
+            <a:cxnSpLocks/>
+            <a:endCxn id="5" idx="3"/>
+          </p:cNvCxnSpPr>
+          <p:nvPr/>
+        </p:nvCxnSpPr>
+        <p:spPr>
+          <a:xfrm flipH="1">
+            <a:off x="6661507" y="2107056"/>
+            <a:ext cx="1213561" cy="0"/>
+          </a:xfrm>
+          <a:prstGeom prst="straightConnector1">
+            <a:avLst/>
+          </a:prstGeom>
+          <a:ln w="38100">
+            <a:tailEnd type="triangle"/>
+          </a:ln>
+        </p:spPr>
+        <p:style>
+          <a:lnRef idx="1">
+            <a:schemeClr val="dk1"/>
+          </a:lnRef>
+          <a:fillRef idx="0">
+            <a:schemeClr val="dk1"/>
+          </a:fillRef>
+          <a:effectRef idx="0">
+            <a:schemeClr val="dk1"/>
+          </a:effectRef>
+          <a:fontRef idx="minor">
+            <a:schemeClr val="tx1"/>
+          </a:fontRef>
+        </p:style>
+      </p:cxnSp>
+      <p:cxnSp>
+        <p:nvCxnSpPr>
+          <p:cNvPr id="12" name="직선 화살표 연결선 11">
+            <a:extLst>
+              <a:ext uri="{FF2B5EF4-FFF2-40B4-BE49-F238E27FC236}">
+                <a16:creationId xmlns:a16="http://schemas.microsoft.com/office/drawing/2014/main" id="{C22E9E66-E506-7723-82BA-98B0604E54A0}"/>
+              </a:ext>
+            </a:extLst>
+          </p:cNvPr>
+          <p:cNvCxnSpPr>
+            <a:cxnSpLocks/>
+            <a:stCxn id="100" idx="3"/>
+          </p:cNvCxnSpPr>
+          <p:nvPr/>
+        </p:nvCxnSpPr>
+        <p:spPr>
+          <a:xfrm>
+            <a:off x="6665266" y="3675772"/>
+            <a:ext cx="1208394" cy="0"/>
+          </a:xfrm>
+          <a:prstGeom prst="straightConnector1">
+            <a:avLst/>
+          </a:prstGeom>
+          <a:ln w="38100">
+            <a:tailEnd type="none"/>
+          </a:ln>
+        </p:spPr>
+        <p:style>
+          <a:lnRef idx="1">
+            <a:schemeClr val="dk1"/>
+          </a:lnRef>
+          <a:fillRef idx="0">
+            <a:schemeClr val="dk1"/>
+          </a:fillRef>
+          <a:effectRef idx="0">
+            <a:schemeClr val="dk1"/>
+          </a:effectRef>
+          <a:fontRef idx="minor">
+            <a:schemeClr val="tx1"/>
+          </a:fontRef>
+        </p:style>
+      </p:cxnSp>
+      <p:cxnSp>
+        <p:nvCxnSpPr>
+          <p:cNvPr id="13" name="직선 화살표 연결선 12">
+            <a:extLst>
+              <a:ext uri="{FF2B5EF4-FFF2-40B4-BE49-F238E27FC236}">
+                <a16:creationId xmlns:a16="http://schemas.microsoft.com/office/drawing/2014/main" id="{BD070A08-1EE2-57D6-5327-17E88004F459}"/>
+              </a:ext>
+            </a:extLst>
+          </p:cNvPr>
+          <p:cNvCxnSpPr>
+            <a:cxnSpLocks/>
+          </p:cNvCxnSpPr>
+          <p:nvPr/>
+        </p:nvCxnSpPr>
+        <p:spPr>
+          <a:xfrm flipV="1">
+            <a:off x="7873660" y="2107056"/>
+            <a:ext cx="1408" cy="1568716"/>
+          </a:xfrm>
+          <a:prstGeom prst="straightConnector1">
+            <a:avLst/>
+          </a:prstGeom>
+          <a:ln w="38100">
+            <a:tailEnd type="none"/>
+          </a:ln>
+        </p:spPr>
+        <p:style>
+          <a:lnRef idx="1">
+            <a:schemeClr val="dk1"/>
+          </a:lnRef>
+          <a:fillRef idx="0">
+            <a:schemeClr val="dk1"/>
+          </a:fillRef>
+          <a:effectRef idx="0">
+            <a:schemeClr val="dk1"/>
+          </a:effectRef>
+          <a:fontRef idx="minor">
+            <a:schemeClr val="tx1"/>
+          </a:fontRef>
+        </p:style>
+      </p:cxnSp>
+      <p:cxnSp>
+        <p:nvCxnSpPr>
+          <p:cNvPr id="75" name="직선 화살표 연결선 74">
+            <a:extLst>
+              <a:ext uri="{FF2B5EF4-FFF2-40B4-BE49-F238E27FC236}">
+                <a16:creationId xmlns:a16="http://schemas.microsoft.com/office/drawing/2014/main" id="{6B3174B9-0059-42E0-DB11-871A880F83E5}"/>
+              </a:ext>
+            </a:extLst>
+          </p:cNvPr>
+          <p:cNvCxnSpPr>
+            <a:cxnSpLocks/>
+            <a:stCxn id="4" idx="2"/>
+            <a:endCxn id="5" idx="0"/>
+          </p:cNvCxnSpPr>
+          <p:nvPr/>
+        </p:nvCxnSpPr>
+        <p:spPr>
+          <a:xfrm>
+            <a:off x="5915650" y="1605937"/>
+            <a:ext cx="0" cy="215232"/>
+          </a:xfrm>
+          <a:prstGeom prst="straightConnector1">
+            <a:avLst/>
+          </a:prstGeom>
+          <a:ln w="38100">
+            <a:tailEnd type="triangle"/>
+          </a:ln>
+        </p:spPr>
+        <p:style>
+          <a:lnRef idx="1">
+            <a:schemeClr val="dk1"/>
+          </a:lnRef>
+          <a:fillRef idx="0">
+            <a:schemeClr val="dk1"/>
+          </a:fillRef>
+          <a:effectRef idx="0">
+            <a:schemeClr val="dk1"/>
+          </a:effectRef>
+          <a:fontRef idx="minor">
+            <a:schemeClr val="tx1"/>
+          </a:fontRef>
+        </p:style>
+      </p:cxnSp>
+      <p:cxnSp>
+        <p:nvCxnSpPr>
+          <p:cNvPr id="78" name="직선 화살표 연결선 77">
+            <a:extLst>
+              <a:ext uri="{FF2B5EF4-FFF2-40B4-BE49-F238E27FC236}">
+                <a16:creationId xmlns:a16="http://schemas.microsoft.com/office/drawing/2014/main" id="{C79A09EE-4BB7-8CC2-991E-341306ECFCCC}"/>
+              </a:ext>
+            </a:extLst>
+          </p:cNvPr>
+          <p:cNvCxnSpPr>
+            <a:cxnSpLocks/>
+            <a:stCxn id="5" idx="2"/>
+          </p:cNvCxnSpPr>
+          <p:nvPr/>
+        </p:nvCxnSpPr>
+        <p:spPr>
+          <a:xfrm>
+            <a:off x="5915650" y="2392943"/>
+            <a:ext cx="0" cy="215232"/>
+          </a:xfrm>
+          <a:prstGeom prst="straightConnector1">
+            <a:avLst/>
+          </a:prstGeom>
+          <a:ln w="38100">
+            <a:tailEnd type="triangle"/>
+          </a:ln>
+        </p:spPr>
+        <p:style>
+          <a:lnRef idx="1">
+            <a:schemeClr val="dk1"/>
+          </a:lnRef>
+          <a:fillRef idx="0">
+            <a:schemeClr val="dk1"/>
+          </a:fillRef>
+          <a:effectRef idx="0">
+            <a:schemeClr val="dk1"/>
+          </a:effectRef>
+          <a:fontRef idx="minor">
+            <a:schemeClr val="tx1"/>
+          </a:fontRef>
+        </p:style>
+      </p:cxnSp>
+      <p:sp>
+        <p:nvSpPr>
+          <p:cNvPr id="99" name="직사각형 98">
+            <a:extLst>
+              <a:ext uri="{FF2B5EF4-FFF2-40B4-BE49-F238E27FC236}">
+                <a16:creationId xmlns:a16="http://schemas.microsoft.com/office/drawing/2014/main" id="{2141978C-099A-1E00-8FC5-41871EC119BC}"/>
+              </a:ext>
+            </a:extLst>
+          </p:cNvPr>
+          <p:cNvSpPr/>
+          <p:nvPr/>
+        </p:nvSpPr>
+        <p:spPr>
+          <a:xfrm>
+            <a:off x="5173552" y="2604090"/>
+            <a:ext cx="1491714" cy="571774"/>
+          </a:xfrm>
+          <a:prstGeom prst="rect">
+            <a:avLst/>
+          </a:prstGeom>
+          <a:solidFill>
+            <a:schemeClr val="bg1"/>
+          </a:solidFill>
+          <a:ln w="38100">
+            <a:solidFill>
+              <a:srgbClr val="000000"/>
+            </a:solidFill>
+          </a:ln>
+        </p:spPr>
+        <p:style>
+          <a:lnRef idx="2">
+            <a:schemeClr val="accent1">
+              <a:shade val="50000"/>
+            </a:schemeClr>
+          </a:lnRef>
+          <a:fillRef idx="1">
+            <a:schemeClr val="accent1"/>
+          </a:fillRef>
+          <a:effectRef idx="0">
+            <a:schemeClr val="accent1"/>
+          </a:effectRef>
+          <a:fontRef idx="minor">
+            <a:schemeClr val="lt1"/>
+          </a:fontRef>
+        </p:style>
+        <p:txBody>
+          <a:bodyPr rtlCol="0" anchor="ctr"/>
+          <a:lstStyle/>
+          <a:p>
+            <a:pPr algn="ctr"/>
+            <a:r>
+              <a:rPr kumimoji="1" lang="ko-KR" altLang="en-US" sz="1400" b="1" dirty="0">
+                <a:solidFill>
+                  <a:schemeClr val="tx1"/>
+                </a:solidFill>
+              </a:rPr>
+              <a:t>수위 정보 수신</a:t>
+            </a:r>
+            <a:endParaRPr kumimoji="1" lang="en-US" altLang="ko-KR" sz="1400" b="1" dirty="0">
+              <a:solidFill>
+                <a:schemeClr val="tx1"/>
+              </a:solidFill>
+            </a:endParaRPr>
+          </a:p>
+        </p:txBody>
+      </p:sp>
+      <p:sp>
+        <p:nvSpPr>
+          <p:cNvPr id="100" name="직사각형 99">
+            <a:extLst>
+              <a:ext uri="{FF2B5EF4-FFF2-40B4-BE49-F238E27FC236}">
+                <a16:creationId xmlns:a16="http://schemas.microsoft.com/office/drawing/2014/main" id="{7E9617C5-63CA-D096-0856-9A6DA60821D2}"/>
+              </a:ext>
+            </a:extLst>
+          </p:cNvPr>
+          <p:cNvSpPr/>
+          <p:nvPr/>
+        </p:nvSpPr>
+        <p:spPr>
+          <a:xfrm>
+            <a:off x="5173552" y="3389885"/>
+            <a:ext cx="1491714" cy="571774"/>
+          </a:xfrm>
+          <a:prstGeom prst="rect">
+            <a:avLst/>
+          </a:prstGeom>
+          <a:solidFill>
+            <a:schemeClr val="bg1"/>
+          </a:solidFill>
+          <a:ln w="38100">
+            <a:solidFill>
+              <a:srgbClr val="000000"/>
+            </a:solidFill>
+          </a:ln>
+        </p:spPr>
+        <p:style>
+          <a:lnRef idx="2">
+            <a:schemeClr val="accent1">
+              <a:shade val="50000"/>
+            </a:schemeClr>
+          </a:lnRef>
+          <a:fillRef idx="1">
+            <a:schemeClr val="accent1"/>
+          </a:fillRef>
+          <a:effectRef idx="0">
+            <a:schemeClr val="accent1"/>
+          </a:effectRef>
+          <a:fontRef idx="minor">
+            <a:schemeClr val="lt1"/>
+          </a:fontRef>
+        </p:style>
+        <p:txBody>
+          <a:bodyPr rtlCol="0" anchor="ctr"/>
+          <a:lstStyle/>
+          <a:p>
+            <a:pPr algn="ctr"/>
+            <a:r>
+              <a:rPr kumimoji="1" lang="en-US" altLang="ko-Kore-KR" sz="1400" b="1" dirty="0">
+                <a:solidFill>
+                  <a:schemeClr val="tx1"/>
+                </a:solidFill>
+              </a:rPr>
+              <a:t>Mongo DB </a:t>
+            </a:r>
+            <a:r>
+              <a:rPr kumimoji="1" lang="ko-KR" altLang="en-US" sz="1400" b="1" dirty="0">
+                <a:solidFill>
+                  <a:schemeClr val="tx1"/>
+                </a:solidFill>
+              </a:rPr>
+              <a:t>갱신</a:t>
+            </a:r>
+            <a:endParaRPr kumimoji="1" lang="ko-Kore-KR" altLang="en-US" sz="1400" b="1" dirty="0">
+              <a:solidFill>
+                <a:schemeClr val="tx1"/>
+              </a:solidFill>
+            </a:endParaRPr>
+          </a:p>
+        </p:txBody>
+      </p:sp>
+      <p:cxnSp>
+        <p:nvCxnSpPr>
+          <p:cNvPr id="101" name="직선 화살표 연결선 100">
+            <a:extLst>
+              <a:ext uri="{FF2B5EF4-FFF2-40B4-BE49-F238E27FC236}">
+                <a16:creationId xmlns:a16="http://schemas.microsoft.com/office/drawing/2014/main" id="{6A655043-1036-C7A5-DEF6-B300694936B3}"/>
+              </a:ext>
+            </a:extLst>
+          </p:cNvPr>
+          <p:cNvCxnSpPr>
+            <a:cxnSpLocks/>
+            <a:stCxn id="100" idx="0"/>
+            <a:endCxn id="99" idx="2"/>
+          </p:cNvCxnSpPr>
+          <p:nvPr/>
+        </p:nvCxnSpPr>
+        <p:spPr>
+          <a:xfrm flipV="1">
+            <a:off x="5919409" y="3175864"/>
+            <a:ext cx="0" cy="214021"/>
+          </a:xfrm>
+          <a:prstGeom prst="straightConnector1">
+            <a:avLst/>
+          </a:prstGeom>
+          <a:ln w="38100">
+            <a:headEnd type="triangle"/>
+            <a:tailEnd type="none"/>
+          </a:ln>
+        </p:spPr>
+        <p:style>
+          <a:lnRef idx="1">
+            <a:schemeClr val="dk1"/>
+          </a:lnRef>
+          <a:fillRef idx="0">
+            <a:schemeClr val="dk1"/>
+          </a:fillRef>
+          <a:effectRef idx="0">
+            <a:schemeClr val="dk1"/>
+          </a:effectRef>
+          <a:fontRef idx="minor">
+            <a:schemeClr val="tx1"/>
+          </a:fontRef>
+        </p:style>
+      </p:cxnSp>
+      <p:sp>
+        <p:nvSpPr>
+          <p:cNvPr id="102" name="직사각형 101">
+            <a:extLst>
+              <a:ext uri="{FF2B5EF4-FFF2-40B4-BE49-F238E27FC236}">
+                <a16:creationId xmlns:a16="http://schemas.microsoft.com/office/drawing/2014/main" id="{721209E4-C430-25DC-8659-1F75BF89F513}"/>
+              </a:ext>
+            </a:extLst>
+          </p:cNvPr>
+          <p:cNvSpPr/>
+          <p:nvPr/>
+        </p:nvSpPr>
+        <p:spPr>
+          <a:xfrm>
+            <a:off x="5164626" y="4181152"/>
+            <a:ext cx="1491714" cy="571774"/>
+          </a:xfrm>
+          <a:prstGeom prst="rect">
+            <a:avLst/>
+          </a:prstGeom>
+          <a:solidFill>
+            <a:schemeClr val="bg1"/>
+          </a:solidFill>
+          <a:ln w="38100">
+            <a:solidFill>
+              <a:srgbClr val="000000"/>
+            </a:solidFill>
+          </a:ln>
+        </p:spPr>
+        <p:style>
+          <a:lnRef idx="2">
+            <a:schemeClr val="accent1">
+              <a:shade val="50000"/>
+            </a:schemeClr>
+          </a:lnRef>
+          <a:fillRef idx="1">
+            <a:schemeClr val="accent1"/>
+          </a:fillRef>
+          <a:effectRef idx="0">
+            <a:schemeClr val="accent1"/>
+          </a:effectRef>
+          <a:fontRef idx="minor">
+            <a:schemeClr val="lt1"/>
+          </a:fontRef>
+        </p:style>
+        <p:txBody>
+          <a:bodyPr rtlCol="0" anchor="ctr"/>
+          <a:lstStyle/>
+          <a:p>
+            <a:pPr algn="ctr"/>
+            <a:r>
+              <a:rPr kumimoji="1" lang="en-US" altLang="ko-KR" sz="1400" b="1" dirty="0">
+                <a:solidFill>
+                  <a:schemeClr val="tx1"/>
+                </a:solidFill>
+              </a:rPr>
+              <a:t>Android </a:t>
+            </a:r>
+            <a:r>
+              <a:rPr kumimoji="1" lang="ko-KR" altLang="en-US" sz="1400" b="1" dirty="0">
+                <a:solidFill>
+                  <a:schemeClr val="tx1"/>
+                </a:solidFill>
+              </a:rPr>
+              <a:t>요청 수신</a:t>
+            </a:r>
+            <a:endParaRPr kumimoji="1" lang="en-US" altLang="ko-KR" sz="1400" b="1" dirty="0">
+              <a:solidFill>
+                <a:schemeClr val="tx1"/>
+              </a:solidFill>
+            </a:endParaRPr>
+          </a:p>
+        </p:txBody>
+      </p:sp>
+      <p:sp>
+        <p:nvSpPr>
+          <p:cNvPr id="103" name="직사각형 102">
+            <a:extLst>
+              <a:ext uri="{FF2B5EF4-FFF2-40B4-BE49-F238E27FC236}">
+                <a16:creationId xmlns:a16="http://schemas.microsoft.com/office/drawing/2014/main" id="{11324B73-3A51-478B-82F0-5AF94DED0EFB}"/>
+              </a:ext>
+            </a:extLst>
+          </p:cNvPr>
+          <p:cNvSpPr/>
+          <p:nvPr/>
+        </p:nvSpPr>
+        <p:spPr>
+          <a:xfrm>
+            <a:off x="5164626" y="4966947"/>
+            <a:ext cx="1491714" cy="571774"/>
+          </a:xfrm>
+          <a:prstGeom prst="rect">
+            <a:avLst/>
+          </a:prstGeom>
+          <a:solidFill>
+            <a:schemeClr val="bg1"/>
+          </a:solidFill>
+          <a:ln w="38100">
+            <a:solidFill>
+              <a:srgbClr val="000000"/>
+            </a:solidFill>
+          </a:ln>
+        </p:spPr>
+        <p:style>
+          <a:lnRef idx="2">
+            <a:schemeClr val="accent1">
+              <a:shade val="50000"/>
+            </a:schemeClr>
+          </a:lnRef>
+          <a:fillRef idx="1">
+            <a:schemeClr val="accent1"/>
+          </a:fillRef>
+          <a:effectRef idx="0">
+            <a:schemeClr val="accent1"/>
+          </a:effectRef>
+          <a:fontRef idx="minor">
+            <a:schemeClr val="lt1"/>
+          </a:fontRef>
+        </p:style>
+        <p:txBody>
+          <a:bodyPr rtlCol="0" anchor="ctr"/>
+          <a:lstStyle/>
+          <a:p>
+            <a:pPr algn="ctr"/>
+            <a:r>
+              <a:rPr kumimoji="1" lang="en-US" altLang="ko-Kore-KR" sz="1400" b="1" dirty="0">
+                <a:solidFill>
+                  <a:schemeClr val="tx1"/>
+                </a:solidFill>
+              </a:rPr>
+              <a:t>Mongo DB </a:t>
+            </a:r>
+            <a:r>
+              <a:rPr kumimoji="1" lang="ko-KR" altLang="en-US" sz="1400" b="1" dirty="0">
+                <a:solidFill>
+                  <a:schemeClr val="tx1"/>
+                </a:solidFill>
+              </a:rPr>
+              <a:t>접근</a:t>
+            </a:r>
+            <a:endParaRPr kumimoji="1" lang="ko-Kore-KR" altLang="en-US" sz="1400" b="1" dirty="0">
+              <a:solidFill>
+                <a:schemeClr val="tx1"/>
+              </a:solidFill>
+            </a:endParaRPr>
+          </a:p>
+        </p:txBody>
+      </p:sp>
+      <p:cxnSp>
+        <p:nvCxnSpPr>
+          <p:cNvPr id="104" name="직선 화살표 연결선 103">
+            <a:extLst>
+              <a:ext uri="{FF2B5EF4-FFF2-40B4-BE49-F238E27FC236}">
+                <a16:creationId xmlns:a16="http://schemas.microsoft.com/office/drawing/2014/main" id="{47DAD68D-45C6-83B7-4A44-F3BA169ED800}"/>
+              </a:ext>
+            </a:extLst>
+          </p:cNvPr>
+          <p:cNvCxnSpPr>
+            <a:cxnSpLocks/>
+            <a:stCxn id="103" idx="0"/>
+            <a:endCxn id="102" idx="2"/>
+          </p:cNvCxnSpPr>
+          <p:nvPr/>
+        </p:nvCxnSpPr>
+        <p:spPr>
+          <a:xfrm flipV="1">
+            <a:off x="5910483" y="4752926"/>
+            <a:ext cx="0" cy="214021"/>
+          </a:xfrm>
+          <a:prstGeom prst="straightConnector1">
+            <a:avLst/>
+          </a:prstGeom>
+          <a:ln w="38100">
+            <a:headEnd type="triangle"/>
+            <a:tailEnd type="none"/>
+          </a:ln>
+        </p:spPr>
+        <p:style>
+          <a:lnRef idx="1">
+            <a:schemeClr val="dk1"/>
+          </a:lnRef>
+          <a:fillRef idx="0">
+            <a:schemeClr val="dk1"/>
+          </a:fillRef>
+          <a:effectRef idx="0">
+            <a:schemeClr val="dk1"/>
+          </a:effectRef>
+          <a:fontRef idx="minor">
+            <a:schemeClr val="tx1"/>
+          </a:fontRef>
+        </p:style>
+      </p:cxnSp>
+      <p:sp>
+        <p:nvSpPr>
+          <p:cNvPr id="105" name="직사각형 104">
+            <a:extLst>
+              <a:ext uri="{FF2B5EF4-FFF2-40B4-BE49-F238E27FC236}">
+                <a16:creationId xmlns:a16="http://schemas.microsoft.com/office/drawing/2014/main" id="{C076C33F-493C-D3E9-6623-C8A6CE953F70}"/>
+              </a:ext>
+            </a:extLst>
+          </p:cNvPr>
+          <p:cNvSpPr/>
+          <p:nvPr/>
+        </p:nvSpPr>
+        <p:spPr>
+          <a:xfrm>
+            <a:off x="5169793" y="5730261"/>
+            <a:ext cx="1491714" cy="571774"/>
+          </a:xfrm>
+          <a:prstGeom prst="rect">
+            <a:avLst/>
+          </a:prstGeom>
+          <a:solidFill>
+            <a:schemeClr val="bg1"/>
+          </a:solidFill>
+          <a:ln w="38100">
+            <a:solidFill>
+              <a:srgbClr val="000000"/>
+            </a:solidFill>
+          </a:ln>
+        </p:spPr>
+        <p:style>
+          <a:lnRef idx="2">
+            <a:schemeClr val="accent1">
+              <a:shade val="50000"/>
+            </a:schemeClr>
+          </a:lnRef>
+          <a:fillRef idx="1">
+            <a:schemeClr val="accent1"/>
+          </a:fillRef>
+          <a:effectRef idx="0">
+            <a:schemeClr val="accent1"/>
+          </a:effectRef>
+          <a:fontRef idx="minor">
+            <a:schemeClr val="lt1"/>
+          </a:fontRef>
+        </p:style>
+        <p:txBody>
+          <a:bodyPr rtlCol="0" anchor="ctr"/>
+          <a:lstStyle/>
+          <a:p>
+            <a:pPr algn="ctr"/>
+            <a:r>
+              <a:rPr kumimoji="1" lang="ko-KR" altLang="en-US" sz="1400" b="1" dirty="0">
+                <a:solidFill>
+                  <a:schemeClr val="tx1"/>
+                </a:solidFill>
+              </a:rPr>
+              <a:t>데이터 전달</a:t>
+            </a:r>
+            <a:endParaRPr kumimoji="1" lang="ko-Kore-KR" altLang="en-US" sz="1400" b="1" dirty="0">
+              <a:solidFill>
+                <a:schemeClr val="tx1"/>
+              </a:solidFill>
+            </a:endParaRPr>
+          </a:p>
+        </p:txBody>
+      </p:sp>
+      <p:cxnSp>
+        <p:nvCxnSpPr>
+          <p:cNvPr id="106" name="직선 화살표 연결선 105">
+            <a:extLst>
+              <a:ext uri="{FF2B5EF4-FFF2-40B4-BE49-F238E27FC236}">
+                <a16:creationId xmlns:a16="http://schemas.microsoft.com/office/drawing/2014/main" id="{D2D120A8-FF1B-8F49-C855-2400808127CA}"/>
+              </a:ext>
+            </a:extLst>
+          </p:cNvPr>
+          <p:cNvCxnSpPr>
+            <a:cxnSpLocks/>
+            <a:stCxn id="105" idx="0"/>
+          </p:cNvCxnSpPr>
+          <p:nvPr/>
+        </p:nvCxnSpPr>
+        <p:spPr>
+          <a:xfrm flipV="1">
+            <a:off x="5915650" y="5516240"/>
+            <a:ext cx="0" cy="214021"/>
+          </a:xfrm>
+          <a:prstGeom prst="straightConnector1">
+            <a:avLst/>
+          </a:prstGeom>
+          <a:ln w="38100">
+            <a:headEnd type="triangle"/>
+            <a:tailEnd type="none"/>
+          </a:ln>
+        </p:spPr>
+        <p:style>
+          <a:lnRef idx="1">
+            <a:schemeClr val="dk1"/>
+          </a:lnRef>
+          <a:fillRef idx="0">
+            <a:schemeClr val="dk1"/>
+          </a:fillRef>
+          <a:effectRef idx="0">
+            <a:schemeClr val="dk1"/>
+          </a:effectRef>
+          <a:fontRef idx="minor">
+            <a:schemeClr val="tx1"/>
+          </a:fontRef>
+        </p:style>
+      </p:cxnSp>
+      <p:cxnSp>
+        <p:nvCxnSpPr>
+          <p:cNvPr id="107" name="직선 화살표 연결선 106">
+            <a:extLst>
+              <a:ext uri="{FF2B5EF4-FFF2-40B4-BE49-F238E27FC236}">
+                <a16:creationId xmlns:a16="http://schemas.microsoft.com/office/drawing/2014/main" id="{A4378926-7DCE-484B-B9B3-D1311A952A83}"/>
+              </a:ext>
+            </a:extLst>
+          </p:cNvPr>
+          <p:cNvCxnSpPr>
+            <a:cxnSpLocks/>
+          </p:cNvCxnSpPr>
+          <p:nvPr/>
+        </p:nvCxnSpPr>
+        <p:spPr>
+          <a:xfrm flipV="1">
+            <a:off x="5915650" y="3961659"/>
+            <a:ext cx="0" cy="214021"/>
+          </a:xfrm>
+          <a:prstGeom prst="straightConnector1">
+            <a:avLst/>
+          </a:prstGeom>
+          <a:ln w="38100">
+            <a:headEnd type="triangle"/>
+            <a:tailEnd type="none"/>
+          </a:ln>
+        </p:spPr>
+        <p:style>
+          <a:lnRef idx="1">
+            <a:schemeClr val="dk1"/>
+          </a:lnRef>
+          <a:fillRef idx="0">
+            <a:schemeClr val="dk1"/>
+          </a:fillRef>
+          <a:effectRef idx="0">
+            <a:schemeClr val="dk1"/>
+          </a:effectRef>
+          <a:fontRef idx="minor">
+            <a:schemeClr val="tx1"/>
+          </a:fontRef>
+        </p:style>
+      </p:cxnSp>
+    </p:spTree>
+    <p:extLst>
+      <p:ext uri="{BB962C8B-B14F-4D97-AF65-F5344CB8AC3E}">
+        <p14:creationId xmlns:p14="http://schemas.microsoft.com/office/powerpoint/2010/main" val="1824629517"/>
+      </p:ext>
+    </p:extLst>
+  </p:cSld>
+  <p:clrMapOvr>
+    <a:masterClrMapping/>
+  </p:clrMapOvr>
+</p:sld>
+</file>
+
+<file path=ppt/slides/slide8.xml><?xml version="1.0" encoding="utf-8"?>
+<p:sld xmlns:a="http://schemas.openxmlformats.org/drawingml/2006/main" xmlns:r="http://schemas.openxmlformats.org/officeDocument/2006/relationships" xmlns:p="http://schemas.openxmlformats.org/presentationml/2006/main">
+  <p:cSld>
+    <p:spTree>
+      <p:nvGrpSpPr>
+        <p:cNvPr id="1" name=""/>
+        <p:cNvGrpSpPr/>
+        <p:nvPr/>
+      </p:nvGrpSpPr>
+      <p:grpSpPr>
+        <a:xfrm>
+          <a:off x="0" y="0"/>
+          <a:ext cx="0" cy="0"/>
+          <a:chOff x="0" y="0"/>
+          <a:chExt cx="0" cy="0"/>
+        </a:xfrm>
+      </p:grpSpPr>
+      <p:sp>
+        <p:nvSpPr>
+          <p:cNvPr id="2" name="직사각형 1">
+            <a:extLst>
+              <a:ext uri="{FF2B5EF4-FFF2-40B4-BE49-F238E27FC236}">
+                <a16:creationId xmlns:a16="http://schemas.microsoft.com/office/drawing/2014/main" id="{346FF461-6C92-DD19-3D16-5316C09F9B92}"/>
+              </a:ext>
+            </a:extLst>
+          </p:cNvPr>
+          <p:cNvSpPr/>
+          <p:nvPr/>
+        </p:nvSpPr>
+        <p:spPr>
+          <a:xfrm>
+            <a:off x="810467" y="104172"/>
+            <a:ext cx="10210366" cy="6597570"/>
+          </a:xfrm>
+          <a:prstGeom prst="rect">
+            <a:avLst/>
+          </a:prstGeom>
+          <a:solidFill>
+            <a:schemeClr val="accent6">
+              <a:lumMod val="20000"/>
+              <a:lumOff val="80000"/>
+              <a:alpha val="42047"/>
+            </a:schemeClr>
+          </a:solidFill>
+          <a:ln w="38100">
+            <a:solidFill>
+              <a:srgbClr val="000000"/>
+            </a:solidFill>
+          </a:ln>
+        </p:spPr>
+        <p:style>
+          <a:lnRef idx="2">
+            <a:schemeClr val="accent6"/>
+          </a:lnRef>
+          <a:fillRef idx="1">
+            <a:schemeClr val="lt1"/>
+          </a:fillRef>
+          <a:effectRef idx="0">
+            <a:schemeClr val="accent6"/>
+          </a:effectRef>
+          <a:fontRef idx="minor">
+            <a:schemeClr val="dk1"/>
+          </a:fontRef>
+        </p:style>
+        <p:txBody>
+          <a:bodyPr rtlCol="0" anchor="t"/>
+          <a:lstStyle/>
+          <a:p>
+            <a:pPr algn="ctr"/>
+            <a:endParaRPr kumimoji="1" lang="en-US" altLang="ko-KR" sz="3200" b="1" dirty="0">
+              <a:ln w="0"/>
+              <a:solidFill>
+                <a:schemeClr val="tx1"/>
+              </a:solidFill>
+              <a:effectLst>
+                <a:outerShdw blurRad="38100" dist="19050" dir="2700000" algn="tl" rotWithShape="0">
+                  <a:schemeClr val="dk1">
+                    <a:alpha val="40000"/>
+                  </a:schemeClr>
+                </a:outerShdw>
+              </a:effectLst>
+            </a:endParaRPr>
+          </a:p>
+        </p:txBody>
+      </p:sp>
+      <p:sp>
+        <p:nvSpPr>
+          <p:cNvPr id="3" name="직사각형 2">
+            <a:extLst>
+              <a:ext uri="{FF2B5EF4-FFF2-40B4-BE49-F238E27FC236}">
+                <a16:creationId xmlns:a16="http://schemas.microsoft.com/office/drawing/2014/main" id="{51AE12AA-2362-C104-3A60-630890114CCA}"/>
+              </a:ext>
+            </a:extLst>
+          </p:cNvPr>
+          <p:cNvSpPr/>
+          <p:nvPr/>
+        </p:nvSpPr>
+        <p:spPr>
+          <a:xfrm>
+            <a:off x="810467" y="104173"/>
+            <a:ext cx="10210366" cy="457688"/>
+          </a:xfrm>
+          <a:prstGeom prst="rect">
+            <a:avLst/>
+          </a:prstGeom>
+          <a:solidFill>
+            <a:schemeClr val="accent6">
+              <a:lumMod val="60000"/>
+              <a:lumOff val="40000"/>
+            </a:schemeClr>
+          </a:solidFill>
+          <a:ln w="38100">
+            <a:solidFill>
+              <a:schemeClr val="tx1"/>
+            </a:solidFill>
+          </a:ln>
+        </p:spPr>
+        <p:style>
+          <a:lnRef idx="2">
+            <a:schemeClr val="accent1">
+              <a:shade val="50000"/>
+            </a:schemeClr>
+          </a:lnRef>
+          <a:fillRef idx="1">
+            <a:schemeClr val="accent1"/>
+          </a:fillRef>
+          <a:effectRef idx="0">
+            <a:schemeClr val="accent1"/>
+          </a:effectRef>
+          <a:fontRef idx="minor">
+            <a:schemeClr val="lt1"/>
+          </a:fontRef>
+        </p:style>
+        <p:txBody>
+          <a:bodyPr rtlCol="0" anchor="ctr"/>
+          <a:lstStyle/>
+          <a:p>
+            <a:pPr algn="ctr"/>
+            <a:r>
+              <a:rPr kumimoji="1" lang="en-US" altLang="ko-Kore-KR" b="1" dirty="0">
+                <a:solidFill>
+                  <a:schemeClr val="tx1"/>
+                </a:solidFill>
+              </a:rPr>
+              <a:t>Android</a:t>
+            </a:r>
+            <a:endParaRPr kumimoji="1" lang="ko-Kore-KR" altLang="en-US" b="1" dirty="0">
+              <a:solidFill>
+                <a:schemeClr val="tx1"/>
+              </a:solidFill>
+            </a:endParaRPr>
+          </a:p>
+        </p:txBody>
+      </p:sp>
+    </p:spTree>
+    <p:extLst>
+      <p:ext uri="{BB962C8B-B14F-4D97-AF65-F5344CB8AC3E}">
+        <p14:creationId xmlns:p14="http://schemas.microsoft.com/office/powerpoint/2010/main" val="273161768"/>
+      </p:ext>
+    </p:extLst>
+  </p:cSld>
+  <p:clrMapOvr>
+    <a:masterClrMapping/>
+  </p:clrMapOvr>
+</p:sld>
+</file>
+
+<file path=ppt/slides/slide9.xml><?xml version="1.0" encoding="utf-8"?>
+<p:sld xmlns:a="http://schemas.openxmlformats.org/drawingml/2006/main" xmlns:r="http://schemas.openxmlformats.org/officeDocument/2006/relationships" xmlns:p="http://schemas.openxmlformats.org/presentationml/2006/main">
+  <p:cSld>
+    <p:spTree>
+      <p:nvGrpSpPr>
+        <p:cNvPr id="1" name=""/>
+        <p:cNvGrpSpPr/>
+        <p:nvPr/>
+      </p:nvGrpSpPr>
+      <p:grpSpPr>
+        <a:xfrm>
+          <a:off x="0" y="0"/>
+          <a:ext cx="0" cy="0"/>
+          <a:chOff x="0" y="0"/>
+          <a:chExt cx="0" cy="0"/>
+        </a:xfrm>
+      </p:grpSpPr>
+      <p:sp>
+        <p:nvSpPr>
+          <p:cNvPr id="2" name="직사각형 1">
+            <a:extLst>
+              <a:ext uri="{FF2B5EF4-FFF2-40B4-BE49-F238E27FC236}">
+                <a16:creationId xmlns:a16="http://schemas.microsoft.com/office/drawing/2014/main" id="{346FF461-6C92-DD19-3D16-5316C09F9B92}"/>
+              </a:ext>
+            </a:extLst>
+          </p:cNvPr>
+          <p:cNvSpPr/>
+          <p:nvPr/>
+        </p:nvSpPr>
+        <p:spPr>
+          <a:xfrm>
+            <a:off x="797898" y="561860"/>
+            <a:ext cx="10210366" cy="4811417"/>
+          </a:xfrm>
+          <a:prstGeom prst="rect">
+            <a:avLst/>
+          </a:prstGeom>
+          <a:solidFill>
+            <a:schemeClr val="accent6">
+              <a:lumMod val="20000"/>
+              <a:lumOff val="80000"/>
+              <a:alpha val="42047"/>
+            </a:schemeClr>
+          </a:solidFill>
+          <a:ln w="38100">
+            <a:solidFill>
+              <a:srgbClr val="000000"/>
+            </a:solidFill>
+          </a:ln>
+        </p:spPr>
+        <p:style>
+          <a:lnRef idx="2">
+            <a:schemeClr val="accent6"/>
+          </a:lnRef>
+          <a:fillRef idx="1">
+            <a:schemeClr val="lt1"/>
+          </a:fillRef>
+          <a:effectRef idx="0">
+            <a:schemeClr val="accent6"/>
+          </a:effectRef>
+          <a:fontRef idx="minor">
+            <a:schemeClr val="dk1"/>
+          </a:fontRef>
+        </p:style>
+        <p:txBody>
+          <a:bodyPr rtlCol="0" anchor="t"/>
+          <a:lstStyle/>
+          <a:p>
+            <a:pPr algn="ctr"/>
+            <a:endParaRPr kumimoji="1" lang="en-US" altLang="ko-KR" sz="3200" b="1" dirty="0">
+              <a:ln w="0"/>
+              <a:solidFill>
+                <a:schemeClr val="tx1"/>
+              </a:solidFill>
+              <a:effectLst>
+                <a:outerShdw blurRad="38100" dist="19050" dir="2700000" algn="tl" rotWithShape="0">
+                  <a:schemeClr val="dk1">
+                    <a:alpha val="40000"/>
+                  </a:schemeClr>
+                </a:outerShdw>
+              </a:effectLst>
+            </a:endParaRPr>
+          </a:p>
+        </p:txBody>
+      </p:sp>
+      <p:sp>
+        <p:nvSpPr>
+          <p:cNvPr id="3" name="직사각형 2">
+            <a:extLst>
+              <a:ext uri="{FF2B5EF4-FFF2-40B4-BE49-F238E27FC236}">
+                <a16:creationId xmlns:a16="http://schemas.microsoft.com/office/drawing/2014/main" id="{51AE12AA-2362-C104-3A60-630890114CCA}"/>
+              </a:ext>
+            </a:extLst>
+          </p:cNvPr>
+          <p:cNvSpPr/>
+          <p:nvPr/>
+        </p:nvSpPr>
+        <p:spPr>
+          <a:xfrm>
+            <a:off x="810467" y="104173"/>
+            <a:ext cx="10210366" cy="457688"/>
+          </a:xfrm>
+          <a:prstGeom prst="rect">
+            <a:avLst/>
+          </a:prstGeom>
+          <a:solidFill>
+            <a:schemeClr val="accent6">
+              <a:lumMod val="60000"/>
+              <a:lumOff val="40000"/>
+            </a:schemeClr>
+          </a:solidFill>
+          <a:ln w="38100">
+            <a:solidFill>
+              <a:schemeClr val="tx1"/>
+            </a:solidFill>
+          </a:ln>
+        </p:spPr>
+        <p:style>
+          <a:lnRef idx="2">
+            <a:schemeClr val="accent1">
+              <a:shade val="50000"/>
+            </a:schemeClr>
+          </a:lnRef>
+          <a:fillRef idx="1">
+            <a:schemeClr val="accent1"/>
+          </a:fillRef>
+          <a:effectRef idx="0">
+            <a:schemeClr val="accent1"/>
+          </a:effectRef>
+          <a:fontRef idx="minor">
+            <a:schemeClr val="lt1"/>
+          </a:fontRef>
+        </p:style>
+        <p:txBody>
+          <a:bodyPr rtlCol="0" anchor="ctr"/>
+          <a:lstStyle/>
+          <a:p>
+            <a:pPr algn="ctr"/>
+            <a:r>
+              <a:rPr kumimoji="1" lang="en-US" altLang="ko-Kore-KR" b="1" dirty="0">
+                <a:solidFill>
+                  <a:schemeClr val="tx1"/>
+                </a:solidFill>
+              </a:rPr>
+              <a:t>Arduino Nano</a:t>
+            </a:r>
+            <a:endParaRPr kumimoji="1" lang="ko-Kore-KR" altLang="en-US" b="1" dirty="0">
+              <a:solidFill>
+                <a:schemeClr val="tx1"/>
+              </a:solidFill>
+            </a:endParaRPr>
+          </a:p>
+        </p:txBody>
+      </p:sp>
+      <p:sp>
+        <p:nvSpPr>
+          <p:cNvPr id="41" name="직사각형 40">
+            <a:extLst>
+              <a:ext uri="{FF2B5EF4-FFF2-40B4-BE49-F238E27FC236}">
+                <a16:creationId xmlns:a16="http://schemas.microsoft.com/office/drawing/2014/main" id="{23B79B52-CD56-9F84-97B6-88E9C8788800}"/>
+              </a:ext>
+            </a:extLst>
+          </p:cNvPr>
+          <p:cNvSpPr/>
+          <p:nvPr/>
+        </p:nvSpPr>
+        <p:spPr>
+          <a:xfrm>
+            <a:off x="5169793" y="1034163"/>
+            <a:ext cx="1491714" cy="571774"/>
+          </a:xfrm>
+          <a:prstGeom prst="rect">
+            <a:avLst/>
+          </a:prstGeom>
+          <a:solidFill>
+            <a:schemeClr val="bg1"/>
+          </a:solidFill>
+          <a:ln w="38100">
+            <a:solidFill>
+              <a:srgbClr val="000000"/>
+            </a:solidFill>
+          </a:ln>
+        </p:spPr>
+        <p:style>
+          <a:lnRef idx="2">
+            <a:schemeClr val="accent1">
+              <a:shade val="50000"/>
+            </a:schemeClr>
+          </a:lnRef>
+          <a:fillRef idx="1">
+            <a:schemeClr val="accent1"/>
+          </a:fillRef>
+          <a:effectRef idx="0">
+            <a:schemeClr val="accent1"/>
+          </a:effectRef>
+          <a:fontRef idx="minor">
+            <a:schemeClr val="lt1"/>
+          </a:fontRef>
+        </p:style>
+        <p:txBody>
+          <a:bodyPr rtlCol="0" anchor="ctr"/>
+          <a:lstStyle/>
+          <a:p>
+            <a:pPr algn="ctr"/>
+            <a:r>
+              <a:rPr kumimoji="1" lang="ko-KR" altLang="en-US" sz="1400" b="1" dirty="0">
+                <a:solidFill>
+                  <a:schemeClr val="tx1"/>
+                </a:solidFill>
+              </a:rPr>
+              <a:t>프로그램 시작</a:t>
+            </a:r>
+            <a:endParaRPr kumimoji="1" lang="ko-Kore-KR" altLang="en-US" sz="1400" b="1" dirty="0">
+              <a:solidFill>
+                <a:schemeClr val="tx1"/>
+              </a:solidFill>
+            </a:endParaRPr>
+          </a:p>
+        </p:txBody>
+      </p:sp>
+      <p:sp>
+        <p:nvSpPr>
+          <p:cNvPr id="42" name="직사각형 41">
+            <a:extLst>
+              <a:ext uri="{FF2B5EF4-FFF2-40B4-BE49-F238E27FC236}">
+                <a16:creationId xmlns:a16="http://schemas.microsoft.com/office/drawing/2014/main" id="{71EF5DB2-BDB6-065C-6276-6E42E1A74BA2}"/>
+              </a:ext>
+            </a:extLst>
+          </p:cNvPr>
+          <p:cNvSpPr/>
+          <p:nvPr/>
+        </p:nvSpPr>
+        <p:spPr>
+          <a:xfrm>
+            <a:off x="5169793" y="1821169"/>
+            <a:ext cx="1491714" cy="571774"/>
+          </a:xfrm>
+          <a:prstGeom prst="rect">
+            <a:avLst/>
+          </a:prstGeom>
+          <a:solidFill>
+            <a:schemeClr val="bg1"/>
+          </a:solidFill>
+          <a:ln w="38100">
+            <a:solidFill>
+              <a:srgbClr val="000000"/>
+            </a:solidFill>
+          </a:ln>
+        </p:spPr>
+        <p:style>
+          <a:lnRef idx="2">
+            <a:schemeClr val="accent1">
+              <a:shade val="50000"/>
+            </a:schemeClr>
+          </a:lnRef>
+          <a:fillRef idx="1">
+            <a:schemeClr val="accent1"/>
+          </a:fillRef>
+          <a:effectRef idx="0">
+            <a:schemeClr val="accent1"/>
+          </a:effectRef>
+          <a:fontRef idx="minor">
+            <a:schemeClr val="lt1"/>
+          </a:fontRef>
+        </p:style>
+        <p:txBody>
+          <a:bodyPr rtlCol="0" anchor="ctr"/>
+          <a:lstStyle/>
+          <a:p>
+            <a:pPr algn="ctr"/>
+            <a:r>
+              <a:rPr kumimoji="1" lang="ko-KR" altLang="en-US" sz="1400" b="1" dirty="0">
+                <a:solidFill>
+                  <a:schemeClr val="tx1"/>
+                </a:solidFill>
+              </a:rPr>
+              <a:t>수위 센서 작동</a:t>
+            </a:r>
+            <a:endParaRPr kumimoji="1" lang="ko-Kore-KR" altLang="en-US" sz="1400" b="1" dirty="0">
+              <a:solidFill>
+                <a:schemeClr val="tx1"/>
+              </a:solidFill>
+            </a:endParaRPr>
+          </a:p>
+        </p:txBody>
+      </p:sp>
+      <p:cxnSp>
+        <p:nvCxnSpPr>
+          <p:cNvPr id="43" name="직선 화살표 연결선 42">
+            <a:extLst>
+              <a:ext uri="{FF2B5EF4-FFF2-40B4-BE49-F238E27FC236}">
+                <a16:creationId xmlns:a16="http://schemas.microsoft.com/office/drawing/2014/main" id="{9EBBD3F6-CEE1-85FB-A685-3F7A4B4F314A}"/>
+              </a:ext>
+            </a:extLst>
+          </p:cNvPr>
+          <p:cNvCxnSpPr>
+            <a:cxnSpLocks/>
+            <a:endCxn id="42" idx="3"/>
+          </p:cNvCxnSpPr>
+          <p:nvPr/>
+        </p:nvCxnSpPr>
+        <p:spPr>
+          <a:xfrm flipH="1">
+            <a:off x="6661507" y="2107056"/>
+            <a:ext cx="1213561" cy="0"/>
+          </a:xfrm>
+          <a:prstGeom prst="straightConnector1">
+            <a:avLst/>
+          </a:prstGeom>
+          <a:ln w="38100">
+            <a:tailEnd type="triangle"/>
+          </a:ln>
+        </p:spPr>
+        <p:style>
+          <a:lnRef idx="1">
+            <a:schemeClr val="dk1"/>
+          </a:lnRef>
+          <a:fillRef idx="0">
+            <a:schemeClr val="dk1"/>
+          </a:fillRef>
+          <a:effectRef idx="0">
+            <a:schemeClr val="dk1"/>
+          </a:effectRef>
+          <a:fontRef idx="minor">
+            <a:schemeClr val="tx1"/>
+          </a:fontRef>
+        </p:style>
+      </p:cxnSp>
+      <p:cxnSp>
+        <p:nvCxnSpPr>
+          <p:cNvPr id="44" name="직선 화살표 연결선 43">
+            <a:extLst>
+              <a:ext uri="{FF2B5EF4-FFF2-40B4-BE49-F238E27FC236}">
+                <a16:creationId xmlns:a16="http://schemas.microsoft.com/office/drawing/2014/main" id="{4093E22E-BB94-C410-9504-1EF81064B427}"/>
+              </a:ext>
+            </a:extLst>
+          </p:cNvPr>
+          <p:cNvCxnSpPr>
+            <a:cxnSpLocks/>
+          </p:cNvCxnSpPr>
+          <p:nvPr/>
+        </p:nvCxnSpPr>
+        <p:spPr>
+          <a:xfrm>
+            <a:off x="6728671" y="2987615"/>
+            <a:ext cx="1144989" cy="0"/>
+          </a:xfrm>
+          <a:prstGeom prst="straightConnector1">
+            <a:avLst/>
+          </a:prstGeom>
+          <a:ln w="38100">
+            <a:tailEnd type="none"/>
+          </a:ln>
+        </p:spPr>
+        <p:style>
+          <a:lnRef idx="1">
+            <a:schemeClr val="dk1"/>
+          </a:lnRef>
+          <a:fillRef idx="0">
+            <a:schemeClr val="dk1"/>
+          </a:fillRef>
+          <a:effectRef idx="0">
+            <a:schemeClr val="dk1"/>
+          </a:effectRef>
+          <a:fontRef idx="minor">
+            <a:schemeClr val="tx1"/>
+          </a:fontRef>
+        </p:style>
+      </p:cxnSp>
+      <p:cxnSp>
+        <p:nvCxnSpPr>
+          <p:cNvPr id="45" name="직선 화살표 연결선 44">
+            <a:extLst>
+              <a:ext uri="{FF2B5EF4-FFF2-40B4-BE49-F238E27FC236}">
+                <a16:creationId xmlns:a16="http://schemas.microsoft.com/office/drawing/2014/main" id="{D77F8352-070C-87D9-1D74-1F8BA9763BF2}"/>
+              </a:ext>
+            </a:extLst>
+          </p:cNvPr>
+          <p:cNvCxnSpPr>
+            <a:cxnSpLocks/>
+          </p:cNvCxnSpPr>
+          <p:nvPr/>
+        </p:nvCxnSpPr>
+        <p:spPr>
+          <a:xfrm flipV="1">
+            <a:off x="7873660" y="2107056"/>
+            <a:ext cx="1408" cy="880559"/>
+          </a:xfrm>
+          <a:prstGeom prst="straightConnector1">
+            <a:avLst/>
+          </a:prstGeom>
+          <a:ln w="38100">
+            <a:tailEnd type="none"/>
+          </a:ln>
+        </p:spPr>
+        <p:style>
+          <a:lnRef idx="1">
+            <a:schemeClr val="dk1"/>
+          </a:lnRef>
+          <a:fillRef idx="0">
+            <a:schemeClr val="dk1"/>
+          </a:fillRef>
+          <a:effectRef idx="0">
+            <a:schemeClr val="dk1"/>
+          </a:effectRef>
+          <a:fontRef idx="minor">
+            <a:schemeClr val="tx1"/>
+          </a:fontRef>
+        </p:style>
+      </p:cxnSp>
+      <p:cxnSp>
+        <p:nvCxnSpPr>
+          <p:cNvPr id="46" name="직선 화살표 연결선 45">
+            <a:extLst>
+              <a:ext uri="{FF2B5EF4-FFF2-40B4-BE49-F238E27FC236}">
+                <a16:creationId xmlns:a16="http://schemas.microsoft.com/office/drawing/2014/main" id="{4F77A7E7-B643-676B-12AD-4F498F758A44}"/>
+              </a:ext>
+            </a:extLst>
+          </p:cNvPr>
+          <p:cNvCxnSpPr>
+            <a:cxnSpLocks/>
+            <a:stCxn id="41" idx="2"/>
+            <a:endCxn id="42" idx="0"/>
+          </p:cNvCxnSpPr>
+          <p:nvPr/>
+        </p:nvCxnSpPr>
+        <p:spPr>
+          <a:xfrm>
+            <a:off x="5915650" y="1605937"/>
+            <a:ext cx="0" cy="215232"/>
+          </a:xfrm>
+          <a:prstGeom prst="straightConnector1">
+            <a:avLst/>
+          </a:prstGeom>
+          <a:ln w="38100">
+            <a:tailEnd type="triangle"/>
+          </a:ln>
+        </p:spPr>
+        <p:style>
+          <a:lnRef idx="1">
+            <a:schemeClr val="dk1"/>
+          </a:lnRef>
+          <a:fillRef idx="0">
+            <a:schemeClr val="dk1"/>
+          </a:fillRef>
+          <a:effectRef idx="0">
+            <a:schemeClr val="dk1"/>
+          </a:effectRef>
+          <a:fontRef idx="minor">
+            <a:schemeClr val="tx1"/>
+          </a:fontRef>
+        </p:style>
+      </p:cxnSp>
+      <p:cxnSp>
+        <p:nvCxnSpPr>
+          <p:cNvPr id="47" name="직선 화살표 연결선 46">
+            <a:extLst>
+              <a:ext uri="{FF2B5EF4-FFF2-40B4-BE49-F238E27FC236}">
+                <a16:creationId xmlns:a16="http://schemas.microsoft.com/office/drawing/2014/main" id="{8AEAE411-1671-1188-D47C-DA585C53B25F}"/>
+              </a:ext>
+            </a:extLst>
+          </p:cNvPr>
+          <p:cNvCxnSpPr>
+            <a:cxnSpLocks/>
+            <a:stCxn id="42" idx="2"/>
+          </p:cNvCxnSpPr>
+          <p:nvPr/>
+        </p:nvCxnSpPr>
+        <p:spPr>
+          <a:xfrm>
+            <a:off x="5915650" y="2392943"/>
+            <a:ext cx="0" cy="215232"/>
+          </a:xfrm>
+          <a:prstGeom prst="straightConnector1">
+            <a:avLst/>
+          </a:prstGeom>
+          <a:ln w="38100">
+            <a:tailEnd type="triangle"/>
+          </a:ln>
+        </p:spPr>
+        <p:style>
+          <a:lnRef idx="1">
+            <a:schemeClr val="dk1"/>
+          </a:lnRef>
+          <a:fillRef idx="0">
+            <a:schemeClr val="dk1"/>
+          </a:fillRef>
+          <a:effectRef idx="0">
+            <a:schemeClr val="dk1"/>
+          </a:effectRef>
+          <a:fontRef idx="minor">
+            <a:schemeClr val="tx1"/>
+          </a:fontRef>
+        </p:style>
+      </p:cxnSp>
+      <p:sp>
+        <p:nvSpPr>
+          <p:cNvPr id="50" name="다이아몬드 49">
+            <a:extLst>
+              <a:ext uri="{FF2B5EF4-FFF2-40B4-BE49-F238E27FC236}">
+                <a16:creationId xmlns:a16="http://schemas.microsoft.com/office/drawing/2014/main" id="{B6556476-008B-5C55-84E5-051B905FFD17}"/>
+              </a:ext>
+            </a:extLst>
+          </p:cNvPr>
+          <p:cNvSpPr/>
+          <p:nvPr/>
+        </p:nvSpPr>
+        <p:spPr>
+          <a:xfrm>
+            <a:off x="5110147" y="2605868"/>
+            <a:ext cx="1618524" cy="755904"/>
+          </a:xfrm>
+          <a:prstGeom prst="diamond">
+            <a:avLst/>
+          </a:prstGeom>
+          <a:solidFill>
+            <a:schemeClr val="bg1"/>
+          </a:solidFill>
+          <a:ln w="38100">
+            <a:solidFill>
+              <a:schemeClr val="tx1"/>
+            </a:solidFill>
+          </a:ln>
+        </p:spPr>
+        <p:style>
+          <a:lnRef idx="2">
+            <a:schemeClr val="accent6"/>
+          </a:lnRef>
+          <a:fillRef idx="1">
+            <a:schemeClr val="lt1"/>
+          </a:fillRef>
+          <a:effectRef idx="0">
+            <a:schemeClr val="accent6"/>
+          </a:effectRef>
+          <a:fontRef idx="minor">
+            <a:schemeClr val="dk1"/>
+          </a:fontRef>
+        </p:style>
+        <p:txBody>
+          <a:bodyPr rtlCol="0" anchor="ctr"/>
+          <a:lstStyle/>
+          <a:p>
+            <a:pPr algn="ctr"/>
+            <a:r>
+              <a:rPr kumimoji="1" lang="ko-Kore-KR" altLang="en-US" sz="1400" b="1" dirty="0"/>
+              <a:t>기준치</a:t>
+            </a:r>
+            <a:r>
+              <a:rPr kumimoji="1" lang="ko-KR" altLang="en-US" sz="1400" b="1" dirty="0"/>
+              <a:t> 도달</a:t>
+            </a:r>
+            <a:r>
+              <a:rPr kumimoji="1" lang="en-US" altLang="ko-KR" sz="1400" b="1" dirty="0"/>
+              <a:t>?</a:t>
+            </a:r>
+            <a:endParaRPr kumimoji="1" lang="ko-Kore-KR" altLang="en-US" sz="1400" b="1" dirty="0"/>
+          </a:p>
+        </p:txBody>
+      </p:sp>
+      <p:sp>
+        <p:nvSpPr>
+          <p:cNvPr id="51" name="직사각형 50">
+            <a:extLst>
+              <a:ext uri="{FF2B5EF4-FFF2-40B4-BE49-F238E27FC236}">
+                <a16:creationId xmlns:a16="http://schemas.microsoft.com/office/drawing/2014/main" id="{C1B81E9D-D23C-10BF-76AF-DB8904E4E54A}"/>
+              </a:ext>
+            </a:extLst>
+          </p:cNvPr>
+          <p:cNvSpPr/>
+          <p:nvPr/>
+        </p:nvSpPr>
+        <p:spPr>
+          <a:xfrm>
+            <a:off x="5169793" y="3579290"/>
+            <a:ext cx="1491714" cy="571774"/>
+          </a:xfrm>
+          <a:prstGeom prst="rect">
+            <a:avLst/>
+          </a:prstGeom>
+          <a:solidFill>
+            <a:schemeClr val="bg1"/>
+          </a:solidFill>
+          <a:ln w="38100">
+            <a:solidFill>
+              <a:srgbClr val="000000"/>
+            </a:solidFill>
+          </a:ln>
+        </p:spPr>
+        <p:style>
+          <a:lnRef idx="2">
+            <a:schemeClr val="accent1">
+              <a:shade val="50000"/>
+            </a:schemeClr>
+          </a:lnRef>
+          <a:fillRef idx="1">
+            <a:schemeClr val="accent1"/>
+          </a:fillRef>
+          <a:effectRef idx="0">
+            <a:schemeClr val="accent1"/>
+          </a:effectRef>
+          <a:fontRef idx="minor">
+            <a:schemeClr val="lt1"/>
+          </a:fontRef>
+        </p:style>
+        <p:txBody>
+          <a:bodyPr rtlCol="0" anchor="ctr"/>
+          <a:lstStyle/>
+          <a:p>
+            <a:pPr algn="ctr"/>
+            <a:r>
+              <a:rPr kumimoji="1" lang="en-US" altLang="ko-Kore-KR" sz="1400" b="1" dirty="0">
+                <a:solidFill>
+                  <a:schemeClr val="tx1"/>
+                </a:solidFill>
+              </a:rPr>
+              <a:t>RF </a:t>
+            </a:r>
+            <a:r>
+              <a:rPr kumimoji="1" lang="ko-KR" altLang="en-US" sz="1400" b="1" dirty="0">
+                <a:solidFill>
+                  <a:schemeClr val="tx1"/>
+                </a:solidFill>
+              </a:rPr>
+              <a:t>모듈로</a:t>
+            </a:r>
+            <a:endParaRPr kumimoji="1" lang="en-US" altLang="ko-KR" sz="1400" b="1" dirty="0">
+              <a:solidFill>
+                <a:schemeClr val="tx1"/>
+              </a:solidFill>
+            </a:endParaRPr>
+          </a:p>
+          <a:p>
+            <a:pPr algn="ctr"/>
+            <a:r>
+              <a:rPr kumimoji="1" lang="ko-KR" altLang="en-US" sz="1400" b="1" dirty="0">
+                <a:solidFill>
+                  <a:schemeClr val="tx1"/>
+                </a:solidFill>
+              </a:rPr>
+              <a:t>데이터 전송</a:t>
+            </a:r>
+            <a:endParaRPr kumimoji="1" lang="ko-Kore-KR" altLang="en-US" sz="1400" b="1" dirty="0">
+              <a:solidFill>
+                <a:schemeClr val="tx1"/>
+              </a:solidFill>
+            </a:endParaRPr>
+          </a:p>
+        </p:txBody>
+      </p:sp>
+      <p:cxnSp>
+        <p:nvCxnSpPr>
+          <p:cNvPr id="52" name="직선 화살표 연결선 51">
+            <a:extLst>
+              <a:ext uri="{FF2B5EF4-FFF2-40B4-BE49-F238E27FC236}">
+                <a16:creationId xmlns:a16="http://schemas.microsoft.com/office/drawing/2014/main" id="{EDA182A7-5DC4-88F8-5D83-6C9ED58C9F50}"/>
+              </a:ext>
+            </a:extLst>
+          </p:cNvPr>
+          <p:cNvCxnSpPr>
+            <a:cxnSpLocks/>
+            <a:stCxn id="51" idx="0"/>
+          </p:cNvCxnSpPr>
+          <p:nvPr/>
+        </p:nvCxnSpPr>
+        <p:spPr>
+          <a:xfrm flipV="1">
+            <a:off x="5915650" y="3368651"/>
+            <a:ext cx="0" cy="210639"/>
+          </a:xfrm>
+          <a:prstGeom prst="straightConnector1">
+            <a:avLst/>
+          </a:prstGeom>
+          <a:ln w="38100">
+            <a:headEnd type="triangle"/>
+            <a:tailEnd type="none"/>
+          </a:ln>
+        </p:spPr>
+        <p:style>
+          <a:lnRef idx="1">
+            <a:schemeClr val="dk1"/>
+          </a:lnRef>
+          <a:fillRef idx="0">
+            <a:schemeClr val="dk1"/>
+          </a:fillRef>
+          <a:effectRef idx="0">
+            <a:schemeClr val="dk1"/>
+          </a:effectRef>
+          <a:fontRef idx="minor">
+            <a:schemeClr val="tx1"/>
+          </a:fontRef>
+        </p:style>
+      </p:cxnSp>
+      <p:sp>
+        <p:nvSpPr>
+          <p:cNvPr id="53" name="직사각형 52">
+            <a:extLst>
+              <a:ext uri="{FF2B5EF4-FFF2-40B4-BE49-F238E27FC236}">
+                <a16:creationId xmlns:a16="http://schemas.microsoft.com/office/drawing/2014/main" id="{7E42FA51-C4A0-1EE0-F0BB-270FA519160F}"/>
+              </a:ext>
+            </a:extLst>
+          </p:cNvPr>
+          <p:cNvSpPr/>
+          <p:nvPr/>
+        </p:nvSpPr>
+        <p:spPr>
+          <a:xfrm>
+            <a:off x="5169793" y="4361703"/>
+            <a:ext cx="1491714" cy="571774"/>
+          </a:xfrm>
+          <a:prstGeom prst="rect">
+            <a:avLst/>
+          </a:prstGeom>
+          <a:solidFill>
+            <a:schemeClr val="bg1"/>
+          </a:solidFill>
+          <a:ln w="38100">
+            <a:solidFill>
+              <a:srgbClr val="000000"/>
+            </a:solidFill>
+          </a:ln>
+        </p:spPr>
+        <p:style>
+          <a:lnRef idx="2">
+            <a:schemeClr val="accent1">
+              <a:shade val="50000"/>
+            </a:schemeClr>
+          </a:lnRef>
+          <a:fillRef idx="1">
+            <a:schemeClr val="accent1"/>
+          </a:fillRef>
+          <a:effectRef idx="0">
+            <a:schemeClr val="accent1"/>
+          </a:effectRef>
+          <a:fontRef idx="minor">
+            <a:schemeClr val="lt1"/>
+          </a:fontRef>
+        </p:style>
+        <p:txBody>
+          <a:bodyPr rtlCol="0" anchor="ctr"/>
+          <a:lstStyle/>
+          <a:p>
+            <a:pPr algn="ctr"/>
+            <a:r>
+              <a:rPr kumimoji="1" lang="ko-KR" altLang="en-US" sz="1400" b="1" dirty="0">
+                <a:solidFill>
+                  <a:schemeClr val="tx1"/>
+                </a:solidFill>
+              </a:rPr>
+              <a:t>작동 중지</a:t>
+            </a:r>
+            <a:endParaRPr kumimoji="1" lang="ko-Kore-KR" altLang="en-US" sz="1400" b="1" dirty="0">
+              <a:solidFill>
+                <a:schemeClr val="tx1"/>
+              </a:solidFill>
+            </a:endParaRPr>
+          </a:p>
+        </p:txBody>
+      </p:sp>
+      <p:cxnSp>
+        <p:nvCxnSpPr>
+          <p:cNvPr id="54" name="직선 화살표 연결선 53">
+            <a:extLst>
+              <a:ext uri="{FF2B5EF4-FFF2-40B4-BE49-F238E27FC236}">
+                <a16:creationId xmlns:a16="http://schemas.microsoft.com/office/drawing/2014/main" id="{06C2DAB6-CD94-E1A1-95B8-82BC6E81DCBD}"/>
+              </a:ext>
+            </a:extLst>
+          </p:cNvPr>
+          <p:cNvCxnSpPr>
+            <a:cxnSpLocks/>
+          </p:cNvCxnSpPr>
+          <p:nvPr/>
+        </p:nvCxnSpPr>
+        <p:spPr>
+          <a:xfrm flipV="1">
+            <a:off x="5916597" y="4141626"/>
+            <a:ext cx="0" cy="210639"/>
+          </a:xfrm>
+          <a:prstGeom prst="straightConnector1">
+            <a:avLst/>
+          </a:prstGeom>
+          <a:ln w="38100">
+            <a:headEnd type="triangle"/>
+            <a:tailEnd type="none"/>
+          </a:ln>
+        </p:spPr>
+        <p:style>
+          <a:lnRef idx="1">
+            <a:schemeClr val="dk1"/>
+          </a:lnRef>
+          <a:fillRef idx="0">
+            <a:schemeClr val="dk1"/>
+          </a:fillRef>
+          <a:effectRef idx="0">
+            <a:schemeClr val="dk1"/>
+          </a:effectRef>
+          <a:fontRef idx="minor">
+            <a:schemeClr val="tx1"/>
+          </a:fontRef>
+        </p:style>
+      </p:cxnSp>
+    </p:spTree>
+    <p:extLst>
+      <p:ext uri="{BB962C8B-B14F-4D97-AF65-F5344CB8AC3E}">
+        <p14:creationId xmlns:p14="http://schemas.microsoft.com/office/powerpoint/2010/main" val="3947218195"/>
       </p:ext>
     </p:extLst>
   </p:cSld>

--- a/Figure_file_1.pptx
+++ b/Figure_file_1.pptx
@@ -5377,7 +5377,7 @@
         </p:nvSpPr>
         <p:spPr>
           <a:xfrm>
-            <a:off x="810467" y="104172"/>
+            <a:off x="810467" y="260430"/>
             <a:ext cx="10210366" cy="6597570"/>
           </a:xfrm>
           <a:prstGeom prst="rect">
@@ -5622,7 +5622,7 @@
                   <a:schemeClr val="tx1"/>
                 </a:solidFill>
               </a:rPr>
-              <a:t>수위 센서 작동</a:t>
+              <a:t>초음파 센서 작동</a:t>
             </a:r>
             <a:endParaRPr kumimoji="1" lang="ko-Kore-KR" altLang="en-US" sz="1400" b="1" dirty="0">
               <a:solidFill>
@@ -5650,7 +5650,7 @@
         <p:spPr>
           <a:xfrm flipH="1">
             <a:off x="6661507" y="2107056"/>
-            <a:ext cx="1213561" cy="0"/>
+            <a:ext cx="1066404" cy="0"/>
           </a:xfrm>
           <a:prstGeom prst="straightConnector1">
             <a:avLst/>
@@ -5685,13 +5685,14 @@
           </p:cNvPr>
           <p:cNvCxnSpPr>
             <a:cxnSpLocks/>
+            <a:stCxn id="13" idx="3"/>
           </p:cNvCxnSpPr>
           <p:nvPr/>
         </p:nvCxnSpPr>
         <p:spPr>
           <a:xfrm>
-            <a:off x="6728671" y="2987615"/>
-            <a:ext cx="1144989" cy="0"/>
+            <a:off x="7080724" y="3779171"/>
+            <a:ext cx="630128" cy="0"/>
           </a:xfrm>
           <a:prstGeom prst="straightConnector1">
             <a:avLst/>
@@ -5731,8 +5732,8 @@
         </p:nvCxnSpPr>
         <p:spPr>
           <a:xfrm flipV="1">
-            <a:off x="7873660" y="2107056"/>
-            <a:ext cx="1408" cy="880559"/>
+            <a:off x="7727911" y="2111235"/>
+            <a:ext cx="0" cy="1667936"/>
           </a:xfrm>
           <a:prstGeom prst="straightConnector1">
             <a:avLst/>
@@ -5810,14 +5811,14 @@
           </p:cNvPr>
           <p:cNvCxnSpPr>
             <a:cxnSpLocks/>
-            <a:stCxn id="5" idx="2"/>
+            <a:endCxn id="13" idx="0"/>
           </p:cNvCxnSpPr>
           <p:nvPr/>
         </p:nvCxnSpPr>
         <p:spPr>
           <a:xfrm>
-            <a:off x="5915650" y="2392943"/>
-            <a:ext cx="0" cy="215232"/>
+            <a:off x="5914792" y="3188294"/>
+            <a:ext cx="858" cy="212925"/>
           </a:xfrm>
           <a:prstGeom prst="straightConnector1">
             <a:avLst/>
@@ -5843,10 +5844,10 @@
       </p:cxnSp>
       <p:sp>
         <p:nvSpPr>
-          <p:cNvPr id="11" name="직사각형 10">
-            <a:extLst>
-              <a:ext uri="{FF2B5EF4-FFF2-40B4-BE49-F238E27FC236}">
-                <a16:creationId xmlns:a16="http://schemas.microsoft.com/office/drawing/2014/main" id="{5F37F8D8-B6CD-9DAB-2F05-5E42F0211F90}"/>
+          <p:cNvPr id="13" name="다이아몬드 12">
+            <a:extLst>
+              <a:ext uri="{FF2B5EF4-FFF2-40B4-BE49-F238E27FC236}">
+                <a16:creationId xmlns:a16="http://schemas.microsoft.com/office/drawing/2014/main" id="{09DD9F13-B1E2-CCC1-D687-5129712C52F2}"/>
               </a:ext>
             </a:extLst>
           </p:cNvPr>
@@ -5855,7 +5856,66 @@
         </p:nvSpPr>
         <p:spPr>
           <a:xfrm>
-            <a:off x="5173552" y="3579290"/>
+            <a:off x="4750575" y="3401219"/>
+            <a:ext cx="2330149" cy="755904"/>
+          </a:xfrm>
+          <a:prstGeom prst="diamond">
+            <a:avLst/>
+          </a:prstGeom>
+          <a:solidFill>
+            <a:schemeClr val="bg1"/>
+          </a:solidFill>
+          <a:ln w="38100">
+            <a:solidFill>
+              <a:schemeClr val="tx1"/>
+            </a:solidFill>
+          </a:ln>
+        </p:spPr>
+        <p:style>
+          <a:lnRef idx="2">
+            <a:schemeClr val="accent6"/>
+          </a:lnRef>
+          <a:fillRef idx="1">
+            <a:schemeClr val="lt1"/>
+          </a:fillRef>
+          <a:effectRef idx="0">
+            <a:schemeClr val="accent6"/>
+          </a:effectRef>
+          <a:fontRef idx="minor">
+            <a:schemeClr val="dk1"/>
+          </a:fontRef>
+        </p:style>
+        <p:txBody>
+          <a:bodyPr rtlCol="0" anchor="ctr"/>
+          <a:lstStyle/>
+          <a:p>
+            <a:pPr algn="ctr"/>
+            <a:r>
+              <a:rPr kumimoji="1" lang="ko-KR" altLang="en-US" sz="1400" b="1" dirty="0"/>
+              <a:t>오차 내의 값</a:t>
+            </a:r>
+            <a:r>
+              <a:rPr kumimoji="1" lang="en-US" altLang="ko-KR" sz="1400" b="1" dirty="0"/>
+              <a:t>?</a:t>
+            </a:r>
+          </a:p>
+        </p:txBody>
+      </p:sp>
+      <p:sp>
+        <p:nvSpPr>
+          <p:cNvPr id="14" name="직사각형 13">
+            <a:extLst>
+              <a:ext uri="{FF2B5EF4-FFF2-40B4-BE49-F238E27FC236}">
+                <a16:creationId xmlns:a16="http://schemas.microsoft.com/office/drawing/2014/main" id="{E7DFE6C0-56CD-1DC3-2E2F-0B43E644AD0E}"/>
+              </a:ext>
+            </a:extLst>
+          </p:cNvPr>
+          <p:cNvSpPr/>
+          <p:nvPr/>
+        </p:nvSpPr>
+        <p:spPr>
+          <a:xfrm>
+            <a:off x="5168935" y="4364634"/>
             <a:ext cx="1491714" cy="571774"/>
           </a:xfrm>
           <a:prstGeom prst="rect">
@@ -5897,15 +5957,7 @@
                   <a:schemeClr val="tx1"/>
                 </a:solidFill>
               </a:rPr>
-              <a:t>String</a:t>
-            </a:r>
-            <a:r>
-              <a:rPr kumimoji="1" lang="ko-KR" altLang="en-US" sz="1400" b="1" dirty="0" err="1">
-                <a:solidFill>
-                  <a:schemeClr val="tx1"/>
-                </a:solidFill>
-              </a:rPr>
-              <a:t>으로</a:t>
+              <a:t>RF </a:t>
             </a:r>
             <a:r>
               <a:rPr kumimoji="1" lang="ko-KR" altLang="en-US" sz="1400" b="1" dirty="0">
@@ -5913,7 +5965,23 @@
                   <a:schemeClr val="tx1"/>
                 </a:solidFill>
               </a:rPr>
-              <a:t> 변환</a:t>
+              <a:t>모듈로</a:t>
+            </a:r>
+            <a:endParaRPr kumimoji="1" lang="en-US" altLang="ko-KR" sz="1400" b="1" dirty="0">
+              <a:solidFill>
+                <a:schemeClr val="tx1"/>
+              </a:solidFill>
+            </a:endParaRPr>
+          </a:p>
+          <a:p>
+            <a:pPr algn="ctr"/>
+            <a:r>
+              <a:rPr kumimoji="1" lang="ko-KR" altLang="en-US" sz="1400" b="1" dirty="0">
+                <a:solidFill>
+                  <a:schemeClr val="tx1"/>
+                </a:solidFill>
+              </a:rPr>
+              <a:t>데이터 전송</a:t>
             </a:r>
             <a:endParaRPr kumimoji="1" lang="ko-Kore-KR" altLang="en-US" sz="1400" b="1" dirty="0">
               <a:solidFill>
@@ -5925,24 +5993,23 @@
       </p:sp>
       <p:cxnSp>
         <p:nvCxnSpPr>
-          <p:cNvPr id="12" name="직선 화살표 연결선 11">
-            <a:extLst>
-              <a:ext uri="{FF2B5EF4-FFF2-40B4-BE49-F238E27FC236}">
-                <a16:creationId xmlns:a16="http://schemas.microsoft.com/office/drawing/2014/main" id="{BAFFF08A-3311-3DC3-186C-F782636C48D9}"/>
+          <p:cNvPr id="15" name="직선 화살표 연결선 14">
+            <a:extLst>
+              <a:ext uri="{FF2B5EF4-FFF2-40B4-BE49-F238E27FC236}">
+                <a16:creationId xmlns:a16="http://schemas.microsoft.com/office/drawing/2014/main" id="{C8802BEA-8373-7A97-1060-6F669BCD3B8F}"/>
               </a:ext>
             </a:extLst>
           </p:cNvPr>
           <p:cNvCxnSpPr>
             <a:cxnSpLocks/>
-            <a:stCxn id="11" idx="0"/>
-            <a:endCxn id="13" idx="2"/>
+            <a:stCxn id="14" idx="0"/>
           </p:cNvCxnSpPr>
           <p:nvPr/>
         </p:nvCxnSpPr>
         <p:spPr>
           <a:xfrm flipV="1">
-            <a:off x="5919409" y="3361772"/>
-            <a:ext cx="0" cy="217518"/>
+            <a:off x="5914792" y="4153995"/>
+            <a:ext cx="0" cy="210639"/>
           </a:xfrm>
           <a:prstGeom prst="straightConnector1">
             <a:avLst/>
@@ -5969,10 +6036,10 @@
       </p:cxnSp>
       <p:sp>
         <p:nvSpPr>
-          <p:cNvPr id="13" name="다이아몬드 12">
-            <a:extLst>
-              <a:ext uri="{FF2B5EF4-FFF2-40B4-BE49-F238E27FC236}">
-                <a16:creationId xmlns:a16="http://schemas.microsoft.com/office/drawing/2014/main" id="{09DD9F13-B1E2-CCC1-D687-5129712C52F2}"/>
+          <p:cNvPr id="16" name="직사각형 15">
+            <a:extLst>
+              <a:ext uri="{FF2B5EF4-FFF2-40B4-BE49-F238E27FC236}">
+                <a16:creationId xmlns:a16="http://schemas.microsoft.com/office/drawing/2014/main" id="{BEBD45DA-85E3-5E98-B196-5856F4999DBD}"/>
               </a:ext>
             </a:extLst>
           </p:cNvPr>
@@ -5981,71 +6048,7 @@
         </p:nvSpPr>
         <p:spPr>
           <a:xfrm>
-            <a:off x="5110147" y="2605868"/>
-            <a:ext cx="1618524" cy="755904"/>
-          </a:xfrm>
-          <a:prstGeom prst="diamond">
-            <a:avLst/>
-          </a:prstGeom>
-          <a:solidFill>
-            <a:schemeClr val="bg1"/>
-          </a:solidFill>
-          <a:ln w="38100">
-            <a:solidFill>
-              <a:schemeClr val="tx1"/>
-            </a:solidFill>
-          </a:ln>
-        </p:spPr>
-        <p:style>
-          <a:lnRef idx="2">
-            <a:schemeClr val="accent6"/>
-          </a:lnRef>
-          <a:fillRef idx="1">
-            <a:schemeClr val="lt1"/>
-          </a:fillRef>
-          <a:effectRef idx="0">
-            <a:schemeClr val="accent6"/>
-          </a:effectRef>
-          <a:fontRef idx="minor">
-            <a:schemeClr val="dk1"/>
-          </a:fontRef>
-        </p:style>
-        <p:txBody>
-          <a:bodyPr rtlCol="0" anchor="ctr"/>
-          <a:lstStyle/>
-          <a:p>
-            <a:pPr algn="ctr"/>
-            <a:r>
-              <a:rPr kumimoji="1" lang="ko-Kore-KR" altLang="en-US" sz="1400" b="1" dirty="0"/>
-              <a:t>기준치</a:t>
-            </a:r>
-            <a:r>
-              <a:rPr kumimoji="1" lang="ko-KR" altLang="en-US" sz="1400" b="1" dirty="0"/>
-              <a:t> 도달</a:t>
-            </a:r>
-            <a:r>
-              <a:rPr kumimoji="1" lang="en-US" altLang="ko-KR" sz="1400" b="1" dirty="0"/>
-              <a:t>?</a:t>
-            </a:r>
-            <a:endParaRPr kumimoji="1" lang="ko-Kore-KR" altLang="en-US" sz="1400" b="1" dirty="0"/>
-          </a:p>
-        </p:txBody>
-      </p:sp>
-      <p:sp>
-        <p:nvSpPr>
-          <p:cNvPr id="14" name="직사각형 13">
-            <a:extLst>
-              <a:ext uri="{FF2B5EF4-FFF2-40B4-BE49-F238E27FC236}">
-                <a16:creationId xmlns:a16="http://schemas.microsoft.com/office/drawing/2014/main" id="{E7DFE6C0-56CD-1DC3-2E2F-0B43E644AD0E}"/>
-              </a:ext>
-            </a:extLst>
-          </p:cNvPr>
-          <p:cNvSpPr/>
-          <p:nvPr/>
-        </p:nvSpPr>
-        <p:spPr>
-          <a:xfrm>
-            <a:off x="5173552" y="4361703"/>
+            <a:off x="5168935" y="5157054"/>
             <a:ext cx="1491714" cy="571774"/>
           </a:xfrm>
           <a:prstGeom prst="rect">
@@ -6082,36 +6085,12 @@
           <a:p>
             <a:pPr algn="ctr"/>
             <a:r>
-              <a:rPr kumimoji="1" lang="en-US" altLang="ko-Kore-KR" sz="1400" b="1" dirty="0">
-                <a:solidFill>
-                  <a:schemeClr val="tx1"/>
-                </a:solidFill>
-              </a:rPr>
-              <a:t>RF </a:t>
-            </a:r>
-            <a:r>
               <a:rPr kumimoji="1" lang="ko-KR" altLang="en-US" sz="1400" b="1" dirty="0">
                 <a:solidFill>
                   <a:schemeClr val="tx1"/>
                 </a:solidFill>
               </a:rPr>
-              <a:t>모듈로</a:t>
-            </a:r>
-            <a:endParaRPr kumimoji="1" lang="en-US" altLang="ko-KR" sz="1400" b="1" dirty="0">
-              <a:solidFill>
-                <a:schemeClr val="tx1"/>
-              </a:solidFill>
-            </a:endParaRPr>
-          </a:p>
-          <a:p>
-            <a:pPr algn="ctr"/>
-            <a:r>
-              <a:rPr kumimoji="1" lang="ko-KR" altLang="en-US" sz="1400" b="1" dirty="0">
-                <a:solidFill>
-                  <a:schemeClr val="tx1"/>
-                </a:solidFill>
-              </a:rPr>
-              <a:t>데이터 전송</a:t>
+              <a:t>초기 높이 업데이트</a:t>
             </a:r>
             <a:endParaRPr kumimoji="1" lang="ko-Kore-KR" altLang="en-US" sz="1400" b="1" dirty="0">
               <a:solidFill>
@@ -6123,23 +6102,21 @@
       </p:sp>
       <p:cxnSp>
         <p:nvCxnSpPr>
-          <p:cNvPr id="15" name="직선 화살표 연결선 14">
-            <a:extLst>
-              <a:ext uri="{FF2B5EF4-FFF2-40B4-BE49-F238E27FC236}">
-                <a16:creationId xmlns:a16="http://schemas.microsoft.com/office/drawing/2014/main" id="{C8802BEA-8373-7A97-1060-6F669BCD3B8F}"/>
+          <p:cNvPr id="17" name="직선 화살표 연결선 16">
+            <a:extLst>
+              <a:ext uri="{FF2B5EF4-FFF2-40B4-BE49-F238E27FC236}">
+                <a16:creationId xmlns:a16="http://schemas.microsoft.com/office/drawing/2014/main" id="{8A4CDA76-BD47-B98A-2F03-5F778A9E00D8}"/>
               </a:ext>
             </a:extLst>
           </p:cNvPr>
           <p:cNvCxnSpPr>
             <a:cxnSpLocks/>
-            <a:stCxn id="14" idx="0"/>
-            <a:endCxn id="11" idx="2"/>
           </p:cNvCxnSpPr>
           <p:nvPr/>
         </p:nvCxnSpPr>
         <p:spPr>
           <a:xfrm flipV="1">
-            <a:off x="5919409" y="4151064"/>
+            <a:off x="5915739" y="4946415"/>
             <a:ext cx="0" cy="210639"/>
           </a:xfrm>
           <a:prstGeom prst="straightConnector1">
@@ -6167,10 +6144,10 @@
       </p:cxnSp>
       <p:sp>
         <p:nvSpPr>
-          <p:cNvPr id="16" name="직사각형 15">
-            <a:extLst>
-              <a:ext uri="{FF2B5EF4-FFF2-40B4-BE49-F238E27FC236}">
-                <a16:creationId xmlns:a16="http://schemas.microsoft.com/office/drawing/2014/main" id="{BEBD45DA-85E3-5E98-B196-5856F4999DBD}"/>
+          <p:cNvPr id="48" name="직사각형 47">
+            <a:extLst>
+              <a:ext uri="{FF2B5EF4-FFF2-40B4-BE49-F238E27FC236}">
+                <a16:creationId xmlns:a16="http://schemas.microsoft.com/office/drawing/2014/main" id="{DD3CFFE0-A156-3C9D-5C42-137102DAC244}"/>
               </a:ext>
             </a:extLst>
           </p:cNvPr>
@@ -6179,7 +6156,7 @@
         </p:nvSpPr>
         <p:spPr>
           <a:xfrm>
-            <a:off x="5169793" y="5144116"/>
+            <a:off x="5168935" y="2606513"/>
             <a:ext cx="1491714" cy="571774"/>
           </a:xfrm>
           <a:prstGeom prst="rect">
@@ -6221,7 +6198,7 @@
                   <a:schemeClr val="tx1"/>
                 </a:solidFill>
               </a:rPr>
-              <a:t>작동 중지</a:t>
+              <a:t>초기 높이와 비교</a:t>
             </a:r>
             <a:endParaRPr kumimoji="1" lang="ko-Kore-KR" altLang="en-US" sz="1400" b="1" dirty="0">
               <a:solidFill>
@@ -6233,10 +6210,10 @@
       </p:sp>
       <p:cxnSp>
         <p:nvCxnSpPr>
-          <p:cNvPr id="17" name="직선 화살표 연결선 16">
-            <a:extLst>
-              <a:ext uri="{FF2B5EF4-FFF2-40B4-BE49-F238E27FC236}">
-                <a16:creationId xmlns:a16="http://schemas.microsoft.com/office/drawing/2014/main" id="{8A4CDA76-BD47-B98A-2F03-5F778A9E00D8}"/>
+          <p:cNvPr id="49" name="직선 화살표 연결선 48">
+            <a:extLst>
+              <a:ext uri="{FF2B5EF4-FFF2-40B4-BE49-F238E27FC236}">
+                <a16:creationId xmlns:a16="http://schemas.microsoft.com/office/drawing/2014/main" id="{0C44FCB9-BA55-9094-8BB4-1EB316887CD2}"/>
               </a:ext>
             </a:extLst>
           </p:cNvPr>
@@ -6247,7 +6224,7 @@
         </p:nvCxnSpPr>
         <p:spPr>
           <a:xfrm flipV="1">
-            <a:off x="5916597" y="4933477"/>
+            <a:off x="5915739" y="2395874"/>
             <a:ext cx="0" cy="210639"/>
           </a:xfrm>
           <a:prstGeom prst="straightConnector1">
